--- a/templates/template_vendas.pptx
+++ b/templates/template_vendas.pptx
@@ -5,16 +5,17 @@
     <p:sldMasterId id="2147483648" r:id="rId1"/>
   </p:sldMasterIdLst>
   <p:sldIdLst>
-    <p:sldId id="256" r:id="rId2"/>
-    <p:sldId id="257" r:id="rId3"/>
-    <p:sldId id="258" r:id="rId4"/>
-    <p:sldId id="259" r:id="rId5"/>
-    <p:sldId id="260" r:id="rId6"/>
+    <p:sldId id="462" r:id="rId2"/>
+    <p:sldId id="256" r:id="rId3"/>
+    <p:sldId id="257" r:id="rId4"/>
+    <p:sldId id="258" r:id="rId5"/>
+    <p:sldId id="259" r:id="rId6"/>
+    <p:sldId id="260" r:id="rId7"/>
   </p:sldIdLst>
   <p:sldSz cx="12192000" cy="6858000"/>
   <p:notesSz cx="6858000" cy="9144000"/>
   <p:custDataLst>
-    <p:tags r:id="rId7"/>
+    <p:tags r:id="rId8"/>
   </p:custDataLst>
   <p:defaultTextStyle>
     <a:defPPr>
@@ -134,6 +135,394 @@
   </mc:AlternateContent>
   <c:chart>
     <c:title>
+      <c:tx>
+        <c:rich>
+          <a:bodyPr rot="0" spcFirstLastPara="1" vertOverflow="ellipsis" vert="horz" wrap="square" anchor="ctr" anchorCtr="1"/>
+          <a:lstStyle/>
+          <a:p>
+            <a:pPr>
+              <a:defRPr sz="900" b="1" i="0" u="none" strike="noStrike" kern="1200" spc="0" baseline="0">
+                <a:solidFill>
+                  <a:schemeClr val="tx1">
+                    <a:lumMod val="65000"/>
+                    <a:lumOff val="35000"/>
+                  </a:schemeClr>
+                </a:solidFill>
+                <a:latin typeface="+mn-lt"/>
+                <a:ea typeface="+mn-ea"/>
+                <a:cs typeface="+mn-cs"/>
+              </a:defRPr>
+            </a:pPr>
+            <a:r>
+              <a:rPr lang="pt-BR" sz="900" b="1"/>
+              <a:t>Attribution of change in spend</a:t>
+            </a:r>
+          </a:p>
+        </c:rich>
+      </c:tx>
+      <c:layout>
+        <c:manualLayout>
+          <c:xMode val="edge"/>
+          <c:yMode val="edge"/>
+          <c:x val="2.3930446194225713E-2"/>
+          <c:y val="2.7777777777777776E-2"/>
+        </c:manualLayout>
+      </c:layout>
+      <c:overlay val="0"/>
+      <c:spPr>
+        <a:noFill/>
+        <a:ln>
+          <a:noFill/>
+        </a:ln>
+        <a:effectLst/>
+      </c:spPr>
+      <c:txPr>
+        <a:bodyPr rot="0" spcFirstLastPara="1" vertOverflow="ellipsis" vert="horz" wrap="square" anchor="ctr" anchorCtr="1"/>
+        <a:lstStyle/>
+        <a:p>
+          <a:pPr>
+            <a:defRPr sz="900" b="1" i="0" u="none" strike="noStrike" kern="1200" spc="0" baseline="0">
+              <a:solidFill>
+                <a:schemeClr val="tx1">
+                  <a:lumMod val="65000"/>
+                  <a:lumOff val="35000"/>
+                </a:schemeClr>
+              </a:solidFill>
+              <a:latin typeface="+mn-lt"/>
+              <a:ea typeface="+mn-ea"/>
+              <a:cs typeface="+mn-cs"/>
+            </a:defRPr>
+          </a:pPr>
+          <a:endParaRPr lang="pt-BR"/>
+        </a:p>
+      </c:txPr>
+    </c:title>
+    <c:autoTitleDeleted val="0"/>
+    <c:plotArea>
+      <c:layout>
+        <c:manualLayout>
+          <c:layoutTarget val="inner"/>
+          <c:xMode val="edge"/>
+          <c:yMode val="edge"/>
+          <c:x val="3.5218777431948602E-2"/>
+          <c:y val="0.21924003917806295"/>
+          <c:w val="0.92956244513610276"/>
+          <c:h val="0.62509513160196606"/>
+        </c:manualLayout>
+      </c:layout>
+      <c:barChart>
+        <c:barDir val="bar"/>
+        <c:grouping val="percentStacked"/>
+        <c:varyColors val="0"/>
+        <c:ser>
+          <c:idx val="0"/>
+          <c:order val="0"/>
+          <c:tx>
+            <c:strRef>
+              <c:f>AUXILIAR!$S$20</c:f>
+              <c:strCache>
+                <c:ptCount val="1"/>
+                <c:pt idx="0">
+                  <c:v>Penetração</c:v>
+                </c:pt>
+              </c:strCache>
+            </c:strRef>
+          </c:tx>
+          <c:spPr>
+            <a:solidFill>
+              <a:srgbClr val="259F36"/>
+            </a:solidFill>
+            <a:ln>
+              <a:noFill/>
+            </a:ln>
+            <a:effectLst/>
+          </c:spPr>
+          <c:invertIfNegative val="0"/>
+          <c:val>
+            <c:numRef>
+              <c:f>AUXILIAR!$S$21</c:f>
+              <c:numCache>
+                <c:formatCode>0%</c:formatCode>
+                <c:ptCount val="1"/>
+                <c:pt idx="0">
+                  <c:v>-2.0290666931245847</c:v>
+                </c:pt>
+              </c:numCache>
+            </c:numRef>
+          </c:val>
+          <c:extLst>
+            <c:ext xmlns:c16="http://schemas.microsoft.com/office/drawing/2014/chart" uri="{C3380CC4-5D6E-409C-BE32-E72D297353CC}">
+              <c16:uniqueId val="{00000000-952B-429C-AAB2-731B19D85A96}"/>
+            </c:ext>
+          </c:extLst>
+        </c:ser>
+        <c:ser>
+          <c:idx val="1"/>
+          <c:order val="1"/>
+          <c:tx>
+            <c:strRef>
+              <c:f>AUXILIAR!$T$20</c:f>
+              <c:strCache>
+                <c:ptCount val="1"/>
+                <c:pt idx="0">
+                  <c:v>Frequência</c:v>
+                </c:pt>
+              </c:strCache>
+            </c:strRef>
+          </c:tx>
+          <c:spPr>
+            <a:solidFill>
+              <a:srgbClr val="00B0F0"/>
+            </a:solidFill>
+            <a:ln>
+              <a:noFill/>
+            </a:ln>
+            <a:effectLst/>
+          </c:spPr>
+          <c:invertIfNegative val="0"/>
+          <c:val>
+            <c:numRef>
+              <c:f>AUXILIAR!$T$21</c:f>
+              <c:numCache>
+                <c:formatCode>0%</c:formatCode>
+                <c:ptCount val="1"/>
+                <c:pt idx="0">
+                  <c:v>1.4245814251815228</c:v>
+                </c:pt>
+              </c:numCache>
+            </c:numRef>
+          </c:val>
+          <c:extLst>
+            <c:ext xmlns:c16="http://schemas.microsoft.com/office/drawing/2014/chart" uri="{C3380CC4-5D6E-409C-BE32-E72D297353CC}">
+              <c16:uniqueId val="{00000001-952B-429C-AAB2-731B19D85A96}"/>
+            </c:ext>
+          </c:extLst>
+        </c:ser>
+        <c:ser>
+          <c:idx val="2"/>
+          <c:order val="2"/>
+          <c:tx>
+            <c:strRef>
+              <c:f>AUXILIAR!$U$20</c:f>
+              <c:strCache>
+                <c:ptCount val="1"/>
+                <c:pt idx="0">
+                  <c:v>Volume Médio por Ato</c:v>
+                </c:pt>
+              </c:strCache>
+            </c:strRef>
+          </c:tx>
+          <c:spPr>
+            <a:solidFill>
+              <a:schemeClr val="tx2">
+                <a:lumMod val="75000"/>
+                <a:lumOff val="25000"/>
+              </a:schemeClr>
+            </a:solidFill>
+            <a:ln>
+              <a:noFill/>
+            </a:ln>
+            <a:effectLst/>
+          </c:spPr>
+          <c:invertIfNegative val="0"/>
+          <c:val>
+            <c:numRef>
+              <c:f>AUXILIAR!$U$21</c:f>
+              <c:numCache>
+                <c:formatCode>0%</c:formatCode>
+                <c:ptCount val="1"/>
+                <c:pt idx="0">
+                  <c:v>-0.57066083164559078</c:v>
+                </c:pt>
+              </c:numCache>
+            </c:numRef>
+          </c:val>
+          <c:extLst>
+            <c:ext xmlns:c16="http://schemas.microsoft.com/office/drawing/2014/chart" uri="{C3380CC4-5D6E-409C-BE32-E72D297353CC}">
+              <c16:uniqueId val="{00000002-952B-429C-AAB2-731B19D85A96}"/>
+            </c:ext>
+          </c:extLst>
+        </c:ser>
+        <c:ser>
+          <c:idx val="3"/>
+          <c:order val="3"/>
+          <c:tx>
+            <c:strRef>
+              <c:f>AUXILIAR!$V$20</c:f>
+              <c:strCache>
+                <c:ptCount val="1"/>
+                <c:pt idx="0">
+                  <c:v>Preço Médio</c:v>
+                </c:pt>
+              </c:strCache>
+            </c:strRef>
+          </c:tx>
+          <c:spPr>
+            <a:solidFill>
+              <a:srgbClr val="922A86"/>
+            </a:solidFill>
+            <a:ln>
+              <a:noFill/>
+            </a:ln>
+            <a:effectLst/>
+          </c:spPr>
+          <c:invertIfNegative val="0"/>
+          <c:val>
+            <c:numRef>
+              <c:f>AUXILIAR!$V$21</c:f>
+              <c:numCache>
+                <c:formatCode>0%</c:formatCode>
+                <c:ptCount val="1"/>
+                <c:pt idx="0">
+                  <c:v>-0.54947508454771188</c:v>
+                </c:pt>
+              </c:numCache>
+            </c:numRef>
+          </c:val>
+          <c:extLst>
+            <c:ext xmlns:c16="http://schemas.microsoft.com/office/drawing/2014/chart" uri="{C3380CC4-5D6E-409C-BE32-E72D297353CC}">
+              <c16:uniqueId val="{00000003-952B-429C-AAB2-731B19D85A96}"/>
+            </c:ext>
+          </c:extLst>
+        </c:ser>
+        <c:dLbls>
+          <c:showLegendKey val="0"/>
+          <c:showVal val="0"/>
+          <c:showCatName val="0"/>
+          <c:showSerName val="0"/>
+          <c:showPercent val="0"/>
+          <c:showBubbleSize val="0"/>
+        </c:dLbls>
+        <c:gapWidth val="150"/>
+        <c:overlap val="100"/>
+        <c:axId val="1366929583"/>
+        <c:axId val="1366930543"/>
+      </c:barChart>
+      <c:catAx>
+        <c:axId val="1366929583"/>
+        <c:scaling>
+          <c:orientation val="minMax"/>
+        </c:scaling>
+        <c:delete val="0"/>
+        <c:axPos val="l"/>
+        <c:numFmt formatCode="General" sourceLinked="1"/>
+        <c:majorTickMark val="none"/>
+        <c:minorTickMark val="none"/>
+        <c:tickLblPos val="none"/>
+        <c:spPr>
+          <a:noFill/>
+          <a:ln w="19050" cap="flat" cmpd="sng" algn="ctr">
+            <a:solidFill>
+              <a:schemeClr val="tx1">
+                <a:lumMod val="50000"/>
+                <a:lumOff val="50000"/>
+              </a:schemeClr>
+            </a:solidFill>
+            <a:round/>
+          </a:ln>
+          <a:effectLst/>
+        </c:spPr>
+        <c:txPr>
+          <a:bodyPr rot="-60000000" spcFirstLastPara="1" vertOverflow="ellipsis" vert="horz" wrap="square" anchor="ctr" anchorCtr="1"/>
+          <a:lstStyle/>
+          <a:p>
+            <a:pPr>
+              <a:defRPr sz="900" b="0" i="0" u="none" strike="noStrike" kern="1200" baseline="0">
+                <a:solidFill>
+                  <a:schemeClr val="tx1">
+                    <a:lumMod val="65000"/>
+                    <a:lumOff val="35000"/>
+                  </a:schemeClr>
+                </a:solidFill>
+                <a:latin typeface="+mn-lt"/>
+                <a:ea typeface="+mn-ea"/>
+                <a:cs typeface="+mn-cs"/>
+              </a:defRPr>
+            </a:pPr>
+            <a:endParaRPr lang="pt-BR"/>
+          </a:p>
+        </c:txPr>
+        <c:crossAx val="1366930543"/>
+        <c:crosses val="autoZero"/>
+        <c:auto val="1"/>
+        <c:lblAlgn val="ctr"/>
+        <c:lblOffset val="100"/>
+        <c:tickLblSkip val="1"/>
+        <c:noMultiLvlLbl val="0"/>
+      </c:catAx>
+      <c:valAx>
+        <c:axId val="1366930543"/>
+        <c:scaling>
+          <c:orientation val="minMax"/>
+        </c:scaling>
+        <c:delete val="1"/>
+        <c:axPos val="b"/>
+        <c:numFmt formatCode="0%" sourceLinked="1"/>
+        <c:majorTickMark val="none"/>
+        <c:minorTickMark val="none"/>
+        <c:tickLblPos val="nextTo"/>
+        <c:crossAx val="1366929583"/>
+        <c:crosses val="autoZero"/>
+        <c:crossBetween val="between"/>
+      </c:valAx>
+      <c:spPr>
+        <a:noFill/>
+        <a:ln>
+          <a:noFill/>
+        </a:ln>
+        <a:effectLst/>
+      </c:spPr>
+    </c:plotArea>
+    <c:plotVisOnly val="1"/>
+    <c:dispBlanksAs val="gap"/>
+    <c:extLst>
+      <c:ext xmlns:c16r3="http://schemas.microsoft.com/office/drawing/2017/03/chart" uri="{56B9EC1D-385E-4148-901F-78D8002777C0}">
+        <c16r3:dataDisplayOptions16>
+          <c16r3:dispNaAsBlank val="1"/>
+        </c16r3:dataDisplayOptions16>
+      </c:ext>
+    </c:extLst>
+    <c:showDLblsOverMax val="0"/>
+  </c:chart>
+  <c:spPr>
+    <a:noFill/>
+    <a:ln w="9525" cap="flat" cmpd="sng" algn="ctr">
+      <a:noFill/>
+      <a:round/>
+    </a:ln>
+    <a:effectLst/>
+  </c:spPr>
+  <c:txPr>
+    <a:bodyPr/>
+    <a:lstStyle/>
+    <a:p>
+      <a:pPr>
+        <a:defRPr sz="900" b="0"/>
+      </a:pPr>
+      <a:endParaRPr lang="pt-BR"/>
+    </a:p>
+  </c:txPr>
+  <c:externalData r:id="rId3">
+    <c:autoUpdate val="0"/>
+  </c:externalData>
+</c:chartSpace>
+</file>
+
+<file path=ppt/charts/chart2.xml><?xml version="1.0" encoding="utf-8"?>
+<c:chartSpace xmlns:c="http://schemas.openxmlformats.org/drawingml/2006/chart" xmlns:a="http://schemas.openxmlformats.org/drawingml/2006/main" xmlns:r="http://schemas.openxmlformats.org/officeDocument/2006/relationships" xmlns:c16r2="http://schemas.microsoft.com/office/drawing/2015/06/chart">
+  <c:date1904 val="0"/>
+  <c:lang val="en-US"/>
+  <c:roundedCorners val="0"/>
+  <mc:AlternateContent xmlns:mc="http://schemas.openxmlformats.org/markup-compatibility/2006">
+    <mc:Choice xmlns:c14="http://schemas.microsoft.com/office/drawing/2007/8/2/chart" Requires="c14">
+      <c14:style val="102"/>
+    </mc:Choice>
+    <mc:Fallback>
+      <c:style val="2"/>
+    </mc:Fallback>
+  </mc:AlternateContent>
+  <c:chart>
+    <c:title>
       <c:overlay val="0"/>
       <c:spPr>
         <a:noFill/>
@@ -179,7 +568,7 @@
               <c:strCache>
                 <c:ptCount val="1"/>
                 <c:pt idx="0">
-                  <c:v>Series 1</c:v>
+                  <c:v>Units</c:v>
                 </c:pt>
               </c:strCache>
             </c:strRef>
@@ -196,41 +585,23 @@
           <c:invertIfNegative val="0"/>
           <c:cat>
             <c:strRef>
-              <c:f>Sheet1!$A$2:$A$5</c:f>
+              <c:f>Sheet1!$A$2:$A$2</c:f>
               <c:strCache>
-                <c:ptCount val="4"/>
+                <c:ptCount val="1"/>
                 <c:pt idx="0">
-                  <c:v>Category 1</c:v>
-                </c:pt>
-                <c:pt idx="1">
-                  <c:v>Category 2</c:v>
-                </c:pt>
-                <c:pt idx="2">
-                  <c:v>Category 3</c:v>
-                </c:pt>
-                <c:pt idx="3">
-                  <c:v>Category 4</c:v>
+                  <c:v>YTD Dec-20</c:v>
                 </c:pt>
               </c:strCache>
             </c:strRef>
           </c:cat>
           <c:val>
             <c:numRef>
-              <c:f>Sheet1!$B$2:$B$5</c:f>
+              <c:f>Sheet1!$B$2:$B$2</c:f>
               <c:numCache>
                 <c:formatCode>General</c:formatCode>
-                <c:ptCount val="4"/>
+                <c:ptCount val="1"/>
                 <c:pt idx="0">
-                  <c:v>4.3</c:v>
-                </c:pt>
-                <c:pt idx="1">
-                  <c:v>2.5</c:v>
-                </c:pt>
-                <c:pt idx="2">
-                  <c:v>3.5</c:v>
-                </c:pt>
-                <c:pt idx="3">
-                  <c:v>4.5</c:v>
+                  <c:v>97489140</c:v>
                 </c:pt>
               </c:numCache>
             </c:numRef>
@@ -250,7 +621,7 @@
               <c:strCache>
                 <c:ptCount val="1"/>
                 <c:pt idx="0">
-                  <c:v>Series 2</c:v>
+                  <c:v>Value_(R$)</c:v>
                 </c:pt>
               </c:strCache>
             </c:strRef>
@@ -267,41 +638,23 @@
           <c:invertIfNegative val="0"/>
           <c:cat>
             <c:strRef>
-              <c:f>Sheet1!$A$2:$A$5</c:f>
+              <c:f>Sheet1!$A$2:$A$2</c:f>
               <c:strCache>
-                <c:ptCount val="4"/>
+                <c:ptCount val="1"/>
                 <c:pt idx="0">
-                  <c:v>Category 1</c:v>
-                </c:pt>
-                <c:pt idx="1">
-                  <c:v>Category 2</c:v>
-                </c:pt>
-                <c:pt idx="2">
-                  <c:v>Category 3</c:v>
-                </c:pt>
-                <c:pt idx="3">
-                  <c:v>Category 4</c:v>
+                  <c:v>YTD Dec-20</c:v>
                 </c:pt>
               </c:strCache>
             </c:strRef>
           </c:cat>
           <c:val>
             <c:numRef>
-              <c:f>Sheet1!$C$2:$C$5</c:f>
+              <c:f>Sheet1!$C$2:$C$2</c:f>
               <c:numCache>
                 <c:formatCode>General</c:formatCode>
-                <c:ptCount val="4"/>
+                <c:ptCount val="1"/>
                 <c:pt idx="0">
-                  <c:v>2.4</c:v>
-                </c:pt>
-                <c:pt idx="1">
-                  <c:v>4.4000000000000004</c:v>
-                </c:pt>
-                <c:pt idx="2">
-                  <c:v>1.8</c:v>
-                </c:pt>
-                <c:pt idx="3">
-                  <c:v>2.8</c:v>
+                  <c:v>337875400</c:v>
                 </c:pt>
               </c:numCache>
             </c:numRef>
@@ -321,7 +674,7 @@
               <c:strCache>
                 <c:ptCount val="1"/>
                 <c:pt idx="0">
-                  <c:v>Series 3</c:v>
+                  <c:v>Weighted_HHOLDS</c:v>
                 </c:pt>
               </c:strCache>
             </c:strRef>
@@ -338,41 +691,447 @@
           <c:invertIfNegative val="0"/>
           <c:cat>
             <c:strRef>
-              <c:f>Sheet1!$A$2:$A$5</c:f>
+              <c:f>Sheet1!$A$2:$A$2</c:f>
               <c:strCache>
-                <c:ptCount val="4"/>
+                <c:ptCount val="1"/>
                 <c:pt idx="0">
-                  <c:v>Category 1</c:v>
-                </c:pt>
-                <c:pt idx="1">
-                  <c:v>Category 2</c:v>
-                </c:pt>
-                <c:pt idx="2">
-                  <c:v>Category 3</c:v>
-                </c:pt>
-                <c:pt idx="3">
-                  <c:v>Category 4</c:v>
+                  <c:v>YTD Dec-20</c:v>
                 </c:pt>
               </c:strCache>
             </c:strRef>
           </c:cat>
           <c:val>
             <c:numRef>
-              <c:f>Sheet1!$D$2:$D$5</c:f>
+              <c:f>Sheet1!$D$2:$D$2</c:f>
               <c:numCache>
                 <c:formatCode>General</c:formatCode>
-                <c:ptCount val="4"/>
+                <c:ptCount val="1"/>
                 <c:pt idx="0">
-                  <c:v>2</c:v>
+                  <c:v>57890760</c:v>
                 </c:pt>
-                <c:pt idx="1">
-                  <c:v>2</c:v>
+              </c:numCache>
+            </c:numRef>
+          </c:val>
+          <c:extLst>
+            <c:ext xmlns:c16="http://schemas.microsoft.com/office/drawing/2014/chart" uri="{C3380CC4-5D6E-409C-BE32-E72D297353CC}">
+              <c16:uniqueId val="{00000002-9CBF-4D91-9E49-E803A4B04597}"/>
+            </c:ext>
+          </c:extLst>
+        </c:ser>
+        <c:ser>
+          <c:idx val="3"/>
+          <c:order val="3"/>
+          <c:tx>
+            <c:strRef>
+              <c:f>Sheet1!$E$1</c:f>
+              <c:strCache>
+                <c:ptCount val="1"/>
+                <c:pt idx="0">
+                  <c:v>Weighted_Buyers</c:v>
                 </c:pt>
-                <c:pt idx="2">
-                  <c:v>3</c:v>
+              </c:strCache>
+            </c:strRef>
+          </c:tx>
+          <c:spPr>
+            <a:solidFill>
+              <a:schemeClr val="accent3"/>
+            </a:solidFill>
+            <a:ln>
+              <a:noFill/>
+            </a:ln>
+            <a:effectLst/>
+          </c:spPr>
+          <c:invertIfNegative val="0"/>
+          <c:cat>
+            <c:strRef>
+              <c:f>Sheet1!$A$2:$A$2</c:f>
+              <c:strCache>
+                <c:ptCount val="1"/>
+                <c:pt idx="0">
+                  <c:v>YTD Dec-20</c:v>
                 </c:pt>
-                <c:pt idx="3">
-                  <c:v>5</c:v>
+              </c:strCache>
+            </c:strRef>
+          </c:cat>
+          <c:val>
+            <c:numRef>
+              <c:f>Sheet1!$E$2:$E$2</c:f>
+              <c:numCache>
+                <c:formatCode>General</c:formatCode>
+                <c:ptCount val="1"/>
+                <c:pt idx="0">
+                  <c:v>6987915</c:v>
+                </c:pt>
+              </c:numCache>
+            </c:numRef>
+          </c:val>
+          <c:extLst>
+            <c:ext xmlns:c16="http://schemas.microsoft.com/office/drawing/2014/chart" uri="{C3380CC4-5D6E-409C-BE32-E72D297353CC}">
+              <c16:uniqueId val="{00000002-9CBF-4D91-9E49-E803A4B04597}"/>
+            </c:ext>
+          </c:extLst>
+        </c:ser>
+        <c:ser>
+          <c:idx val="4"/>
+          <c:order val="4"/>
+          <c:tx>
+            <c:strRef>
+              <c:f>Sheet1!$F$1</c:f>
+              <c:strCache>
+                <c:ptCount val="1"/>
+                <c:pt idx="0">
+                  <c:v>Penetration_(%)</c:v>
+                </c:pt>
+              </c:strCache>
+            </c:strRef>
+          </c:tx>
+          <c:spPr>
+            <a:solidFill>
+              <a:schemeClr val="accent3"/>
+            </a:solidFill>
+            <a:ln>
+              <a:noFill/>
+            </a:ln>
+            <a:effectLst/>
+          </c:spPr>
+          <c:invertIfNegative val="0"/>
+          <c:cat>
+            <c:strRef>
+              <c:f>Sheet1!$A$2:$A$2</c:f>
+              <c:strCache>
+                <c:ptCount val="1"/>
+                <c:pt idx="0">
+                  <c:v>YTD Dec-20</c:v>
+                </c:pt>
+              </c:strCache>
+            </c:strRef>
+          </c:cat>
+          <c:val>
+            <c:numRef>
+              <c:f>Sheet1!$F$2:$F$2</c:f>
+              <c:numCache>
+                <c:formatCode>General</c:formatCode>
+                <c:ptCount val="1"/>
+                <c:pt idx="0">
+                  <c:v>12.07</c:v>
+                </c:pt>
+              </c:numCache>
+            </c:numRef>
+          </c:val>
+          <c:extLst>
+            <c:ext xmlns:c16="http://schemas.microsoft.com/office/drawing/2014/chart" uri="{C3380CC4-5D6E-409C-BE32-E72D297353CC}">
+              <c16:uniqueId val="{00000002-9CBF-4D91-9E49-E803A4B04597}"/>
+            </c:ext>
+          </c:extLst>
+        </c:ser>
+        <c:ser>
+          <c:idx val="5"/>
+          <c:order val="5"/>
+          <c:tx>
+            <c:strRef>
+              <c:f>Sheet1!$G$1</c:f>
+              <c:strCache>
+                <c:ptCount val="1"/>
+                <c:pt idx="0">
+                  <c:v>Units_per_Buyer</c:v>
+                </c:pt>
+              </c:strCache>
+            </c:strRef>
+          </c:tx>
+          <c:spPr>
+            <a:solidFill>
+              <a:schemeClr val="accent3"/>
+            </a:solidFill>
+            <a:ln>
+              <a:noFill/>
+            </a:ln>
+            <a:effectLst/>
+          </c:spPr>
+          <c:invertIfNegative val="0"/>
+          <c:cat>
+            <c:strRef>
+              <c:f>Sheet1!$A$2:$A$2</c:f>
+              <c:strCache>
+                <c:ptCount val="1"/>
+                <c:pt idx="0">
+                  <c:v>YTD Dec-20</c:v>
+                </c:pt>
+              </c:strCache>
+            </c:strRef>
+          </c:cat>
+          <c:val>
+            <c:numRef>
+              <c:f>Sheet1!$G$2:$G$2</c:f>
+              <c:numCache>
+                <c:formatCode>General</c:formatCode>
+                <c:ptCount val="1"/>
+                <c:pt idx="0">
+                  <c:v>13.95</c:v>
+                </c:pt>
+              </c:numCache>
+            </c:numRef>
+          </c:val>
+          <c:extLst>
+            <c:ext xmlns:c16="http://schemas.microsoft.com/office/drawing/2014/chart" uri="{C3380CC4-5D6E-409C-BE32-E72D297353CC}">
+              <c16:uniqueId val="{00000002-9CBF-4D91-9E49-E803A4B04597}"/>
+            </c:ext>
+          </c:extLst>
+        </c:ser>
+        <c:ser>
+          <c:idx val="6"/>
+          <c:order val="6"/>
+          <c:tx>
+            <c:strRef>
+              <c:f>Sheet1!$H$1</c:f>
+              <c:strCache>
+                <c:ptCount val="1"/>
+                <c:pt idx="0">
+                  <c:v>Spend_per_Buyer_(R$)</c:v>
+                </c:pt>
+              </c:strCache>
+            </c:strRef>
+          </c:tx>
+          <c:spPr>
+            <a:solidFill>
+              <a:schemeClr val="accent3"/>
+            </a:solidFill>
+            <a:ln>
+              <a:noFill/>
+            </a:ln>
+            <a:effectLst/>
+          </c:spPr>
+          <c:invertIfNegative val="0"/>
+          <c:cat>
+            <c:strRef>
+              <c:f>Sheet1!$A$2:$A$2</c:f>
+              <c:strCache>
+                <c:ptCount val="1"/>
+                <c:pt idx="0">
+                  <c:v>YTD Dec-20</c:v>
+                </c:pt>
+              </c:strCache>
+            </c:strRef>
+          </c:cat>
+          <c:val>
+            <c:numRef>
+              <c:f>Sheet1!$H$2:$H$2</c:f>
+              <c:numCache>
+                <c:formatCode>General</c:formatCode>
+                <c:ptCount val="1"/>
+                <c:pt idx="0">
+                  <c:v>48.35</c:v>
+                </c:pt>
+              </c:numCache>
+            </c:numRef>
+          </c:val>
+          <c:extLst>
+            <c:ext xmlns:c16="http://schemas.microsoft.com/office/drawing/2014/chart" uri="{C3380CC4-5D6E-409C-BE32-E72D297353CC}">
+              <c16:uniqueId val="{00000002-9CBF-4D91-9E49-E803A4B04597}"/>
+            </c:ext>
+          </c:extLst>
+        </c:ser>
+        <c:ser>
+          <c:idx val="7"/>
+          <c:order val="7"/>
+          <c:tx>
+            <c:strRef>
+              <c:f>Sheet1!$I$1</c:f>
+              <c:strCache>
+                <c:ptCount val="1"/>
+                <c:pt idx="0">
+                  <c:v>Units_per_Trip</c:v>
+                </c:pt>
+              </c:strCache>
+            </c:strRef>
+          </c:tx>
+          <c:spPr>
+            <a:solidFill>
+              <a:schemeClr val="accent3"/>
+            </a:solidFill>
+            <a:ln>
+              <a:noFill/>
+            </a:ln>
+            <a:effectLst/>
+          </c:spPr>
+          <c:invertIfNegative val="0"/>
+          <c:cat>
+            <c:strRef>
+              <c:f>Sheet1!$A$2:$A$2</c:f>
+              <c:strCache>
+                <c:ptCount val="1"/>
+                <c:pt idx="0">
+                  <c:v>YTD Dec-20</c:v>
+                </c:pt>
+              </c:strCache>
+            </c:strRef>
+          </c:cat>
+          <c:val>
+            <c:numRef>
+              <c:f>Sheet1!$I$2:$I$2</c:f>
+              <c:numCache>
+                <c:formatCode>General</c:formatCode>
+                <c:ptCount val="1"/>
+                <c:pt idx="0">
+                  <c:v>3.23</c:v>
+                </c:pt>
+              </c:numCache>
+            </c:numRef>
+          </c:val>
+          <c:extLst>
+            <c:ext xmlns:c16="http://schemas.microsoft.com/office/drawing/2014/chart" uri="{C3380CC4-5D6E-409C-BE32-E72D297353CC}">
+              <c16:uniqueId val="{00000002-9CBF-4D91-9E49-E803A4B04597}"/>
+            </c:ext>
+          </c:extLst>
+        </c:ser>
+        <c:ser>
+          <c:idx val="8"/>
+          <c:order val="8"/>
+          <c:tx>
+            <c:strRef>
+              <c:f>Sheet1!$J$1</c:f>
+              <c:strCache>
+                <c:ptCount val="1"/>
+                <c:pt idx="0">
+                  <c:v>Spend_per_Trip</c:v>
+                </c:pt>
+              </c:strCache>
+            </c:strRef>
+          </c:tx>
+          <c:spPr>
+            <a:solidFill>
+              <a:schemeClr val="accent3"/>
+            </a:solidFill>
+            <a:ln>
+              <a:noFill/>
+            </a:ln>
+            <a:effectLst/>
+          </c:spPr>
+          <c:invertIfNegative val="0"/>
+          <c:cat>
+            <c:strRef>
+              <c:f>Sheet1!$A$2:$A$2</c:f>
+              <c:strCache>
+                <c:ptCount val="1"/>
+                <c:pt idx="0">
+                  <c:v>YTD Dec-20</c:v>
+                </c:pt>
+              </c:strCache>
+            </c:strRef>
+          </c:cat>
+          <c:val>
+            <c:numRef>
+              <c:f>Sheet1!$J$2:$J$2</c:f>
+              <c:numCache>
+                <c:formatCode>General</c:formatCode>
+                <c:ptCount val="1"/>
+                <c:pt idx="0">
+                  <c:v>11.19</c:v>
+                </c:pt>
+              </c:numCache>
+            </c:numRef>
+          </c:val>
+          <c:extLst>
+            <c:ext xmlns:c16="http://schemas.microsoft.com/office/drawing/2014/chart" uri="{C3380CC4-5D6E-409C-BE32-E72D297353CC}">
+              <c16:uniqueId val="{00000002-9CBF-4D91-9E49-E803A4B04597}"/>
+            </c:ext>
+          </c:extLst>
+        </c:ser>
+        <c:ser>
+          <c:idx val="9"/>
+          <c:order val="9"/>
+          <c:tx>
+            <c:strRef>
+              <c:f>Sheet1!$K$1</c:f>
+              <c:strCache>
+                <c:ptCount val="1"/>
+                <c:pt idx="0">
+                  <c:v>Frequency</c:v>
+                </c:pt>
+              </c:strCache>
+            </c:strRef>
+          </c:tx>
+          <c:spPr>
+            <a:solidFill>
+              <a:schemeClr val="accent3"/>
+            </a:solidFill>
+            <a:ln>
+              <a:noFill/>
+            </a:ln>
+            <a:effectLst/>
+          </c:spPr>
+          <c:invertIfNegative val="0"/>
+          <c:cat>
+            <c:strRef>
+              <c:f>Sheet1!$A$2:$A$2</c:f>
+              <c:strCache>
+                <c:ptCount val="1"/>
+                <c:pt idx="0">
+                  <c:v>YTD Dec-20</c:v>
+                </c:pt>
+              </c:strCache>
+            </c:strRef>
+          </c:cat>
+          <c:val>
+            <c:numRef>
+              <c:f>Sheet1!$K$2:$K$2</c:f>
+              <c:numCache>
+                <c:formatCode>General</c:formatCode>
+                <c:ptCount val="1"/>
+                <c:pt idx="0">
+                  <c:v>4.32</c:v>
+                </c:pt>
+              </c:numCache>
+            </c:numRef>
+          </c:val>
+          <c:extLst>
+            <c:ext xmlns:c16="http://schemas.microsoft.com/office/drawing/2014/chart" uri="{C3380CC4-5D6E-409C-BE32-E72D297353CC}">
+              <c16:uniqueId val="{00000002-9CBF-4D91-9E49-E803A4B04597}"/>
+            </c:ext>
+          </c:extLst>
+        </c:ser>
+        <c:ser>
+          <c:idx val="10"/>
+          <c:order val="10"/>
+          <c:tx>
+            <c:strRef>
+              <c:f>Sheet1!$L$1</c:f>
+              <c:strCache>
+                <c:ptCount val="1"/>
+                <c:pt idx="0">
+                  <c:v>Avg_Price_per_Unit</c:v>
+                </c:pt>
+              </c:strCache>
+            </c:strRef>
+          </c:tx>
+          <c:spPr>
+            <a:solidFill>
+              <a:schemeClr val="accent3"/>
+            </a:solidFill>
+            <a:ln>
+              <a:noFill/>
+            </a:ln>
+            <a:effectLst/>
+          </c:spPr>
+          <c:invertIfNegative val="0"/>
+          <c:cat>
+            <c:strRef>
+              <c:f>Sheet1!$A$2:$A$2</c:f>
+              <c:strCache>
+                <c:ptCount val="1"/>
+                <c:pt idx="0">
+                  <c:v>YTD Dec-20</c:v>
+                </c:pt>
+              </c:strCache>
+            </c:strRef>
+          </c:cat>
+          <c:val>
+            <c:numRef>
+              <c:f>Sheet1!$L$2:$L$2</c:f>
+              <c:numCache>
+                <c:formatCode>General</c:formatCode>
+                <c:ptCount val="1"/>
+                <c:pt idx="0">
+                  <c:v>3.47</c:v>
                 </c:pt>
               </c:numCache>
             </c:numRef>
@@ -576,7 +1335,7 @@
 </c:chartSpace>
 </file>
 
-<file path=ppt/charts/chart2.xml><?xml version="1.0" encoding="utf-8"?>
+<file path=ppt/charts/chart3.xml><?xml version="1.0" encoding="utf-8"?>
 <c:chartSpace xmlns:c="http://schemas.openxmlformats.org/drawingml/2006/chart" xmlns:a="http://schemas.openxmlformats.org/drawingml/2006/main" xmlns:r="http://schemas.openxmlformats.org/officeDocument/2006/relationships" xmlns:c16r2="http://schemas.microsoft.com/office/drawing/2015/06/chart">
   <c:date1904 val="0"/>
   <c:lang val="en-US"/>
@@ -850,7 +1609,7 @@
 </c:chartSpace>
 </file>
 
-<file path=ppt/charts/chart3.xml><?xml version="1.0" encoding="utf-8"?>
+<file path=ppt/charts/chart4.xml><?xml version="1.0" encoding="utf-8"?>
 <c:chartSpace xmlns:c="http://schemas.openxmlformats.org/drawingml/2006/chart" xmlns:a="http://schemas.openxmlformats.org/drawingml/2006/main" xmlns:r="http://schemas.openxmlformats.org/officeDocument/2006/relationships" xmlns:c16r2="http://schemas.microsoft.com/office/drawing/2015/06/chart">
   <c:date1904 val="0"/>
   <c:lang val="en-US"/>
@@ -1314,7 +2073,7 @@
 </c:chartSpace>
 </file>
 
-<file path=ppt/charts/chart4.xml><?xml version="1.0" encoding="utf-8"?>
+<file path=ppt/charts/chart5.xml><?xml version="1.0" encoding="utf-8"?>
 <c:chartSpace xmlns:c="http://schemas.openxmlformats.org/drawingml/2006/chart" xmlns:a="http://schemas.openxmlformats.org/drawingml/2006/main" xmlns:r="http://schemas.openxmlformats.org/officeDocument/2006/relationships" xmlns:c16r2="http://schemas.microsoft.com/office/drawing/2015/06/chart">
   <c:date1904 val="0"/>
   <c:lang val="en-US"/>
@@ -1771,7 +2530,7 @@
 </c:chartSpace>
 </file>
 
-<file path=ppt/charts/chart5.xml><?xml version="1.0" encoding="utf-8"?>
+<file path=ppt/charts/chart6.xml><?xml version="1.0" encoding="utf-8"?>
 <c:chartSpace xmlns:c="http://schemas.openxmlformats.org/drawingml/2006/chart" xmlns:a="http://schemas.openxmlformats.org/drawingml/2006/main" xmlns:r="http://schemas.openxmlformats.org/officeDocument/2006/relationships" xmlns:c16r2="http://schemas.microsoft.com/office/drawing/2015/06/chart">
   <c:date1904 val="0"/>
   <c:lang val="en-US"/>
@@ -2435,7 +3194,552 @@
 </cs:colorStyle>
 </file>
 
+<file path=ppt/charts/colors6.xml><?xml version="1.0" encoding="utf-8"?>
+<cs:colorStyle xmlns:cs="http://schemas.microsoft.com/office/drawing/2012/chartStyle" xmlns:a="http://schemas.openxmlformats.org/drawingml/2006/main" meth="cycle" id="10">
+  <a:schemeClr val="accent1"/>
+  <a:schemeClr val="accent2"/>
+  <a:schemeClr val="accent3"/>
+  <a:schemeClr val="accent4"/>
+  <a:schemeClr val="accent5"/>
+  <a:schemeClr val="accent6"/>
+  <cs:variation/>
+  <cs:variation>
+    <a:lumMod val="60000"/>
+  </cs:variation>
+  <cs:variation>
+    <a:lumMod val="80000"/>
+    <a:lumOff val="20000"/>
+  </cs:variation>
+  <cs:variation>
+    <a:lumMod val="80000"/>
+  </cs:variation>
+  <cs:variation>
+    <a:lumMod val="60000"/>
+    <a:lumOff val="40000"/>
+  </cs:variation>
+  <cs:variation>
+    <a:lumMod val="50000"/>
+  </cs:variation>
+  <cs:variation>
+    <a:lumMod val="70000"/>
+    <a:lumOff val="30000"/>
+  </cs:variation>
+  <cs:variation>
+    <a:lumMod val="70000"/>
+  </cs:variation>
+  <cs:variation>
+    <a:lumMod val="50000"/>
+    <a:lumOff val="50000"/>
+  </cs:variation>
+</cs:colorStyle>
+</file>
+
 <file path=ppt/charts/style1.xml><?xml version="1.0" encoding="utf-8"?>
+<cs:chartStyle xmlns:cs="http://schemas.microsoft.com/office/drawing/2012/chartStyle" xmlns:a="http://schemas.openxmlformats.org/drawingml/2006/main" id="297">
+  <cs:axisTitle>
+    <cs:lnRef idx="0"/>
+    <cs:fillRef idx="0"/>
+    <cs:effectRef idx="0"/>
+    <cs:fontRef idx="minor">
+      <a:schemeClr val="tx1">
+        <a:lumMod val="65000"/>
+        <a:lumOff val="35000"/>
+      </a:schemeClr>
+    </cs:fontRef>
+    <cs:defRPr sz="1000" kern="1200"/>
+  </cs:axisTitle>
+  <cs:categoryAxis>
+    <cs:lnRef idx="0"/>
+    <cs:fillRef idx="0"/>
+    <cs:effectRef idx="0"/>
+    <cs:fontRef idx="minor">
+      <a:schemeClr val="tx1">
+        <a:lumMod val="65000"/>
+        <a:lumOff val="35000"/>
+      </a:schemeClr>
+    </cs:fontRef>
+    <cs:spPr>
+      <a:ln w="9525" cap="flat" cmpd="sng" algn="ctr">
+        <a:solidFill>
+          <a:schemeClr val="tx1">
+            <a:lumMod val="15000"/>
+            <a:lumOff val="85000"/>
+          </a:schemeClr>
+        </a:solidFill>
+        <a:round/>
+      </a:ln>
+    </cs:spPr>
+    <cs:defRPr sz="900" kern="1200"/>
+  </cs:categoryAxis>
+  <cs:chartArea mods="allowNoFillOverride allowNoLineOverride">
+    <cs:lnRef idx="0"/>
+    <cs:fillRef idx="0"/>
+    <cs:effectRef idx="0"/>
+    <cs:fontRef idx="minor">
+      <a:schemeClr val="tx1"/>
+    </cs:fontRef>
+    <cs:spPr>
+      <a:solidFill>
+        <a:schemeClr val="bg1"/>
+      </a:solidFill>
+      <a:ln w="9525" cap="flat" cmpd="sng" algn="ctr">
+        <a:solidFill>
+          <a:schemeClr val="tx1">
+            <a:lumMod val="15000"/>
+            <a:lumOff val="85000"/>
+          </a:schemeClr>
+        </a:solidFill>
+        <a:round/>
+      </a:ln>
+    </cs:spPr>
+    <cs:defRPr sz="1000" kern="1200"/>
+  </cs:chartArea>
+  <cs:dataLabel>
+    <cs:lnRef idx="0"/>
+    <cs:fillRef idx="0"/>
+    <cs:effectRef idx="0"/>
+    <cs:fontRef idx="minor">
+      <a:schemeClr val="tx1">
+        <a:lumMod val="75000"/>
+        <a:lumOff val="25000"/>
+      </a:schemeClr>
+    </cs:fontRef>
+    <cs:defRPr sz="900" kern="1200"/>
+  </cs:dataLabel>
+  <cs:dataLabelCallout>
+    <cs:lnRef idx="0"/>
+    <cs:fillRef idx="0"/>
+    <cs:effectRef idx="0"/>
+    <cs:fontRef idx="minor">
+      <a:schemeClr val="dk1">
+        <a:lumMod val="65000"/>
+        <a:lumOff val="35000"/>
+      </a:schemeClr>
+    </cs:fontRef>
+    <cs:spPr>
+      <a:solidFill>
+        <a:schemeClr val="lt1"/>
+      </a:solidFill>
+      <a:ln>
+        <a:solidFill>
+          <a:schemeClr val="dk1">
+            <a:lumMod val="25000"/>
+            <a:lumOff val="75000"/>
+          </a:schemeClr>
+        </a:solidFill>
+      </a:ln>
+    </cs:spPr>
+    <cs:defRPr sz="900" kern="1200"/>
+    <cs:bodyPr rot="0" spcFirstLastPara="1" vertOverflow="clip" horzOverflow="clip" vert="horz" wrap="square" lIns="36576" tIns="18288" rIns="36576" bIns="18288" anchor="ctr" anchorCtr="1">
+      <a:spAutoFit/>
+    </cs:bodyPr>
+  </cs:dataLabelCallout>
+  <cs:dataPoint>
+    <cs:lnRef idx="0"/>
+    <cs:fillRef idx="1">
+      <cs:styleClr val="auto"/>
+    </cs:fillRef>
+    <cs:effectRef idx="0"/>
+    <cs:fontRef idx="minor">
+      <a:schemeClr val="tx1"/>
+    </cs:fontRef>
+  </cs:dataPoint>
+  <cs:dataPoint3D>
+    <cs:lnRef idx="0"/>
+    <cs:fillRef idx="1">
+      <cs:styleClr val="auto"/>
+    </cs:fillRef>
+    <cs:effectRef idx="0"/>
+    <cs:fontRef idx="minor">
+      <a:schemeClr val="tx1"/>
+    </cs:fontRef>
+  </cs:dataPoint3D>
+  <cs:dataPointLine>
+    <cs:lnRef idx="0">
+      <cs:styleClr val="auto"/>
+    </cs:lnRef>
+    <cs:fillRef idx="1"/>
+    <cs:effectRef idx="0"/>
+    <cs:fontRef idx="minor">
+      <a:schemeClr val="tx1"/>
+    </cs:fontRef>
+    <cs:spPr>
+      <a:ln w="28575" cap="rnd">
+        <a:solidFill>
+          <a:schemeClr val="phClr"/>
+        </a:solidFill>
+        <a:round/>
+      </a:ln>
+    </cs:spPr>
+  </cs:dataPointLine>
+  <cs:dataPointMarker>
+    <cs:lnRef idx="0">
+      <cs:styleClr val="auto"/>
+    </cs:lnRef>
+    <cs:fillRef idx="1">
+      <cs:styleClr val="auto"/>
+    </cs:fillRef>
+    <cs:effectRef idx="0"/>
+    <cs:fontRef idx="minor">
+      <a:schemeClr val="tx1"/>
+    </cs:fontRef>
+    <cs:spPr>
+      <a:ln w="9525">
+        <a:solidFill>
+          <a:schemeClr val="phClr"/>
+        </a:solidFill>
+      </a:ln>
+    </cs:spPr>
+  </cs:dataPointMarker>
+  <cs:dataPointMarkerLayout symbol="circle" size="5"/>
+  <cs:dataPointWireframe>
+    <cs:lnRef idx="0">
+      <cs:styleClr val="auto"/>
+    </cs:lnRef>
+    <cs:fillRef idx="1"/>
+    <cs:effectRef idx="0"/>
+    <cs:fontRef idx="minor">
+      <a:schemeClr val="tx1"/>
+    </cs:fontRef>
+    <cs:spPr>
+      <a:ln w="9525" cap="rnd">
+        <a:solidFill>
+          <a:schemeClr val="phClr"/>
+        </a:solidFill>
+        <a:round/>
+      </a:ln>
+    </cs:spPr>
+  </cs:dataPointWireframe>
+  <cs:dataTable>
+    <cs:lnRef idx="0"/>
+    <cs:fillRef idx="0"/>
+    <cs:effectRef idx="0"/>
+    <cs:fontRef idx="minor">
+      <a:schemeClr val="tx1">
+        <a:lumMod val="65000"/>
+        <a:lumOff val="35000"/>
+      </a:schemeClr>
+    </cs:fontRef>
+    <cs:spPr>
+      <a:noFill/>
+      <a:ln w="9525" cap="flat" cmpd="sng" algn="ctr">
+        <a:solidFill>
+          <a:schemeClr val="tx1">
+            <a:lumMod val="15000"/>
+            <a:lumOff val="85000"/>
+          </a:schemeClr>
+        </a:solidFill>
+        <a:round/>
+      </a:ln>
+    </cs:spPr>
+    <cs:defRPr sz="900" kern="1200"/>
+  </cs:dataTable>
+  <cs:downBar>
+    <cs:lnRef idx="0"/>
+    <cs:fillRef idx="0"/>
+    <cs:effectRef idx="0"/>
+    <cs:fontRef idx="minor">
+      <a:schemeClr val="tx1"/>
+    </cs:fontRef>
+    <cs:spPr>
+      <a:solidFill>
+        <a:schemeClr val="dk1">
+          <a:lumMod val="75000"/>
+          <a:lumOff val="25000"/>
+        </a:schemeClr>
+      </a:solidFill>
+      <a:ln w="9525" cap="flat" cmpd="sng" algn="ctr">
+        <a:solidFill>
+          <a:schemeClr val="tx1">
+            <a:lumMod val="65000"/>
+            <a:lumOff val="35000"/>
+          </a:schemeClr>
+        </a:solidFill>
+        <a:round/>
+      </a:ln>
+    </cs:spPr>
+  </cs:downBar>
+  <cs:dropLine>
+    <cs:lnRef idx="0"/>
+    <cs:fillRef idx="0"/>
+    <cs:effectRef idx="0"/>
+    <cs:fontRef idx="minor">
+      <a:schemeClr val="tx1"/>
+    </cs:fontRef>
+    <cs:spPr>
+      <a:ln w="9525" cap="flat" cmpd="sng" algn="ctr">
+        <a:solidFill>
+          <a:schemeClr val="tx1">
+            <a:lumMod val="35000"/>
+            <a:lumOff val="65000"/>
+          </a:schemeClr>
+        </a:solidFill>
+        <a:round/>
+      </a:ln>
+    </cs:spPr>
+  </cs:dropLine>
+  <cs:errorBar>
+    <cs:lnRef idx="0"/>
+    <cs:fillRef idx="0"/>
+    <cs:effectRef idx="0"/>
+    <cs:fontRef idx="minor">
+      <a:schemeClr val="tx1"/>
+    </cs:fontRef>
+    <cs:spPr>
+      <a:ln w="9525" cap="flat" cmpd="sng" algn="ctr">
+        <a:solidFill>
+          <a:schemeClr val="tx1">
+            <a:lumMod val="65000"/>
+            <a:lumOff val="35000"/>
+          </a:schemeClr>
+        </a:solidFill>
+        <a:round/>
+      </a:ln>
+    </cs:spPr>
+  </cs:errorBar>
+  <cs:floor>
+    <cs:lnRef idx="0"/>
+    <cs:fillRef idx="0"/>
+    <cs:effectRef idx="0"/>
+    <cs:fontRef idx="minor">
+      <a:schemeClr val="tx1"/>
+    </cs:fontRef>
+    <cs:spPr>
+      <a:noFill/>
+      <a:ln>
+        <a:noFill/>
+      </a:ln>
+    </cs:spPr>
+  </cs:floor>
+  <cs:gridlineMajor>
+    <cs:lnRef idx="0"/>
+    <cs:fillRef idx="0"/>
+    <cs:effectRef idx="0"/>
+    <cs:fontRef idx="minor">
+      <a:schemeClr val="tx1"/>
+    </cs:fontRef>
+    <cs:spPr>
+      <a:ln w="9525" cap="flat" cmpd="sng" algn="ctr">
+        <a:solidFill>
+          <a:schemeClr val="tx1">
+            <a:lumMod val="15000"/>
+            <a:lumOff val="85000"/>
+          </a:schemeClr>
+        </a:solidFill>
+        <a:round/>
+      </a:ln>
+    </cs:spPr>
+  </cs:gridlineMajor>
+  <cs:gridlineMinor>
+    <cs:lnRef idx="0"/>
+    <cs:fillRef idx="0"/>
+    <cs:effectRef idx="0"/>
+    <cs:fontRef idx="minor">
+      <a:schemeClr val="tx1"/>
+    </cs:fontRef>
+    <cs:spPr>
+      <a:ln w="9525" cap="flat" cmpd="sng" algn="ctr">
+        <a:solidFill>
+          <a:schemeClr val="tx1">
+            <a:lumMod val="5000"/>
+            <a:lumOff val="95000"/>
+          </a:schemeClr>
+        </a:solidFill>
+        <a:round/>
+      </a:ln>
+    </cs:spPr>
+  </cs:gridlineMinor>
+  <cs:hiLoLine>
+    <cs:lnRef idx="0"/>
+    <cs:fillRef idx="0"/>
+    <cs:effectRef idx="0"/>
+    <cs:fontRef idx="minor">
+      <a:schemeClr val="tx1"/>
+    </cs:fontRef>
+    <cs:spPr>
+      <a:ln w="9525" cap="flat" cmpd="sng" algn="ctr">
+        <a:solidFill>
+          <a:schemeClr val="tx1">
+            <a:lumMod val="50000"/>
+            <a:lumOff val="50000"/>
+          </a:schemeClr>
+        </a:solidFill>
+        <a:round/>
+      </a:ln>
+    </cs:spPr>
+  </cs:hiLoLine>
+  <cs:leaderLine>
+    <cs:lnRef idx="0"/>
+    <cs:fillRef idx="0"/>
+    <cs:effectRef idx="0"/>
+    <cs:fontRef idx="minor">
+      <a:schemeClr val="tx1"/>
+    </cs:fontRef>
+    <cs:spPr>
+      <a:ln w="9525" cap="flat" cmpd="sng" algn="ctr">
+        <a:solidFill>
+          <a:schemeClr val="tx1">
+            <a:lumMod val="35000"/>
+            <a:lumOff val="65000"/>
+          </a:schemeClr>
+        </a:solidFill>
+        <a:round/>
+      </a:ln>
+    </cs:spPr>
+  </cs:leaderLine>
+  <cs:legend>
+    <cs:lnRef idx="0"/>
+    <cs:fillRef idx="0"/>
+    <cs:effectRef idx="0"/>
+    <cs:fontRef idx="minor">
+      <a:schemeClr val="tx1">
+        <a:lumMod val="65000"/>
+        <a:lumOff val="35000"/>
+      </a:schemeClr>
+    </cs:fontRef>
+    <cs:defRPr sz="900" kern="1200"/>
+  </cs:legend>
+  <cs:plotArea mods="allowNoFillOverride allowNoLineOverride">
+    <cs:lnRef idx="0"/>
+    <cs:fillRef idx="0"/>
+    <cs:effectRef idx="0"/>
+    <cs:fontRef idx="minor">
+      <a:schemeClr val="tx1"/>
+    </cs:fontRef>
+  </cs:plotArea>
+  <cs:plotArea3D mods="allowNoFillOverride allowNoLineOverride">
+    <cs:lnRef idx="0"/>
+    <cs:fillRef idx="0"/>
+    <cs:effectRef idx="0"/>
+    <cs:fontRef idx="minor">
+      <a:schemeClr val="tx1"/>
+    </cs:fontRef>
+  </cs:plotArea3D>
+  <cs:seriesAxis>
+    <cs:lnRef idx="0"/>
+    <cs:fillRef idx="0"/>
+    <cs:effectRef idx="0"/>
+    <cs:fontRef idx="minor">
+      <a:schemeClr val="tx1">
+        <a:lumMod val="65000"/>
+        <a:lumOff val="35000"/>
+      </a:schemeClr>
+    </cs:fontRef>
+    <cs:defRPr sz="900" kern="1200"/>
+  </cs:seriesAxis>
+  <cs:seriesLine>
+    <cs:lnRef idx="0"/>
+    <cs:fillRef idx="0"/>
+    <cs:effectRef idx="0"/>
+    <cs:fontRef idx="minor">
+      <a:schemeClr val="tx1"/>
+    </cs:fontRef>
+    <cs:spPr>
+      <a:ln w="9525" cap="flat" cmpd="sng" algn="ctr">
+        <a:solidFill>
+          <a:schemeClr val="tx1">
+            <a:lumMod val="35000"/>
+            <a:lumOff val="65000"/>
+          </a:schemeClr>
+        </a:solidFill>
+        <a:round/>
+      </a:ln>
+    </cs:spPr>
+  </cs:seriesLine>
+  <cs:title>
+    <cs:lnRef idx="0"/>
+    <cs:fillRef idx="0"/>
+    <cs:effectRef idx="0"/>
+    <cs:fontRef idx="minor">
+      <a:schemeClr val="tx1">
+        <a:lumMod val="65000"/>
+        <a:lumOff val="35000"/>
+      </a:schemeClr>
+    </cs:fontRef>
+    <cs:defRPr sz="1400" b="0" kern="1200" spc="0" baseline="0"/>
+  </cs:title>
+  <cs:trendline>
+    <cs:lnRef idx="0">
+      <cs:styleClr val="auto"/>
+    </cs:lnRef>
+    <cs:fillRef idx="0"/>
+    <cs:effectRef idx="0"/>
+    <cs:fontRef idx="minor">
+      <a:schemeClr val="tx1"/>
+    </cs:fontRef>
+    <cs:spPr>
+      <a:ln w="19050" cap="rnd">
+        <a:solidFill>
+          <a:schemeClr val="phClr"/>
+        </a:solidFill>
+        <a:prstDash val="sysDot"/>
+      </a:ln>
+    </cs:spPr>
+  </cs:trendline>
+  <cs:trendlineLabel>
+    <cs:lnRef idx="0"/>
+    <cs:fillRef idx="0"/>
+    <cs:effectRef idx="0"/>
+    <cs:fontRef idx="minor">
+      <a:schemeClr val="tx1">
+        <a:lumMod val="65000"/>
+        <a:lumOff val="35000"/>
+      </a:schemeClr>
+    </cs:fontRef>
+    <cs:defRPr sz="900" kern="1200"/>
+  </cs:trendlineLabel>
+  <cs:upBar>
+    <cs:lnRef idx="0"/>
+    <cs:fillRef idx="0"/>
+    <cs:effectRef idx="0"/>
+    <cs:fontRef idx="minor">
+      <a:schemeClr val="tx1"/>
+    </cs:fontRef>
+    <cs:spPr>
+      <a:solidFill>
+        <a:schemeClr val="lt1"/>
+      </a:solidFill>
+      <a:ln w="9525" cap="flat" cmpd="sng" algn="ctr">
+        <a:solidFill>
+          <a:schemeClr val="tx1">
+            <a:lumMod val="65000"/>
+            <a:lumOff val="35000"/>
+          </a:schemeClr>
+        </a:solidFill>
+        <a:round/>
+      </a:ln>
+    </cs:spPr>
+  </cs:upBar>
+  <cs:valueAxis>
+    <cs:lnRef idx="0"/>
+    <cs:fillRef idx="0"/>
+    <cs:effectRef idx="0"/>
+    <cs:fontRef idx="minor">
+      <a:schemeClr val="tx1">
+        <a:lumMod val="65000"/>
+        <a:lumOff val="35000"/>
+      </a:schemeClr>
+    </cs:fontRef>
+    <cs:defRPr sz="900" kern="1200"/>
+  </cs:valueAxis>
+  <cs:wall>
+    <cs:lnRef idx="0"/>
+    <cs:fillRef idx="0"/>
+    <cs:effectRef idx="0"/>
+    <cs:fontRef idx="minor">
+      <a:schemeClr val="tx1"/>
+    </cs:fontRef>
+    <cs:spPr>
+      <a:noFill/>
+      <a:ln>
+        <a:noFill/>
+      </a:ln>
+    </cs:spPr>
+  </cs:wall>
+</cs:chartStyle>
+</file>
+
+<file path=ppt/charts/style2.xml><?xml version="1.0" encoding="utf-8"?>
 <cs:chartStyle xmlns:cs="http://schemas.microsoft.com/office/drawing/2012/chartStyle" xmlns:a="http://schemas.openxmlformats.org/drawingml/2006/main" id="201">
   <cs:axisTitle>
     <cs:lnRef idx="0"/>
@@ -2938,7 +4242,7 @@
 </cs:chartStyle>
 </file>
 
-<file path=ppt/charts/style2.xml><?xml version="1.0" encoding="utf-8"?>
+<file path=ppt/charts/style3.xml><?xml version="1.0" encoding="utf-8"?>
 <cs:chartStyle xmlns:cs="http://schemas.microsoft.com/office/drawing/2012/chartStyle" xmlns:a="http://schemas.openxmlformats.org/drawingml/2006/main" id="251">
   <cs:axisTitle>
     <cs:lnRef idx="0"/>
@@ -3457,7 +4761,7 @@
 </cs:chartStyle>
 </file>
 
-<file path=ppt/charts/style3.xml><?xml version="1.0" encoding="utf-8"?>
+<file path=ppt/charts/style4.xml><?xml version="1.0" encoding="utf-8"?>
 <cs:chartStyle xmlns:cs="http://schemas.microsoft.com/office/drawing/2012/chartStyle" xmlns:a="http://schemas.openxmlformats.org/drawingml/2006/main" id="227">
   <cs:axisTitle>
     <cs:lnRef idx="0"/>
@@ -3973,7 +5277,7 @@
 </cs:chartStyle>
 </file>
 
-<file path=ppt/charts/style4.xml><?xml version="1.0" encoding="utf-8"?>
+<file path=ppt/charts/style5.xml><?xml version="1.0" encoding="utf-8"?>
 <cs:chartStyle xmlns:cs="http://schemas.microsoft.com/office/drawing/2012/chartStyle" xmlns:a="http://schemas.openxmlformats.org/drawingml/2006/main" id="297">
   <cs:axisTitle>
     <cs:lnRef idx="0"/>
@@ -4478,7 +5782,7 @@
 </cs:chartStyle>
 </file>
 
-<file path=ppt/charts/style5.xml><?xml version="1.0" encoding="utf-8"?>
+<file path=ppt/charts/style6.xml><?xml version="1.0" encoding="utf-8"?>
 <cs:chartStyle xmlns:cs="http://schemas.microsoft.com/office/drawing/2012/chartStyle" xmlns:a="http://schemas.openxmlformats.org/drawingml/2006/main" id="227">
   <cs:axisTitle>
     <cs:lnRef idx="0"/>
@@ -5143,7 +6447,7 @@
           <a:p>
             <a:fld id="{7C7F4A78-3E72-41FF-BE51-6BF96C9CEF7E}" type="datetimeFigureOut">
               <a:rPr lang="pt-BR" smtClean="0"/>
-              <a:t>12/09/2025</a:t>
+              <a:t>20/09/2025</a:t>
             </a:fld>
             <a:endParaRPr lang="pt-BR"/>
           </a:p>
@@ -5343,7 +6647,7 @@
           <a:p>
             <a:fld id="{7C7F4A78-3E72-41FF-BE51-6BF96C9CEF7E}" type="datetimeFigureOut">
               <a:rPr lang="pt-BR" smtClean="0"/>
-              <a:t>12/09/2025</a:t>
+              <a:t>20/09/2025</a:t>
             </a:fld>
             <a:endParaRPr lang="pt-BR"/>
           </a:p>
@@ -5553,7 +6857,7 @@
           <a:p>
             <a:fld id="{7C7F4A78-3E72-41FF-BE51-6BF96C9CEF7E}" type="datetimeFigureOut">
               <a:rPr lang="pt-BR" smtClean="0"/>
-              <a:t>12/09/2025</a:t>
+              <a:t>20/09/2025</a:t>
             </a:fld>
             <a:endParaRPr lang="pt-BR"/>
           </a:p>
@@ -5753,7 +7057,7 @@
           <a:p>
             <a:fld id="{7C7F4A78-3E72-41FF-BE51-6BF96C9CEF7E}" type="datetimeFigureOut">
               <a:rPr lang="pt-BR" smtClean="0"/>
-              <a:t>12/09/2025</a:t>
+              <a:t>20/09/2025</a:t>
             </a:fld>
             <a:endParaRPr lang="pt-BR"/>
           </a:p>
@@ -6029,7 +7333,7 @@
           <a:p>
             <a:fld id="{7C7F4A78-3E72-41FF-BE51-6BF96C9CEF7E}" type="datetimeFigureOut">
               <a:rPr lang="pt-BR" smtClean="0"/>
-              <a:t>12/09/2025</a:t>
+              <a:t>20/09/2025</a:t>
             </a:fld>
             <a:endParaRPr lang="pt-BR"/>
           </a:p>
@@ -6297,7 +7601,7 @@
           <a:p>
             <a:fld id="{7C7F4A78-3E72-41FF-BE51-6BF96C9CEF7E}" type="datetimeFigureOut">
               <a:rPr lang="pt-BR" smtClean="0"/>
-              <a:t>12/09/2025</a:t>
+              <a:t>20/09/2025</a:t>
             </a:fld>
             <a:endParaRPr lang="pt-BR"/>
           </a:p>
@@ -6712,7 +8016,7 @@
           <a:p>
             <a:fld id="{7C7F4A78-3E72-41FF-BE51-6BF96C9CEF7E}" type="datetimeFigureOut">
               <a:rPr lang="pt-BR" smtClean="0"/>
-              <a:t>12/09/2025</a:t>
+              <a:t>20/09/2025</a:t>
             </a:fld>
             <a:endParaRPr lang="pt-BR"/>
           </a:p>
@@ -6854,7 +8158,7 @@
           <a:p>
             <a:fld id="{7C7F4A78-3E72-41FF-BE51-6BF96C9CEF7E}" type="datetimeFigureOut">
               <a:rPr lang="pt-BR" smtClean="0"/>
-              <a:t>12/09/2025</a:t>
+              <a:t>20/09/2025</a:t>
             </a:fld>
             <a:endParaRPr lang="pt-BR"/>
           </a:p>
@@ -6967,7 +8271,7 @@
           <a:p>
             <a:fld id="{7C7F4A78-3E72-41FF-BE51-6BF96C9CEF7E}" type="datetimeFigureOut">
               <a:rPr lang="pt-BR" smtClean="0"/>
-              <a:t>12/09/2025</a:t>
+              <a:t>20/09/2025</a:t>
             </a:fld>
             <a:endParaRPr lang="pt-BR"/>
           </a:p>
@@ -7280,7 +8584,7 @@
           <a:p>
             <a:fld id="{7C7F4A78-3E72-41FF-BE51-6BF96C9CEF7E}" type="datetimeFigureOut">
               <a:rPr lang="pt-BR" smtClean="0"/>
-              <a:t>12/09/2025</a:t>
+              <a:t>20/09/2025</a:t>
             </a:fld>
             <a:endParaRPr lang="pt-BR"/>
           </a:p>
@@ -7569,7 +8873,7 @@
           <a:p>
             <a:fld id="{7C7F4A78-3E72-41FF-BE51-6BF96C9CEF7E}" type="datetimeFigureOut">
               <a:rPr lang="pt-BR" smtClean="0"/>
-              <a:t>12/09/2025</a:t>
+              <a:t>20/09/2025</a:t>
             </a:fld>
             <a:endParaRPr lang="pt-BR"/>
           </a:p>
@@ -7812,7 +9116,7 @@
           <a:p>
             <a:fld id="{7C7F4A78-3E72-41FF-BE51-6BF96C9CEF7E}" type="datetimeFigureOut">
               <a:rPr lang="pt-BR" smtClean="0"/>
-              <a:t>12/09/2025</a:t>
+              <a:t>20/09/2025</a:t>
             </a:fld>
             <a:endParaRPr lang="pt-BR"/>
           </a:p>
@@ -8231,10 +9535,10 @@
       </p:grpSpPr>
       <p:sp>
         <p:nvSpPr>
-          <p:cNvPr id="4" name="Title 3">
+          <p:cNvPr id="2" name="Footer Placeholder 1">
             <a:extLst>
               <a:ext uri="{FF2B5EF4-FFF2-40B4-BE49-F238E27FC236}">
-                <a16:creationId xmlns:a16="http://schemas.microsoft.com/office/drawing/2014/main" id="{EC4962F3-DB21-0C38-0E7F-90A6D306588D}"/>
+                <a16:creationId xmlns:a16="http://schemas.microsoft.com/office/drawing/2014/main" id="{7CEB589D-2BB7-3E7F-7604-77582E0A9BD5}"/>
               </a:ext>
             </a:extLst>
           </p:cNvPr>
@@ -8242,7 +9546,7 @@
             <a:spLocks noGrp="1"/>
           </p:cNvSpPr>
           <p:nvPr>
-            <p:ph type="title"/>
+            <p:ph type="ftr" sz="quarter" idx="10"/>
           </p:nvPr>
         </p:nvSpPr>
         <p:spPr/>
@@ -8250,10 +9554,6875 @@
           <a:bodyPr/>
           <a:lstStyle/>
           <a:p>
-            <a:endParaRPr lang="pt-BR"/>
+            <a:r>
+              <a:rPr lang="en-GB"/>
+              <a:t>Footer goes here – font size 7</a:t>
+            </a:r>
           </a:p>
         </p:txBody>
       </p:sp>
+      <p:sp>
+        <p:nvSpPr>
+          <p:cNvPr id="3" name="Slide Number Placeholder 2">
+            <a:extLst>
+              <a:ext uri="{FF2B5EF4-FFF2-40B4-BE49-F238E27FC236}">
+                <a16:creationId xmlns:a16="http://schemas.microsoft.com/office/drawing/2014/main" id="{BA67C237-24C0-A8BD-8677-745FA3D7FDF9}"/>
+              </a:ext>
+            </a:extLst>
+          </p:cNvPr>
+          <p:cNvSpPr>
+            <a:spLocks noGrp="1"/>
+          </p:cNvSpPr>
+          <p:nvPr>
+            <p:ph type="sldNum" sz="quarter" idx="11"/>
+          </p:nvPr>
+        </p:nvSpPr>
+        <p:spPr/>
+        <p:txBody>
+          <a:bodyPr/>
+          <a:lstStyle/>
+          <a:p>
+            <a:r>
+              <a:rPr lang="en-GB" sz="1050"/>
+              <a:t>Report/Presentation Name </a:t>
+            </a:r>
+            <a:r>
+              <a:rPr lang="en-GB"/>
+              <a:t>| </a:t>
+            </a:r>
+            <a:fld id="{4034BEE3-566C-4068-A777-C3A4762E861B}" type="slidenum">
+              <a:rPr lang="en-GB" smtClean="0"/>
+              <a:pPr/>
+              <a:t>1</a:t>
+            </a:fld>
+            <a:endParaRPr lang="en-GB"/>
+          </a:p>
+        </p:txBody>
+      </p:sp>
+      <p:graphicFrame>
+        <p:nvGraphicFramePr>
+          <p:cNvPr id="5" name="Gráfico 3">
+            <a:extLst>
+              <a:ext uri="{FF2B5EF4-FFF2-40B4-BE49-F238E27FC236}">
+                <a16:creationId xmlns:a16="http://schemas.microsoft.com/office/drawing/2014/main" id="{C9E05CE9-F584-4E20-A0B7-2763BF15056C}"/>
+              </a:ext>
+            </a:extLst>
+          </p:cNvPr>
+          <p:cNvGraphicFramePr>
+            <a:graphicFrameLocks/>
+          </p:cNvGraphicFramePr>
+          <p:nvPr/>
+        </p:nvGraphicFramePr>
+        <p:xfrm>
+          <a:off x="155258" y="1809263"/>
+          <a:ext cx="3227009" cy="1248856"/>
+        </p:xfrm>
+        <a:graphic>
+          <a:graphicData uri="http://schemas.openxmlformats.org/drawingml/2006/chart">
+            <c:chart xmlns:c="http://schemas.openxmlformats.org/drawingml/2006/chart" xmlns:r="http://schemas.openxmlformats.org/officeDocument/2006/relationships" r:id="rId2"/>
+          </a:graphicData>
+        </a:graphic>
+      </p:graphicFrame>
+      <p:grpSp>
+        <p:nvGrpSpPr>
+          <p:cNvPr id="6" name="Group 5">
+            <a:extLst>
+              <a:ext uri="{FF2B5EF4-FFF2-40B4-BE49-F238E27FC236}">
+                <a16:creationId xmlns:a16="http://schemas.microsoft.com/office/drawing/2014/main" id="{58F08F9A-D485-EB46-BBC3-540560963C37}"/>
+              </a:ext>
+            </a:extLst>
+          </p:cNvPr>
+          <p:cNvGrpSpPr/>
+          <p:nvPr/>
+        </p:nvGrpSpPr>
+        <p:grpSpPr>
+          <a:xfrm>
+            <a:off x="176696" y="1702445"/>
+            <a:ext cx="11860047" cy="3706802"/>
+            <a:chOff x="176696" y="1702445"/>
+            <a:chExt cx="11860047" cy="3706802"/>
+          </a:xfrm>
+        </p:grpSpPr>
+        <p:cxnSp>
+          <p:nvCxnSpPr>
+            <p:cNvPr id="8" name="Connector: Elbow 7">
+              <a:extLst>
+                <a:ext uri="{FF2B5EF4-FFF2-40B4-BE49-F238E27FC236}">
+                  <a16:creationId xmlns:a16="http://schemas.microsoft.com/office/drawing/2014/main" id="{C65AABB5-03A5-78A5-7ABD-61E8E97F8A4B}"/>
+                </a:ext>
+              </a:extLst>
+            </p:cNvPr>
+            <p:cNvCxnSpPr>
+              <a:stCxn id="31" idx="2"/>
+              <a:endCxn id="61" idx="0"/>
+            </p:cNvCxnSpPr>
+            <p:nvPr/>
+          </p:nvCxnSpPr>
+          <p:spPr>
+            <a:xfrm rot="16200000" flipH="1">
+              <a:off x="6693065" y="1539561"/>
+              <a:ext cx="952851" cy="1783469"/>
+            </a:xfrm>
+            <a:prstGeom prst="bentConnector3">
+              <a:avLst>
+                <a:gd name="adj1" fmla="val 67015"/>
+              </a:avLst>
+            </a:prstGeom>
+            <a:ln w="6350">
+              <a:solidFill>
+                <a:schemeClr val="bg1">
+                  <a:lumMod val="65000"/>
+                </a:schemeClr>
+              </a:solidFill>
+              <a:headEnd type="none" w="med" len="med"/>
+              <a:tailEnd type="triangle" w="med" len="med"/>
+            </a:ln>
+          </p:spPr>
+          <p:style>
+            <a:lnRef idx="2">
+              <a:schemeClr val="accent1"/>
+            </a:lnRef>
+            <a:fillRef idx="0">
+              <a:schemeClr val="accent1"/>
+            </a:fillRef>
+            <a:effectRef idx="1">
+              <a:schemeClr val="accent1"/>
+            </a:effectRef>
+            <a:fontRef idx="minor">
+              <a:schemeClr val="tx1"/>
+            </a:fontRef>
+          </p:style>
+        </p:cxnSp>
+        <p:cxnSp>
+          <p:nvCxnSpPr>
+            <p:cNvPr id="9" name="Connector: Elbow 8">
+              <a:extLst>
+                <a:ext uri="{FF2B5EF4-FFF2-40B4-BE49-F238E27FC236}">
+                  <a16:creationId xmlns:a16="http://schemas.microsoft.com/office/drawing/2014/main" id="{37463032-9445-9D46-9A1F-2E5AD92FABEE}"/>
+                </a:ext>
+              </a:extLst>
+            </p:cNvPr>
+            <p:cNvCxnSpPr>
+              <a:stCxn id="31" idx="2"/>
+              <a:endCxn id="64" idx="0"/>
+            </p:cNvCxnSpPr>
+            <p:nvPr/>
+          </p:nvCxnSpPr>
+          <p:spPr>
+            <a:xfrm rot="5400000">
+              <a:off x="4664006" y="1293971"/>
+              <a:ext cx="952851" cy="2274651"/>
+            </a:xfrm>
+            <a:prstGeom prst="bentConnector3">
+              <a:avLst>
+                <a:gd name="adj1" fmla="val 67015"/>
+              </a:avLst>
+            </a:prstGeom>
+            <a:ln w="6350">
+              <a:solidFill>
+                <a:schemeClr val="bg1">
+                  <a:lumMod val="65000"/>
+                </a:schemeClr>
+              </a:solidFill>
+              <a:headEnd type="none" w="med" len="med"/>
+              <a:tailEnd type="triangle" w="med" len="med"/>
+            </a:ln>
+          </p:spPr>
+          <p:style>
+            <a:lnRef idx="2">
+              <a:schemeClr val="accent1"/>
+            </a:lnRef>
+            <a:fillRef idx="0">
+              <a:schemeClr val="accent1"/>
+            </a:fillRef>
+            <a:effectRef idx="1">
+              <a:schemeClr val="accent1"/>
+            </a:effectRef>
+            <a:fontRef idx="minor">
+              <a:schemeClr val="tx1"/>
+            </a:fontRef>
+          </p:style>
+        </p:cxnSp>
+        <p:cxnSp>
+          <p:nvCxnSpPr>
+            <p:cNvPr id="10" name="Connector: Elbow 9">
+              <a:extLst>
+                <a:ext uri="{FF2B5EF4-FFF2-40B4-BE49-F238E27FC236}">
+                  <a16:creationId xmlns:a16="http://schemas.microsoft.com/office/drawing/2014/main" id="{450FB1F5-7180-9E68-6B9E-8628871763B3}"/>
+                </a:ext>
+              </a:extLst>
+            </p:cNvPr>
+            <p:cNvCxnSpPr>
+              <a:cxnSpLocks/>
+              <a:stCxn id="64" idx="2"/>
+              <a:endCxn id="58" idx="0"/>
+            </p:cNvCxnSpPr>
+            <p:nvPr/>
+          </p:nvCxnSpPr>
+          <p:spPr>
+            <a:xfrm rot="5400000">
+              <a:off x="2665330" y="2547812"/>
+              <a:ext cx="725440" cy="1950111"/>
+            </a:xfrm>
+            <a:prstGeom prst="bentConnector3">
+              <a:avLst>
+                <a:gd name="adj1" fmla="val 65238"/>
+              </a:avLst>
+            </a:prstGeom>
+            <a:ln w="6350">
+              <a:solidFill>
+                <a:schemeClr val="bg1">
+                  <a:lumMod val="65000"/>
+                </a:schemeClr>
+              </a:solidFill>
+              <a:headEnd type="none" w="med" len="med"/>
+              <a:tailEnd type="triangle" w="med" len="med"/>
+            </a:ln>
+          </p:spPr>
+          <p:style>
+            <a:lnRef idx="2">
+              <a:schemeClr val="accent1"/>
+            </a:lnRef>
+            <a:fillRef idx="0">
+              <a:schemeClr val="accent1"/>
+            </a:fillRef>
+            <a:effectRef idx="1">
+              <a:schemeClr val="accent1"/>
+            </a:effectRef>
+            <a:fontRef idx="minor">
+              <a:schemeClr val="tx1"/>
+            </a:fontRef>
+          </p:style>
+        </p:cxnSp>
+        <p:cxnSp>
+          <p:nvCxnSpPr>
+            <p:cNvPr id="11" name="Connector: Elbow 10">
+              <a:extLst>
+                <a:ext uri="{FF2B5EF4-FFF2-40B4-BE49-F238E27FC236}">
+                  <a16:creationId xmlns:a16="http://schemas.microsoft.com/office/drawing/2014/main" id="{C260A711-8583-EAC9-A756-8A82A40CAAEB}"/>
+                </a:ext>
+              </a:extLst>
+            </p:cNvPr>
+            <p:cNvCxnSpPr>
+              <a:cxnSpLocks/>
+              <a:stCxn id="64" idx="2"/>
+              <a:endCxn id="55" idx="0"/>
+            </p:cNvCxnSpPr>
+            <p:nvPr/>
+          </p:nvCxnSpPr>
+          <p:spPr>
+            <a:xfrm rot="16200000" flipH="1">
+              <a:off x="4641758" y="2521494"/>
+              <a:ext cx="725440" cy="2002747"/>
+            </a:xfrm>
+            <a:prstGeom prst="bentConnector3">
+              <a:avLst>
+                <a:gd name="adj1" fmla="val 65238"/>
+              </a:avLst>
+            </a:prstGeom>
+            <a:ln w="6350">
+              <a:solidFill>
+                <a:schemeClr val="bg1">
+                  <a:lumMod val="65000"/>
+                </a:schemeClr>
+              </a:solidFill>
+              <a:headEnd type="none" w="med" len="med"/>
+              <a:tailEnd type="triangle" w="med" len="med"/>
+            </a:ln>
+          </p:spPr>
+          <p:style>
+            <a:lnRef idx="2">
+              <a:schemeClr val="accent1"/>
+            </a:lnRef>
+            <a:fillRef idx="0">
+              <a:schemeClr val="accent1"/>
+            </a:fillRef>
+            <a:effectRef idx="1">
+              <a:schemeClr val="accent1"/>
+            </a:effectRef>
+            <a:fontRef idx="minor">
+              <a:schemeClr val="tx1"/>
+            </a:fontRef>
+          </p:style>
+        </p:cxnSp>
+        <p:cxnSp>
+          <p:nvCxnSpPr>
+            <p:cNvPr id="12" name="Connector: Elbow 11">
+              <a:extLst>
+                <a:ext uri="{FF2B5EF4-FFF2-40B4-BE49-F238E27FC236}">
+                  <a16:creationId xmlns:a16="http://schemas.microsoft.com/office/drawing/2014/main" id="{1FA89F94-925A-2F67-E97C-9537905CEA49}"/>
+                </a:ext>
+              </a:extLst>
+            </p:cNvPr>
+            <p:cNvCxnSpPr>
+              <a:cxnSpLocks/>
+              <a:endCxn id="34" idx="0"/>
+            </p:cNvCxnSpPr>
+            <p:nvPr/>
+          </p:nvCxnSpPr>
+          <p:spPr>
+            <a:xfrm>
+              <a:off x="6459877" y="1950322"/>
+              <a:ext cx="3718115" cy="1935265"/>
+            </a:xfrm>
+            <a:prstGeom prst="bentConnector2">
+              <a:avLst/>
+            </a:prstGeom>
+            <a:ln w="6350">
+              <a:solidFill>
+                <a:schemeClr val="bg1">
+                  <a:lumMod val="65000"/>
+                </a:schemeClr>
+              </a:solidFill>
+              <a:headEnd type="none" w="med" len="med"/>
+              <a:tailEnd type="triangle" w="med" len="med"/>
+            </a:ln>
+          </p:spPr>
+          <p:style>
+            <a:lnRef idx="2">
+              <a:schemeClr val="accent1"/>
+            </a:lnRef>
+            <a:fillRef idx="0">
+              <a:schemeClr val="accent1"/>
+            </a:fillRef>
+            <a:effectRef idx="1">
+              <a:schemeClr val="accent1"/>
+            </a:effectRef>
+            <a:fontRef idx="minor">
+              <a:schemeClr val="tx1"/>
+            </a:fontRef>
+          </p:style>
+        </p:cxnSp>
+        <p:cxnSp>
+          <p:nvCxnSpPr>
+            <p:cNvPr id="13" name="Connector: Elbow 12">
+              <a:extLst>
+                <a:ext uri="{FF2B5EF4-FFF2-40B4-BE49-F238E27FC236}">
+                  <a16:creationId xmlns:a16="http://schemas.microsoft.com/office/drawing/2014/main" id="{A03ECE34-FE9B-EFA1-6C79-1EE27B1DF5F2}"/>
+                </a:ext>
+              </a:extLst>
+            </p:cNvPr>
+            <p:cNvCxnSpPr>
+              <a:cxnSpLocks/>
+              <a:stCxn id="34" idx="2"/>
+              <a:endCxn id="37" idx="0"/>
+            </p:cNvCxnSpPr>
+            <p:nvPr/>
+          </p:nvCxnSpPr>
+          <p:spPr>
+            <a:xfrm rot="5400000">
+              <a:off x="9348771" y="4022872"/>
+              <a:ext cx="714080" cy="944361"/>
+            </a:xfrm>
+            <a:prstGeom prst="bentConnector3">
+              <a:avLst>
+                <a:gd name="adj1" fmla="val 68576"/>
+              </a:avLst>
+            </a:prstGeom>
+            <a:ln w="6350">
+              <a:solidFill>
+                <a:schemeClr val="bg1">
+                  <a:lumMod val="65000"/>
+                </a:schemeClr>
+              </a:solidFill>
+              <a:headEnd type="none" w="med" len="med"/>
+              <a:tailEnd type="triangle" w="med" len="med"/>
+            </a:ln>
+          </p:spPr>
+          <p:style>
+            <a:lnRef idx="2">
+              <a:schemeClr val="accent1"/>
+            </a:lnRef>
+            <a:fillRef idx="0">
+              <a:schemeClr val="accent1"/>
+            </a:fillRef>
+            <a:effectRef idx="1">
+              <a:schemeClr val="accent1"/>
+            </a:effectRef>
+            <a:fontRef idx="minor">
+              <a:schemeClr val="tx1"/>
+            </a:fontRef>
+          </p:style>
+        </p:cxnSp>
+        <p:cxnSp>
+          <p:nvCxnSpPr>
+            <p:cNvPr id="14" name="Connector: Elbow 13">
+              <a:extLst>
+                <a:ext uri="{FF2B5EF4-FFF2-40B4-BE49-F238E27FC236}">
+                  <a16:creationId xmlns:a16="http://schemas.microsoft.com/office/drawing/2014/main" id="{605C1BCF-F060-93F7-1EE1-0E1A8AC83B8A}"/>
+                </a:ext>
+              </a:extLst>
+            </p:cNvPr>
+            <p:cNvCxnSpPr>
+              <a:cxnSpLocks/>
+              <a:stCxn id="34" idx="2"/>
+              <a:endCxn id="40" idx="0"/>
+            </p:cNvCxnSpPr>
+            <p:nvPr/>
+          </p:nvCxnSpPr>
+          <p:spPr>
+            <a:xfrm rot="16200000" flipH="1">
+              <a:off x="10301901" y="4014105"/>
+              <a:ext cx="714080" cy="961897"/>
+            </a:xfrm>
+            <a:prstGeom prst="bentConnector3">
+              <a:avLst>
+                <a:gd name="adj1" fmla="val 68576"/>
+              </a:avLst>
+            </a:prstGeom>
+            <a:ln w="6350">
+              <a:solidFill>
+                <a:schemeClr val="bg1">
+                  <a:lumMod val="65000"/>
+                </a:schemeClr>
+              </a:solidFill>
+              <a:headEnd type="none" w="med" len="med"/>
+              <a:tailEnd type="triangle" w="med" len="med"/>
+            </a:ln>
+          </p:spPr>
+          <p:style>
+            <a:lnRef idx="2">
+              <a:schemeClr val="accent1"/>
+            </a:lnRef>
+            <a:fillRef idx="0">
+              <a:schemeClr val="accent1"/>
+            </a:fillRef>
+            <a:effectRef idx="1">
+              <a:schemeClr val="accent1"/>
+            </a:effectRef>
+            <a:fontRef idx="minor">
+              <a:schemeClr val="tx1"/>
+            </a:fontRef>
+          </p:style>
+        </p:cxnSp>
+        <p:cxnSp>
+          <p:nvCxnSpPr>
+            <p:cNvPr id="15" name="Connector: Elbow 14">
+              <a:extLst>
+                <a:ext uri="{FF2B5EF4-FFF2-40B4-BE49-F238E27FC236}">
+                  <a16:creationId xmlns:a16="http://schemas.microsoft.com/office/drawing/2014/main" id="{27A5E3E1-4C1B-DD8A-3FA9-A9795E82685D}"/>
+                </a:ext>
+              </a:extLst>
+            </p:cNvPr>
+            <p:cNvCxnSpPr>
+              <a:cxnSpLocks/>
+              <a:stCxn id="58" idx="2"/>
+              <a:endCxn id="49" idx="0"/>
+            </p:cNvCxnSpPr>
+            <p:nvPr/>
+          </p:nvCxnSpPr>
+          <p:spPr>
+            <a:xfrm rot="5400000">
+              <a:off x="1203961" y="4007604"/>
+              <a:ext cx="718625" cy="979443"/>
+            </a:xfrm>
+            <a:prstGeom prst="bentConnector3">
+              <a:avLst>
+                <a:gd name="adj1" fmla="val 65382"/>
+              </a:avLst>
+            </a:prstGeom>
+            <a:ln w="6350">
+              <a:solidFill>
+                <a:schemeClr val="bg1">
+                  <a:lumMod val="65000"/>
+                </a:schemeClr>
+              </a:solidFill>
+              <a:headEnd type="none" w="med" len="med"/>
+              <a:tailEnd type="triangle" w="med" len="med"/>
+            </a:ln>
+          </p:spPr>
+          <p:style>
+            <a:lnRef idx="2">
+              <a:schemeClr val="accent1"/>
+            </a:lnRef>
+            <a:fillRef idx="0">
+              <a:schemeClr val="accent1"/>
+            </a:fillRef>
+            <a:effectRef idx="1">
+              <a:schemeClr val="accent1"/>
+            </a:effectRef>
+            <a:fontRef idx="minor">
+              <a:schemeClr val="tx1"/>
+            </a:fontRef>
+          </p:style>
+        </p:cxnSp>
+        <p:cxnSp>
+          <p:nvCxnSpPr>
+            <p:cNvPr id="16" name="Connector: Elbow 15">
+              <a:extLst>
+                <a:ext uri="{FF2B5EF4-FFF2-40B4-BE49-F238E27FC236}">
+                  <a16:creationId xmlns:a16="http://schemas.microsoft.com/office/drawing/2014/main" id="{B0033584-F431-E9E0-50DC-F07B90969B96}"/>
+                </a:ext>
+              </a:extLst>
+            </p:cNvPr>
+            <p:cNvCxnSpPr>
+              <a:cxnSpLocks/>
+              <a:stCxn id="58" idx="2"/>
+              <a:endCxn id="52" idx="0"/>
+            </p:cNvCxnSpPr>
+            <p:nvPr/>
+          </p:nvCxnSpPr>
+          <p:spPr>
+            <a:xfrm rot="16200000" flipH="1">
+              <a:off x="2179020" y="4011987"/>
+              <a:ext cx="718625" cy="970676"/>
+            </a:xfrm>
+            <a:prstGeom prst="bentConnector3">
+              <a:avLst>
+                <a:gd name="adj1" fmla="val 65382"/>
+              </a:avLst>
+            </a:prstGeom>
+            <a:ln w="6350">
+              <a:solidFill>
+                <a:schemeClr val="bg1">
+                  <a:lumMod val="65000"/>
+                </a:schemeClr>
+              </a:solidFill>
+              <a:headEnd type="none" w="med" len="med"/>
+              <a:tailEnd type="triangle" w="med" len="med"/>
+            </a:ln>
+          </p:spPr>
+          <p:style>
+            <a:lnRef idx="2">
+              <a:schemeClr val="accent1"/>
+            </a:lnRef>
+            <a:fillRef idx="0">
+              <a:schemeClr val="accent1"/>
+            </a:fillRef>
+            <a:effectRef idx="1">
+              <a:schemeClr val="accent1"/>
+            </a:effectRef>
+            <a:fontRef idx="minor">
+              <a:schemeClr val="tx1"/>
+            </a:fontRef>
+          </p:style>
+        </p:cxnSp>
+        <p:cxnSp>
+          <p:nvCxnSpPr>
+            <p:cNvPr id="17" name="Connector: Elbow 16">
+              <a:extLst>
+                <a:ext uri="{FF2B5EF4-FFF2-40B4-BE49-F238E27FC236}">
+                  <a16:creationId xmlns:a16="http://schemas.microsoft.com/office/drawing/2014/main" id="{4E563AC5-630A-0C15-8E46-0DBC381231FE}"/>
+                </a:ext>
+              </a:extLst>
+            </p:cNvPr>
+            <p:cNvCxnSpPr>
+              <a:cxnSpLocks/>
+              <a:stCxn id="55" idx="2"/>
+              <a:endCxn id="43" idx="0"/>
+            </p:cNvCxnSpPr>
+            <p:nvPr/>
+          </p:nvCxnSpPr>
+          <p:spPr>
+            <a:xfrm rot="5400000">
+              <a:off x="5171118" y="4019630"/>
+              <a:ext cx="716353" cy="953119"/>
+            </a:xfrm>
+            <a:prstGeom prst="bentConnector3">
+              <a:avLst>
+                <a:gd name="adj1" fmla="val 65431"/>
+              </a:avLst>
+            </a:prstGeom>
+            <a:ln w="6350">
+              <a:solidFill>
+                <a:schemeClr val="bg1">
+                  <a:lumMod val="65000"/>
+                </a:schemeClr>
+              </a:solidFill>
+              <a:headEnd type="none" w="med" len="med"/>
+              <a:tailEnd type="triangle" w="med" len="med"/>
+            </a:ln>
+          </p:spPr>
+          <p:style>
+            <a:lnRef idx="2">
+              <a:schemeClr val="accent1"/>
+            </a:lnRef>
+            <a:fillRef idx="0">
+              <a:schemeClr val="accent1"/>
+            </a:fillRef>
+            <a:effectRef idx="1">
+              <a:schemeClr val="accent1"/>
+            </a:effectRef>
+            <a:fontRef idx="minor">
+              <a:schemeClr val="tx1"/>
+            </a:fontRef>
+          </p:style>
+        </p:cxnSp>
+        <p:cxnSp>
+          <p:nvCxnSpPr>
+            <p:cNvPr id="18" name="Connector: Elbow 17">
+              <a:extLst>
+                <a:ext uri="{FF2B5EF4-FFF2-40B4-BE49-F238E27FC236}">
+                  <a16:creationId xmlns:a16="http://schemas.microsoft.com/office/drawing/2014/main" id="{B13ED827-0767-57CD-1240-DCF1C0230D2B}"/>
+                </a:ext>
+              </a:extLst>
+            </p:cNvPr>
+            <p:cNvCxnSpPr>
+              <a:cxnSpLocks/>
+              <a:stCxn id="55" idx="2"/>
+              <a:endCxn id="46" idx="0"/>
+            </p:cNvCxnSpPr>
+            <p:nvPr/>
+          </p:nvCxnSpPr>
+          <p:spPr>
+            <a:xfrm rot="16200000" flipH="1">
+              <a:off x="6124245" y="4019619"/>
+              <a:ext cx="716353" cy="953139"/>
+            </a:xfrm>
+            <a:prstGeom prst="bentConnector3">
+              <a:avLst>
+                <a:gd name="adj1" fmla="val 65431"/>
+              </a:avLst>
+            </a:prstGeom>
+            <a:ln w="6350">
+              <a:solidFill>
+                <a:schemeClr val="bg1">
+                  <a:lumMod val="65000"/>
+                </a:schemeClr>
+              </a:solidFill>
+              <a:headEnd type="none" w="med" len="med"/>
+              <a:tailEnd type="triangle" w="med" len="med"/>
+            </a:ln>
+          </p:spPr>
+          <p:style>
+            <a:lnRef idx="2">
+              <a:schemeClr val="accent1"/>
+            </a:lnRef>
+            <a:fillRef idx="0">
+              <a:schemeClr val="accent1"/>
+            </a:fillRef>
+            <a:effectRef idx="1">
+              <a:schemeClr val="accent1"/>
+            </a:effectRef>
+            <a:fontRef idx="minor">
+              <a:schemeClr val="tx1"/>
+            </a:fontRef>
+          </p:style>
+        </p:cxnSp>
+        <p:grpSp>
+          <p:nvGrpSpPr>
+            <p:cNvPr id="19" name="Group 18">
+              <a:extLst>
+                <a:ext uri="{FF2B5EF4-FFF2-40B4-BE49-F238E27FC236}">
+                  <a16:creationId xmlns:a16="http://schemas.microsoft.com/office/drawing/2014/main" id="{A5350016-8C01-B756-2B19-B8B4CA5F8D93}"/>
+                </a:ext>
+              </a:extLst>
+            </p:cNvPr>
+            <p:cNvGrpSpPr/>
+            <p:nvPr/>
+          </p:nvGrpSpPr>
+          <p:grpSpPr>
+            <a:xfrm>
+              <a:off x="3106251" y="2907722"/>
+              <a:ext cx="1793708" cy="552609"/>
+              <a:chOff x="2913343" y="1887188"/>
+              <a:chExt cx="2251495" cy="698740"/>
+            </a:xfrm>
+          </p:grpSpPr>
+          <p:sp>
+            <p:nvSpPr>
+              <p:cNvPr id="64" name="shape_header_volume_units">
+                <a:extLst>
+                  <a:ext uri="{FF2B5EF4-FFF2-40B4-BE49-F238E27FC236}">
+                    <a16:creationId xmlns:a16="http://schemas.microsoft.com/office/drawing/2014/main" id="{3DC974AB-DE93-8F19-BE8D-9FC20FD10361}"/>
+                  </a:ext>
+                </a:extLst>
+              </p:cNvPr>
+              <p:cNvSpPr/>
+              <p:nvPr/>
+            </p:nvSpPr>
+            <p:spPr>
+              <a:xfrm>
+                <a:off x="2913343" y="1887188"/>
+                <a:ext cx="2251495" cy="319176"/>
+              </a:xfrm>
+              <a:prstGeom prst="roundRect">
+                <a:avLst>
+                  <a:gd name="adj" fmla="val 0"/>
+                </a:avLst>
+              </a:prstGeom>
+              <a:solidFill>
+                <a:srgbClr val="80CC98"/>
+              </a:solidFill>
+              <a:ln w="12700">
+                <a:solidFill>
+                  <a:schemeClr val="bg1">
+                    <a:lumMod val="65000"/>
+                  </a:schemeClr>
+                </a:solidFill>
+              </a:ln>
+            </p:spPr>
+            <p:style>
+              <a:lnRef idx="2">
+                <a:schemeClr val="accent1">
+                  <a:shade val="15000"/>
+                </a:schemeClr>
+              </a:lnRef>
+              <a:fillRef idx="1">
+                <a:schemeClr val="accent1"/>
+              </a:fillRef>
+              <a:effectRef idx="0">
+                <a:schemeClr val="accent1"/>
+              </a:effectRef>
+              <a:fontRef idx="minor">
+                <a:schemeClr val="lt1"/>
+              </a:fontRef>
+            </p:style>
+            <p:txBody>
+              <a:bodyPr wrap="square" rtlCol="0" anchor="ctr"/>
+              <a:lstStyle>
+                <a:defPPr>
+                  <a:defRPr lang="pt-BR"/>
+                </a:defPPr>
+                <a:lvl1pPr marL="0" indent="0" algn="l" defTabSz="914400" rtl="0" eaLnBrk="1" latinLnBrk="0" hangingPunct="1">
+                  <a:defRPr sz="1800" kern="1200">
+                    <a:solidFill>
+                      <a:schemeClr val="lt1"/>
+                    </a:solidFill>
+                    <a:latin typeface="+mn-lt"/>
+                    <a:ea typeface="+mn-ea"/>
+                    <a:cs typeface="+mn-cs"/>
+                  </a:defRPr>
+                </a:lvl1pPr>
+                <a:lvl2pPr marL="457200" indent="0" algn="l" defTabSz="914400" rtl="0" eaLnBrk="1" latinLnBrk="0" hangingPunct="1">
+                  <a:defRPr sz="1800" kern="1200">
+                    <a:solidFill>
+                      <a:schemeClr val="lt1"/>
+                    </a:solidFill>
+                    <a:latin typeface="+mn-lt"/>
+                    <a:ea typeface="+mn-ea"/>
+                    <a:cs typeface="+mn-cs"/>
+                  </a:defRPr>
+                </a:lvl2pPr>
+                <a:lvl3pPr marL="914400" indent="0" algn="l" defTabSz="914400" rtl="0" eaLnBrk="1" latinLnBrk="0" hangingPunct="1">
+                  <a:defRPr sz="1800" kern="1200">
+                    <a:solidFill>
+                      <a:schemeClr val="lt1"/>
+                    </a:solidFill>
+                    <a:latin typeface="+mn-lt"/>
+                    <a:ea typeface="+mn-ea"/>
+                    <a:cs typeface="+mn-cs"/>
+                  </a:defRPr>
+                </a:lvl3pPr>
+                <a:lvl4pPr marL="1371600" indent="0" algn="l" defTabSz="914400" rtl="0" eaLnBrk="1" latinLnBrk="0" hangingPunct="1">
+                  <a:defRPr sz="1800" kern="1200">
+                    <a:solidFill>
+                      <a:schemeClr val="lt1"/>
+                    </a:solidFill>
+                    <a:latin typeface="+mn-lt"/>
+                    <a:ea typeface="+mn-ea"/>
+                    <a:cs typeface="+mn-cs"/>
+                  </a:defRPr>
+                </a:lvl4pPr>
+                <a:lvl5pPr marL="1828800" indent="0" algn="l" defTabSz="914400" rtl="0" eaLnBrk="1" latinLnBrk="0" hangingPunct="1">
+                  <a:defRPr sz="1800" kern="1200">
+                    <a:solidFill>
+                      <a:schemeClr val="lt1"/>
+                    </a:solidFill>
+                    <a:latin typeface="+mn-lt"/>
+                    <a:ea typeface="+mn-ea"/>
+                    <a:cs typeface="+mn-cs"/>
+                  </a:defRPr>
+                </a:lvl5pPr>
+                <a:lvl6pPr marL="2286000" indent="0" algn="l" defTabSz="914400" rtl="0" eaLnBrk="1" latinLnBrk="0" hangingPunct="1">
+                  <a:defRPr sz="1800" kern="1200">
+                    <a:solidFill>
+                      <a:schemeClr val="lt1"/>
+                    </a:solidFill>
+                    <a:latin typeface="+mn-lt"/>
+                    <a:ea typeface="+mn-ea"/>
+                    <a:cs typeface="+mn-cs"/>
+                  </a:defRPr>
+                </a:lvl6pPr>
+                <a:lvl7pPr marL="2743200" indent="0" algn="l" defTabSz="914400" rtl="0" eaLnBrk="1" latinLnBrk="0" hangingPunct="1">
+                  <a:defRPr sz="1800" kern="1200">
+                    <a:solidFill>
+                      <a:schemeClr val="lt1"/>
+                    </a:solidFill>
+                    <a:latin typeface="+mn-lt"/>
+                    <a:ea typeface="+mn-ea"/>
+                    <a:cs typeface="+mn-cs"/>
+                  </a:defRPr>
+                </a:lvl7pPr>
+                <a:lvl8pPr marL="3200400" indent="0" algn="l" defTabSz="914400" rtl="0" eaLnBrk="1" latinLnBrk="0" hangingPunct="1">
+                  <a:defRPr sz="1800" kern="1200">
+                    <a:solidFill>
+                      <a:schemeClr val="lt1"/>
+                    </a:solidFill>
+                    <a:latin typeface="+mn-lt"/>
+                    <a:ea typeface="+mn-ea"/>
+                    <a:cs typeface="+mn-cs"/>
+                  </a:defRPr>
+                </a:lvl8pPr>
+                <a:lvl9pPr marL="3657600" indent="0" algn="l" defTabSz="914400" rtl="0" eaLnBrk="1" latinLnBrk="0" hangingPunct="1">
+                  <a:defRPr sz="1800" kern="1200">
+                    <a:solidFill>
+                      <a:schemeClr val="lt1"/>
+                    </a:solidFill>
+                    <a:latin typeface="+mn-lt"/>
+                    <a:ea typeface="+mn-ea"/>
+                    <a:cs typeface="+mn-cs"/>
+                  </a:defRPr>
+                </a:lvl9pPr>
+              </a:lstStyle>
+              <a:p>
+                <a:pPr algn="ctr"/>
+                <a:r>
+                  <a:rPr lang="pt-BR" sz="800" b="1"/>
+                  <a:t>VOLUME / UNITS</a:t>
+                </a:r>
+              </a:p>
+            </p:txBody>
+          </p:sp>
+          <p:sp>
+            <p:nvSpPr>
+              <p:cNvPr id="65" name="shape_abs_volume_units">
+                <a:extLst>
+                  <a:ext uri="{FF2B5EF4-FFF2-40B4-BE49-F238E27FC236}">
+                    <a16:creationId xmlns:a16="http://schemas.microsoft.com/office/drawing/2014/main" id="{EB44090B-AC61-B18A-82FD-3F546C36AB94}"/>
+                  </a:ext>
+                </a:extLst>
+              </p:cNvPr>
+              <p:cNvSpPr/>
+              <p:nvPr/>
+            </p:nvSpPr>
+            <p:spPr>
+              <a:xfrm>
+                <a:off x="2913343" y="2206364"/>
+                <a:ext cx="1354347" cy="379564"/>
+              </a:xfrm>
+              <a:prstGeom prst="roundRect">
+                <a:avLst>
+                  <a:gd name="adj" fmla="val 0"/>
+                </a:avLst>
+              </a:prstGeom>
+              <a:solidFill>
+                <a:schemeClr val="bg1"/>
+              </a:solidFill>
+              <a:ln w="12700">
+                <a:solidFill>
+                  <a:schemeClr val="bg1">
+                    <a:lumMod val="65000"/>
+                  </a:schemeClr>
+                </a:solidFill>
+              </a:ln>
+            </p:spPr>
+            <p:style>
+              <a:lnRef idx="2">
+                <a:schemeClr val="accent1">
+                  <a:shade val="15000"/>
+                </a:schemeClr>
+              </a:lnRef>
+              <a:fillRef idx="1">
+                <a:schemeClr val="accent1"/>
+              </a:fillRef>
+              <a:effectRef idx="0">
+                <a:schemeClr val="accent1"/>
+              </a:effectRef>
+              <a:fontRef idx="minor">
+                <a:schemeClr val="lt1"/>
+              </a:fontRef>
+            </p:style>
+            <p:txBody>
+              <a:bodyPr wrap="square" rtlCol="0" anchor="ctr"/>
+              <a:lstStyle>
+                <a:defPPr>
+                  <a:defRPr lang="pt-BR"/>
+                </a:defPPr>
+                <a:lvl1pPr marL="0" indent="0" algn="l" defTabSz="914400" rtl="0" eaLnBrk="1" latinLnBrk="0" hangingPunct="1">
+                  <a:defRPr sz="1800" kern="1200">
+                    <a:solidFill>
+                      <a:schemeClr val="lt1"/>
+                    </a:solidFill>
+                    <a:latin typeface="+mn-lt"/>
+                    <a:ea typeface="+mn-ea"/>
+                    <a:cs typeface="+mn-cs"/>
+                  </a:defRPr>
+                </a:lvl1pPr>
+                <a:lvl2pPr marL="457200" indent="0" algn="l" defTabSz="914400" rtl="0" eaLnBrk="1" latinLnBrk="0" hangingPunct="1">
+                  <a:defRPr sz="1800" kern="1200">
+                    <a:solidFill>
+                      <a:schemeClr val="lt1"/>
+                    </a:solidFill>
+                    <a:latin typeface="+mn-lt"/>
+                    <a:ea typeface="+mn-ea"/>
+                    <a:cs typeface="+mn-cs"/>
+                  </a:defRPr>
+                </a:lvl2pPr>
+                <a:lvl3pPr marL="914400" indent="0" algn="l" defTabSz="914400" rtl="0" eaLnBrk="1" latinLnBrk="0" hangingPunct="1">
+                  <a:defRPr sz="1800" kern="1200">
+                    <a:solidFill>
+                      <a:schemeClr val="lt1"/>
+                    </a:solidFill>
+                    <a:latin typeface="+mn-lt"/>
+                    <a:ea typeface="+mn-ea"/>
+                    <a:cs typeface="+mn-cs"/>
+                  </a:defRPr>
+                </a:lvl3pPr>
+                <a:lvl4pPr marL="1371600" indent="0" algn="l" defTabSz="914400" rtl="0" eaLnBrk="1" latinLnBrk="0" hangingPunct="1">
+                  <a:defRPr sz="1800" kern="1200">
+                    <a:solidFill>
+                      <a:schemeClr val="lt1"/>
+                    </a:solidFill>
+                    <a:latin typeface="+mn-lt"/>
+                    <a:ea typeface="+mn-ea"/>
+                    <a:cs typeface="+mn-cs"/>
+                  </a:defRPr>
+                </a:lvl4pPr>
+                <a:lvl5pPr marL="1828800" indent="0" algn="l" defTabSz="914400" rtl="0" eaLnBrk="1" latinLnBrk="0" hangingPunct="1">
+                  <a:defRPr sz="1800" kern="1200">
+                    <a:solidFill>
+                      <a:schemeClr val="lt1"/>
+                    </a:solidFill>
+                    <a:latin typeface="+mn-lt"/>
+                    <a:ea typeface="+mn-ea"/>
+                    <a:cs typeface="+mn-cs"/>
+                  </a:defRPr>
+                </a:lvl5pPr>
+                <a:lvl6pPr marL="2286000" indent="0" algn="l" defTabSz="914400" rtl="0" eaLnBrk="1" latinLnBrk="0" hangingPunct="1">
+                  <a:defRPr sz="1800" kern="1200">
+                    <a:solidFill>
+                      <a:schemeClr val="lt1"/>
+                    </a:solidFill>
+                    <a:latin typeface="+mn-lt"/>
+                    <a:ea typeface="+mn-ea"/>
+                    <a:cs typeface="+mn-cs"/>
+                  </a:defRPr>
+                </a:lvl6pPr>
+                <a:lvl7pPr marL="2743200" indent="0" algn="l" defTabSz="914400" rtl="0" eaLnBrk="1" latinLnBrk="0" hangingPunct="1">
+                  <a:defRPr sz="1800" kern="1200">
+                    <a:solidFill>
+                      <a:schemeClr val="lt1"/>
+                    </a:solidFill>
+                    <a:latin typeface="+mn-lt"/>
+                    <a:ea typeface="+mn-ea"/>
+                    <a:cs typeface="+mn-cs"/>
+                  </a:defRPr>
+                </a:lvl7pPr>
+                <a:lvl8pPr marL="3200400" indent="0" algn="l" defTabSz="914400" rtl="0" eaLnBrk="1" latinLnBrk="0" hangingPunct="1">
+                  <a:defRPr sz="1800" kern="1200">
+                    <a:solidFill>
+                      <a:schemeClr val="lt1"/>
+                    </a:solidFill>
+                    <a:latin typeface="+mn-lt"/>
+                    <a:ea typeface="+mn-ea"/>
+                    <a:cs typeface="+mn-cs"/>
+                  </a:defRPr>
+                </a:lvl8pPr>
+                <a:lvl9pPr marL="3657600" indent="0" algn="l" defTabSz="914400" rtl="0" eaLnBrk="1" latinLnBrk="0" hangingPunct="1">
+                  <a:defRPr sz="1800" kern="1200">
+                    <a:solidFill>
+                      <a:schemeClr val="lt1"/>
+                    </a:solidFill>
+                    <a:latin typeface="+mn-lt"/>
+                    <a:ea typeface="+mn-ea"/>
+                    <a:cs typeface="+mn-cs"/>
+                  </a:defRPr>
+                </a:lvl9pPr>
+              </a:lstStyle>
+              <a:p>
+                <a:pPr algn="ctr"/>
+                <a:r>
+                  <a:rPr lang="en-US" sz="800" b="1" i="0" u="none" strike="noStrike" dirty="0">
+                    <a:solidFill>
+                      <a:srgbClr val="000000"/>
+                    </a:solidFill>
+                    <a:latin typeface="Aptos Narrow"/>
+                  </a:rPr>
+                  <a:t>-</a:t>
+                </a:r>
+                <a:endParaRPr lang="pt-BR" sz="800" dirty="0"/>
+              </a:p>
+            </p:txBody>
+          </p:sp>
+          <p:sp>
+            <p:nvSpPr>
+              <p:cNvPr id="66" name="shape_var_volume_units">
+                <a:extLst>
+                  <a:ext uri="{FF2B5EF4-FFF2-40B4-BE49-F238E27FC236}">
+                    <a16:creationId xmlns:a16="http://schemas.microsoft.com/office/drawing/2014/main" id="{31DAF9D2-4F49-9288-00DA-8A89EDCFF3D0}"/>
+                  </a:ext>
+                </a:extLst>
+              </p:cNvPr>
+              <p:cNvSpPr/>
+              <p:nvPr/>
+            </p:nvSpPr>
+            <p:spPr>
+              <a:xfrm>
+                <a:off x="4267690" y="2206364"/>
+                <a:ext cx="897148" cy="379564"/>
+              </a:xfrm>
+              <a:prstGeom prst="roundRect">
+                <a:avLst>
+                  <a:gd name="adj" fmla="val 0"/>
+                </a:avLst>
+              </a:prstGeom>
+              <a:solidFill>
+                <a:schemeClr val="bg1"/>
+              </a:solidFill>
+              <a:ln w="12700">
+                <a:solidFill>
+                  <a:schemeClr val="bg1">
+                    <a:lumMod val="65000"/>
+                  </a:schemeClr>
+                </a:solidFill>
+              </a:ln>
+            </p:spPr>
+            <p:style>
+              <a:lnRef idx="2">
+                <a:schemeClr val="accent1">
+                  <a:shade val="15000"/>
+                </a:schemeClr>
+              </a:lnRef>
+              <a:fillRef idx="1">
+                <a:schemeClr val="accent1"/>
+              </a:fillRef>
+              <a:effectRef idx="0">
+                <a:schemeClr val="accent1"/>
+              </a:effectRef>
+              <a:fontRef idx="minor">
+                <a:schemeClr val="lt1"/>
+              </a:fontRef>
+            </p:style>
+            <p:txBody>
+              <a:bodyPr wrap="square" rtlCol="0" anchor="ctr"/>
+              <a:lstStyle>
+                <a:defPPr>
+                  <a:defRPr lang="pt-BR"/>
+                </a:defPPr>
+                <a:lvl1pPr marL="0" indent="0" algn="l" defTabSz="914400" rtl="0" eaLnBrk="1" latinLnBrk="0" hangingPunct="1">
+                  <a:defRPr sz="1800" kern="1200">
+                    <a:solidFill>
+                      <a:schemeClr val="lt1"/>
+                    </a:solidFill>
+                    <a:latin typeface="+mn-lt"/>
+                    <a:ea typeface="+mn-ea"/>
+                    <a:cs typeface="+mn-cs"/>
+                  </a:defRPr>
+                </a:lvl1pPr>
+                <a:lvl2pPr marL="457200" indent="0" algn="l" defTabSz="914400" rtl="0" eaLnBrk="1" latinLnBrk="0" hangingPunct="1">
+                  <a:defRPr sz="1800" kern="1200">
+                    <a:solidFill>
+                      <a:schemeClr val="lt1"/>
+                    </a:solidFill>
+                    <a:latin typeface="+mn-lt"/>
+                    <a:ea typeface="+mn-ea"/>
+                    <a:cs typeface="+mn-cs"/>
+                  </a:defRPr>
+                </a:lvl2pPr>
+                <a:lvl3pPr marL="914400" indent="0" algn="l" defTabSz="914400" rtl="0" eaLnBrk="1" latinLnBrk="0" hangingPunct="1">
+                  <a:defRPr sz="1800" kern="1200">
+                    <a:solidFill>
+                      <a:schemeClr val="lt1"/>
+                    </a:solidFill>
+                    <a:latin typeface="+mn-lt"/>
+                    <a:ea typeface="+mn-ea"/>
+                    <a:cs typeface="+mn-cs"/>
+                  </a:defRPr>
+                </a:lvl3pPr>
+                <a:lvl4pPr marL="1371600" indent="0" algn="l" defTabSz="914400" rtl="0" eaLnBrk="1" latinLnBrk="0" hangingPunct="1">
+                  <a:defRPr sz="1800" kern="1200">
+                    <a:solidFill>
+                      <a:schemeClr val="lt1"/>
+                    </a:solidFill>
+                    <a:latin typeface="+mn-lt"/>
+                    <a:ea typeface="+mn-ea"/>
+                    <a:cs typeface="+mn-cs"/>
+                  </a:defRPr>
+                </a:lvl4pPr>
+                <a:lvl5pPr marL="1828800" indent="0" algn="l" defTabSz="914400" rtl="0" eaLnBrk="1" latinLnBrk="0" hangingPunct="1">
+                  <a:defRPr sz="1800" kern="1200">
+                    <a:solidFill>
+                      <a:schemeClr val="lt1"/>
+                    </a:solidFill>
+                    <a:latin typeface="+mn-lt"/>
+                    <a:ea typeface="+mn-ea"/>
+                    <a:cs typeface="+mn-cs"/>
+                  </a:defRPr>
+                </a:lvl5pPr>
+                <a:lvl6pPr marL="2286000" indent="0" algn="l" defTabSz="914400" rtl="0" eaLnBrk="1" latinLnBrk="0" hangingPunct="1">
+                  <a:defRPr sz="1800" kern="1200">
+                    <a:solidFill>
+                      <a:schemeClr val="lt1"/>
+                    </a:solidFill>
+                    <a:latin typeface="+mn-lt"/>
+                    <a:ea typeface="+mn-ea"/>
+                    <a:cs typeface="+mn-cs"/>
+                  </a:defRPr>
+                </a:lvl6pPr>
+                <a:lvl7pPr marL="2743200" indent="0" algn="l" defTabSz="914400" rtl="0" eaLnBrk="1" latinLnBrk="0" hangingPunct="1">
+                  <a:defRPr sz="1800" kern="1200">
+                    <a:solidFill>
+                      <a:schemeClr val="lt1"/>
+                    </a:solidFill>
+                    <a:latin typeface="+mn-lt"/>
+                    <a:ea typeface="+mn-ea"/>
+                    <a:cs typeface="+mn-cs"/>
+                  </a:defRPr>
+                </a:lvl7pPr>
+                <a:lvl8pPr marL="3200400" indent="0" algn="l" defTabSz="914400" rtl="0" eaLnBrk="1" latinLnBrk="0" hangingPunct="1">
+                  <a:defRPr sz="1800" kern="1200">
+                    <a:solidFill>
+                      <a:schemeClr val="lt1"/>
+                    </a:solidFill>
+                    <a:latin typeface="+mn-lt"/>
+                    <a:ea typeface="+mn-ea"/>
+                    <a:cs typeface="+mn-cs"/>
+                  </a:defRPr>
+                </a:lvl8pPr>
+                <a:lvl9pPr marL="3657600" indent="0" algn="l" defTabSz="914400" rtl="0" eaLnBrk="1" latinLnBrk="0" hangingPunct="1">
+                  <a:defRPr sz="1800" kern="1200">
+                    <a:solidFill>
+                      <a:schemeClr val="lt1"/>
+                    </a:solidFill>
+                    <a:latin typeface="+mn-lt"/>
+                    <a:ea typeface="+mn-ea"/>
+                    <a:cs typeface="+mn-cs"/>
+                  </a:defRPr>
+                </a:lvl9pPr>
+              </a:lstStyle>
+              <a:p>
+                <a:pPr algn="ctr"/>
+                <a:r>
+                  <a:rPr lang="en-US" sz="800" b="1" i="0" u="none" strike="noStrike" dirty="0">
+                    <a:solidFill>
+                      <a:srgbClr val="FF5757"/>
+                    </a:solidFill>
+                    <a:latin typeface="Aptos Narrow"/>
+                  </a:rPr>
+                  <a:t>-</a:t>
+                </a:r>
+                <a:endParaRPr lang="pt-BR" sz="800" dirty="0">
+                  <a:solidFill>
+                    <a:srgbClr val="FF5757"/>
+                  </a:solidFill>
+                </a:endParaRPr>
+              </a:p>
+            </p:txBody>
+          </p:sp>
+        </p:grpSp>
+        <p:grpSp>
+          <p:nvGrpSpPr>
+            <p:cNvPr id="20" name="Group 19">
+              <a:extLst>
+                <a:ext uri="{FF2B5EF4-FFF2-40B4-BE49-F238E27FC236}">
+                  <a16:creationId xmlns:a16="http://schemas.microsoft.com/office/drawing/2014/main" id="{948C51B7-CF40-FB2E-3240-4C73F3834CC7}"/>
+                </a:ext>
+              </a:extLst>
+            </p:cNvPr>
+            <p:cNvGrpSpPr/>
+            <p:nvPr/>
+          </p:nvGrpSpPr>
+          <p:grpSpPr>
+            <a:xfrm>
+              <a:off x="7164371" y="2907722"/>
+              <a:ext cx="1793708" cy="552609"/>
+              <a:chOff x="6904497" y="1887188"/>
+              <a:chExt cx="2251495" cy="698740"/>
+            </a:xfrm>
+          </p:grpSpPr>
+          <p:sp>
+            <p:nvSpPr>
+              <p:cNvPr id="61" name="shape_header_preco_medio">
+                <a:extLst>
+                  <a:ext uri="{FF2B5EF4-FFF2-40B4-BE49-F238E27FC236}">
+                    <a16:creationId xmlns:a16="http://schemas.microsoft.com/office/drawing/2014/main" id="{16F4FFF8-FEC9-6678-DF96-AF053BCAA1CB}"/>
+                  </a:ext>
+                </a:extLst>
+              </p:cNvPr>
+              <p:cNvSpPr/>
+              <p:nvPr/>
+            </p:nvSpPr>
+            <p:spPr>
+              <a:xfrm>
+                <a:off x="6904497" y="1887188"/>
+                <a:ext cx="2251495" cy="319176"/>
+              </a:xfrm>
+              <a:prstGeom prst="roundRect">
+                <a:avLst>
+                  <a:gd name="adj" fmla="val 0"/>
+                </a:avLst>
+              </a:prstGeom>
+              <a:solidFill>
+                <a:srgbClr val="922A86"/>
+              </a:solidFill>
+              <a:ln w="12700">
+                <a:solidFill>
+                  <a:schemeClr val="bg1">
+                    <a:lumMod val="65000"/>
+                  </a:schemeClr>
+                </a:solidFill>
+              </a:ln>
+            </p:spPr>
+            <p:style>
+              <a:lnRef idx="2">
+                <a:schemeClr val="accent1">
+                  <a:shade val="15000"/>
+                </a:schemeClr>
+              </a:lnRef>
+              <a:fillRef idx="1">
+                <a:schemeClr val="accent1"/>
+              </a:fillRef>
+              <a:effectRef idx="0">
+                <a:schemeClr val="accent1"/>
+              </a:effectRef>
+              <a:fontRef idx="minor">
+                <a:schemeClr val="lt1"/>
+              </a:fontRef>
+            </p:style>
+            <p:txBody>
+              <a:bodyPr wrap="square" rtlCol="0" anchor="ctr"/>
+              <a:lstStyle>
+                <a:defPPr>
+                  <a:defRPr lang="pt-BR"/>
+                </a:defPPr>
+                <a:lvl1pPr marL="0" indent="0" algn="l" defTabSz="914400" rtl="0" eaLnBrk="1" latinLnBrk="0" hangingPunct="1">
+                  <a:defRPr sz="1800" kern="1200">
+                    <a:solidFill>
+                      <a:schemeClr val="lt1"/>
+                    </a:solidFill>
+                    <a:latin typeface="+mn-lt"/>
+                    <a:ea typeface="+mn-ea"/>
+                    <a:cs typeface="+mn-cs"/>
+                  </a:defRPr>
+                </a:lvl1pPr>
+                <a:lvl2pPr marL="457200" indent="0" algn="l" defTabSz="914400" rtl="0" eaLnBrk="1" latinLnBrk="0" hangingPunct="1">
+                  <a:defRPr sz="1800" kern="1200">
+                    <a:solidFill>
+                      <a:schemeClr val="lt1"/>
+                    </a:solidFill>
+                    <a:latin typeface="+mn-lt"/>
+                    <a:ea typeface="+mn-ea"/>
+                    <a:cs typeface="+mn-cs"/>
+                  </a:defRPr>
+                </a:lvl2pPr>
+                <a:lvl3pPr marL="914400" indent="0" algn="l" defTabSz="914400" rtl="0" eaLnBrk="1" latinLnBrk="0" hangingPunct="1">
+                  <a:defRPr sz="1800" kern="1200">
+                    <a:solidFill>
+                      <a:schemeClr val="lt1"/>
+                    </a:solidFill>
+                    <a:latin typeface="+mn-lt"/>
+                    <a:ea typeface="+mn-ea"/>
+                    <a:cs typeface="+mn-cs"/>
+                  </a:defRPr>
+                </a:lvl3pPr>
+                <a:lvl4pPr marL="1371600" indent="0" algn="l" defTabSz="914400" rtl="0" eaLnBrk="1" latinLnBrk="0" hangingPunct="1">
+                  <a:defRPr sz="1800" kern="1200">
+                    <a:solidFill>
+                      <a:schemeClr val="lt1"/>
+                    </a:solidFill>
+                    <a:latin typeface="+mn-lt"/>
+                    <a:ea typeface="+mn-ea"/>
+                    <a:cs typeface="+mn-cs"/>
+                  </a:defRPr>
+                </a:lvl4pPr>
+                <a:lvl5pPr marL="1828800" indent="0" algn="l" defTabSz="914400" rtl="0" eaLnBrk="1" latinLnBrk="0" hangingPunct="1">
+                  <a:defRPr sz="1800" kern="1200">
+                    <a:solidFill>
+                      <a:schemeClr val="lt1"/>
+                    </a:solidFill>
+                    <a:latin typeface="+mn-lt"/>
+                    <a:ea typeface="+mn-ea"/>
+                    <a:cs typeface="+mn-cs"/>
+                  </a:defRPr>
+                </a:lvl5pPr>
+                <a:lvl6pPr marL="2286000" indent="0" algn="l" defTabSz="914400" rtl="0" eaLnBrk="1" latinLnBrk="0" hangingPunct="1">
+                  <a:defRPr sz="1800" kern="1200">
+                    <a:solidFill>
+                      <a:schemeClr val="lt1"/>
+                    </a:solidFill>
+                    <a:latin typeface="+mn-lt"/>
+                    <a:ea typeface="+mn-ea"/>
+                    <a:cs typeface="+mn-cs"/>
+                  </a:defRPr>
+                </a:lvl6pPr>
+                <a:lvl7pPr marL="2743200" indent="0" algn="l" defTabSz="914400" rtl="0" eaLnBrk="1" latinLnBrk="0" hangingPunct="1">
+                  <a:defRPr sz="1800" kern="1200">
+                    <a:solidFill>
+                      <a:schemeClr val="lt1"/>
+                    </a:solidFill>
+                    <a:latin typeface="+mn-lt"/>
+                    <a:ea typeface="+mn-ea"/>
+                    <a:cs typeface="+mn-cs"/>
+                  </a:defRPr>
+                </a:lvl7pPr>
+                <a:lvl8pPr marL="3200400" indent="0" algn="l" defTabSz="914400" rtl="0" eaLnBrk="1" latinLnBrk="0" hangingPunct="1">
+                  <a:defRPr sz="1800" kern="1200">
+                    <a:solidFill>
+                      <a:schemeClr val="lt1"/>
+                    </a:solidFill>
+                    <a:latin typeface="+mn-lt"/>
+                    <a:ea typeface="+mn-ea"/>
+                    <a:cs typeface="+mn-cs"/>
+                  </a:defRPr>
+                </a:lvl8pPr>
+                <a:lvl9pPr marL="3657600" indent="0" algn="l" defTabSz="914400" rtl="0" eaLnBrk="1" latinLnBrk="0" hangingPunct="1">
+                  <a:defRPr sz="1800" kern="1200">
+                    <a:solidFill>
+                      <a:schemeClr val="lt1"/>
+                    </a:solidFill>
+                    <a:latin typeface="+mn-lt"/>
+                    <a:ea typeface="+mn-ea"/>
+                    <a:cs typeface="+mn-cs"/>
+                  </a:defRPr>
+                </a:lvl9pPr>
+              </a:lstStyle>
+              <a:p>
+                <a:pPr algn="ctr"/>
+                <a:r>
+                  <a:rPr lang="pt-BR" sz="800" b="1" dirty="0"/>
+                  <a:t>PREÇO MÉDIO</a:t>
+                </a:r>
+              </a:p>
+            </p:txBody>
+          </p:sp>
+          <p:sp>
+            <p:nvSpPr>
+              <p:cNvPr id="62" name="shape_abs_preco_medio">
+                <a:extLst>
+                  <a:ext uri="{FF2B5EF4-FFF2-40B4-BE49-F238E27FC236}">
+                    <a16:creationId xmlns:a16="http://schemas.microsoft.com/office/drawing/2014/main" id="{78C56876-0EDF-0D71-A0A7-65FA6C576449}"/>
+                  </a:ext>
+                </a:extLst>
+              </p:cNvPr>
+              <p:cNvSpPr/>
+              <p:nvPr/>
+            </p:nvSpPr>
+            <p:spPr>
+              <a:xfrm>
+                <a:off x="6904497" y="2206364"/>
+                <a:ext cx="1354347" cy="379564"/>
+              </a:xfrm>
+              <a:prstGeom prst="roundRect">
+                <a:avLst>
+                  <a:gd name="adj" fmla="val 0"/>
+                </a:avLst>
+              </a:prstGeom>
+              <a:solidFill>
+                <a:schemeClr val="bg1"/>
+              </a:solidFill>
+              <a:ln w="12700">
+                <a:solidFill>
+                  <a:schemeClr val="bg1">
+                    <a:lumMod val="65000"/>
+                  </a:schemeClr>
+                </a:solidFill>
+              </a:ln>
+            </p:spPr>
+            <p:style>
+              <a:lnRef idx="2">
+                <a:schemeClr val="accent1">
+                  <a:shade val="15000"/>
+                </a:schemeClr>
+              </a:lnRef>
+              <a:fillRef idx="1">
+                <a:schemeClr val="accent1"/>
+              </a:fillRef>
+              <a:effectRef idx="0">
+                <a:schemeClr val="accent1"/>
+              </a:effectRef>
+              <a:fontRef idx="minor">
+                <a:schemeClr val="lt1"/>
+              </a:fontRef>
+            </p:style>
+            <p:txBody>
+              <a:bodyPr wrap="square" rtlCol="0" anchor="ctr"/>
+              <a:lstStyle>
+                <a:defPPr>
+                  <a:defRPr lang="pt-BR"/>
+                </a:defPPr>
+                <a:lvl1pPr marL="0" indent="0" algn="l" defTabSz="914400" rtl="0" eaLnBrk="1" latinLnBrk="0" hangingPunct="1">
+                  <a:defRPr sz="1800" kern="1200">
+                    <a:solidFill>
+                      <a:schemeClr val="lt1"/>
+                    </a:solidFill>
+                    <a:latin typeface="+mn-lt"/>
+                    <a:ea typeface="+mn-ea"/>
+                    <a:cs typeface="+mn-cs"/>
+                  </a:defRPr>
+                </a:lvl1pPr>
+                <a:lvl2pPr marL="457200" indent="0" algn="l" defTabSz="914400" rtl="0" eaLnBrk="1" latinLnBrk="0" hangingPunct="1">
+                  <a:defRPr sz="1800" kern="1200">
+                    <a:solidFill>
+                      <a:schemeClr val="lt1"/>
+                    </a:solidFill>
+                    <a:latin typeface="+mn-lt"/>
+                    <a:ea typeface="+mn-ea"/>
+                    <a:cs typeface="+mn-cs"/>
+                  </a:defRPr>
+                </a:lvl2pPr>
+                <a:lvl3pPr marL="914400" indent="0" algn="l" defTabSz="914400" rtl="0" eaLnBrk="1" latinLnBrk="0" hangingPunct="1">
+                  <a:defRPr sz="1800" kern="1200">
+                    <a:solidFill>
+                      <a:schemeClr val="lt1"/>
+                    </a:solidFill>
+                    <a:latin typeface="+mn-lt"/>
+                    <a:ea typeface="+mn-ea"/>
+                    <a:cs typeface="+mn-cs"/>
+                  </a:defRPr>
+                </a:lvl3pPr>
+                <a:lvl4pPr marL="1371600" indent="0" algn="l" defTabSz="914400" rtl="0" eaLnBrk="1" latinLnBrk="0" hangingPunct="1">
+                  <a:defRPr sz="1800" kern="1200">
+                    <a:solidFill>
+                      <a:schemeClr val="lt1"/>
+                    </a:solidFill>
+                    <a:latin typeface="+mn-lt"/>
+                    <a:ea typeface="+mn-ea"/>
+                    <a:cs typeface="+mn-cs"/>
+                  </a:defRPr>
+                </a:lvl4pPr>
+                <a:lvl5pPr marL="1828800" indent="0" algn="l" defTabSz="914400" rtl="0" eaLnBrk="1" latinLnBrk="0" hangingPunct="1">
+                  <a:defRPr sz="1800" kern="1200">
+                    <a:solidFill>
+                      <a:schemeClr val="lt1"/>
+                    </a:solidFill>
+                    <a:latin typeface="+mn-lt"/>
+                    <a:ea typeface="+mn-ea"/>
+                    <a:cs typeface="+mn-cs"/>
+                  </a:defRPr>
+                </a:lvl5pPr>
+                <a:lvl6pPr marL="2286000" indent="0" algn="l" defTabSz="914400" rtl="0" eaLnBrk="1" latinLnBrk="0" hangingPunct="1">
+                  <a:defRPr sz="1800" kern="1200">
+                    <a:solidFill>
+                      <a:schemeClr val="lt1"/>
+                    </a:solidFill>
+                    <a:latin typeface="+mn-lt"/>
+                    <a:ea typeface="+mn-ea"/>
+                    <a:cs typeface="+mn-cs"/>
+                  </a:defRPr>
+                </a:lvl6pPr>
+                <a:lvl7pPr marL="2743200" indent="0" algn="l" defTabSz="914400" rtl="0" eaLnBrk="1" latinLnBrk="0" hangingPunct="1">
+                  <a:defRPr sz="1800" kern="1200">
+                    <a:solidFill>
+                      <a:schemeClr val="lt1"/>
+                    </a:solidFill>
+                    <a:latin typeface="+mn-lt"/>
+                    <a:ea typeface="+mn-ea"/>
+                    <a:cs typeface="+mn-cs"/>
+                  </a:defRPr>
+                </a:lvl7pPr>
+                <a:lvl8pPr marL="3200400" indent="0" algn="l" defTabSz="914400" rtl="0" eaLnBrk="1" latinLnBrk="0" hangingPunct="1">
+                  <a:defRPr sz="1800" kern="1200">
+                    <a:solidFill>
+                      <a:schemeClr val="lt1"/>
+                    </a:solidFill>
+                    <a:latin typeface="+mn-lt"/>
+                    <a:ea typeface="+mn-ea"/>
+                    <a:cs typeface="+mn-cs"/>
+                  </a:defRPr>
+                </a:lvl8pPr>
+                <a:lvl9pPr marL="3657600" indent="0" algn="l" defTabSz="914400" rtl="0" eaLnBrk="1" latinLnBrk="0" hangingPunct="1">
+                  <a:defRPr sz="1800" kern="1200">
+                    <a:solidFill>
+                      <a:schemeClr val="lt1"/>
+                    </a:solidFill>
+                    <a:latin typeface="+mn-lt"/>
+                    <a:ea typeface="+mn-ea"/>
+                    <a:cs typeface="+mn-cs"/>
+                  </a:defRPr>
+                </a:lvl9pPr>
+              </a:lstStyle>
+              <a:p>
+                <a:pPr algn="ctr"/>
+                <a:r>
+                  <a:rPr lang="en-US" sz="800" b="1" i="0" u="none" strike="noStrike" dirty="0">
+                    <a:solidFill>
+                      <a:srgbClr val="000000"/>
+                    </a:solidFill>
+                    <a:latin typeface="Aptos Narrow"/>
+                  </a:rPr>
+                  <a:t>-</a:t>
+                </a:r>
+                <a:endParaRPr lang="pt-BR" sz="800" dirty="0"/>
+              </a:p>
+            </p:txBody>
+          </p:sp>
+          <p:sp>
+            <p:nvSpPr>
+              <p:cNvPr id="63" name="shape_var_preco_medio">
+                <a:extLst>
+                  <a:ext uri="{FF2B5EF4-FFF2-40B4-BE49-F238E27FC236}">
+                    <a16:creationId xmlns:a16="http://schemas.microsoft.com/office/drawing/2014/main" id="{FA2961A2-47BD-827A-4A01-2C9542B559C2}"/>
+                  </a:ext>
+                </a:extLst>
+              </p:cNvPr>
+              <p:cNvSpPr/>
+              <p:nvPr/>
+            </p:nvSpPr>
+            <p:spPr>
+              <a:xfrm>
+                <a:off x="8258844" y="2206364"/>
+                <a:ext cx="897148" cy="379564"/>
+              </a:xfrm>
+              <a:prstGeom prst="roundRect">
+                <a:avLst>
+                  <a:gd name="adj" fmla="val 0"/>
+                </a:avLst>
+              </a:prstGeom>
+              <a:solidFill>
+                <a:schemeClr val="bg1"/>
+              </a:solidFill>
+              <a:ln w="12700">
+                <a:solidFill>
+                  <a:schemeClr val="bg1">
+                    <a:lumMod val="65000"/>
+                  </a:schemeClr>
+                </a:solidFill>
+              </a:ln>
+            </p:spPr>
+            <p:style>
+              <a:lnRef idx="2">
+                <a:schemeClr val="accent1">
+                  <a:shade val="15000"/>
+                </a:schemeClr>
+              </a:lnRef>
+              <a:fillRef idx="1">
+                <a:schemeClr val="accent1"/>
+              </a:fillRef>
+              <a:effectRef idx="0">
+                <a:schemeClr val="accent1"/>
+              </a:effectRef>
+              <a:fontRef idx="minor">
+                <a:schemeClr val="lt1"/>
+              </a:fontRef>
+            </p:style>
+            <p:txBody>
+              <a:bodyPr wrap="square" rtlCol="0" anchor="ctr"/>
+              <a:lstStyle>
+                <a:defPPr>
+                  <a:defRPr lang="pt-BR"/>
+                </a:defPPr>
+                <a:lvl1pPr marL="0" indent="0" algn="l" defTabSz="914400" rtl="0" eaLnBrk="1" latinLnBrk="0" hangingPunct="1">
+                  <a:defRPr sz="1800" kern="1200">
+                    <a:solidFill>
+                      <a:schemeClr val="lt1"/>
+                    </a:solidFill>
+                    <a:latin typeface="+mn-lt"/>
+                    <a:ea typeface="+mn-ea"/>
+                    <a:cs typeface="+mn-cs"/>
+                  </a:defRPr>
+                </a:lvl1pPr>
+                <a:lvl2pPr marL="457200" indent="0" algn="l" defTabSz="914400" rtl="0" eaLnBrk="1" latinLnBrk="0" hangingPunct="1">
+                  <a:defRPr sz="1800" kern="1200">
+                    <a:solidFill>
+                      <a:schemeClr val="lt1"/>
+                    </a:solidFill>
+                    <a:latin typeface="+mn-lt"/>
+                    <a:ea typeface="+mn-ea"/>
+                    <a:cs typeface="+mn-cs"/>
+                  </a:defRPr>
+                </a:lvl2pPr>
+                <a:lvl3pPr marL="914400" indent="0" algn="l" defTabSz="914400" rtl="0" eaLnBrk="1" latinLnBrk="0" hangingPunct="1">
+                  <a:defRPr sz="1800" kern="1200">
+                    <a:solidFill>
+                      <a:schemeClr val="lt1"/>
+                    </a:solidFill>
+                    <a:latin typeface="+mn-lt"/>
+                    <a:ea typeface="+mn-ea"/>
+                    <a:cs typeface="+mn-cs"/>
+                  </a:defRPr>
+                </a:lvl3pPr>
+                <a:lvl4pPr marL="1371600" indent="0" algn="l" defTabSz="914400" rtl="0" eaLnBrk="1" latinLnBrk="0" hangingPunct="1">
+                  <a:defRPr sz="1800" kern="1200">
+                    <a:solidFill>
+                      <a:schemeClr val="lt1"/>
+                    </a:solidFill>
+                    <a:latin typeface="+mn-lt"/>
+                    <a:ea typeface="+mn-ea"/>
+                    <a:cs typeface="+mn-cs"/>
+                  </a:defRPr>
+                </a:lvl4pPr>
+                <a:lvl5pPr marL="1828800" indent="0" algn="l" defTabSz="914400" rtl="0" eaLnBrk="1" latinLnBrk="0" hangingPunct="1">
+                  <a:defRPr sz="1800" kern="1200">
+                    <a:solidFill>
+                      <a:schemeClr val="lt1"/>
+                    </a:solidFill>
+                    <a:latin typeface="+mn-lt"/>
+                    <a:ea typeface="+mn-ea"/>
+                    <a:cs typeface="+mn-cs"/>
+                  </a:defRPr>
+                </a:lvl5pPr>
+                <a:lvl6pPr marL="2286000" indent="0" algn="l" defTabSz="914400" rtl="0" eaLnBrk="1" latinLnBrk="0" hangingPunct="1">
+                  <a:defRPr sz="1800" kern="1200">
+                    <a:solidFill>
+                      <a:schemeClr val="lt1"/>
+                    </a:solidFill>
+                    <a:latin typeface="+mn-lt"/>
+                    <a:ea typeface="+mn-ea"/>
+                    <a:cs typeface="+mn-cs"/>
+                  </a:defRPr>
+                </a:lvl6pPr>
+                <a:lvl7pPr marL="2743200" indent="0" algn="l" defTabSz="914400" rtl="0" eaLnBrk="1" latinLnBrk="0" hangingPunct="1">
+                  <a:defRPr sz="1800" kern="1200">
+                    <a:solidFill>
+                      <a:schemeClr val="lt1"/>
+                    </a:solidFill>
+                    <a:latin typeface="+mn-lt"/>
+                    <a:ea typeface="+mn-ea"/>
+                    <a:cs typeface="+mn-cs"/>
+                  </a:defRPr>
+                </a:lvl7pPr>
+                <a:lvl8pPr marL="3200400" indent="0" algn="l" defTabSz="914400" rtl="0" eaLnBrk="1" latinLnBrk="0" hangingPunct="1">
+                  <a:defRPr sz="1800" kern="1200">
+                    <a:solidFill>
+                      <a:schemeClr val="lt1"/>
+                    </a:solidFill>
+                    <a:latin typeface="+mn-lt"/>
+                    <a:ea typeface="+mn-ea"/>
+                    <a:cs typeface="+mn-cs"/>
+                  </a:defRPr>
+                </a:lvl8pPr>
+                <a:lvl9pPr marL="3657600" indent="0" algn="l" defTabSz="914400" rtl="0" eaLnBrk="1" latinLnBrk="0" hangingPunct="1">
+                  <a:defRPr sz="1800" kern="1200">
+                    <a:solidFill>
+                      <a:schemeClr val="lt1"/>
+                    </a:solidFill>
+                    <a:latin typeface="+mn-lt"/>
+                    <a:ea typeface="+mn-ea"/>
+                    <a:cs typeface="+mn-cs"/>
+                  </a:defRPr>
+                </a:lvl9pPr>
+              </a:lstStyle>
+              <a:p>
+                <a:pPr algn="ctr"/>
+                <a:r>
+                  <a:rPr lang="en-US" sz="800" b="1" i="0" u="none" strike="noStrike" dirty="0">
+                    <a:solidFill>
+                      <a:srgbClr val="44B3E1"/>
+                    </a:solidFill>
+                    <a:latin typeface="Aptos Narrow"/>
+                  </a:rPr>
+                  <a:t>-</a:t>
+                </a:r>
+                <a:endParaRPr lang="pt-BR" sz="800" dirty="0">
+                  <a:solidFill>
+                    <a:srgbClr val="44B3E1"/>
+                  </a:solidFill>
+                </a:endParaRPr>
+              </a:p>
+            </p:txBody>
+          </p:sp>
+        </p:grpSp>
+        <p:grpSp>
+          <p:nvGrpSpPr>
+            <p:cNvPr id="21" name="Group 20">
+              <a:extLst>
+                <a:ext uri="{FF2B5EF4-FFF2-40B4-BE49-F238E27FC236}">
+                  <a16:creationId xmlns:a16="http://schemas.microsoft.com/office/drawing/2014/main" id="{8C17B858-3DA0-9803-2FF9-A3E7226B38FC}"/>
+                </a:ext>
+              </a:extLst>
+            </p:cNvPr>
+            <p:cNvGrpSpPr/>
+            <p:nvPr/>
+          </p:nvGrpSpPr>
+          <p:grpSpPr>
+            <a:xfrm>
+              <a:off x="1156139" y="3885588"/>
+              <a:ext cx="1793708" cy="552609"/>
+              <a:chOff x="995412" y="3123638"/>
+              <a:chExt cx="2251495" cy="698740"/>
+            </a:xfrm>
+          </p:grpSpPr>
+          <p:sp>
+            <p:nvSpPr>
+              <p:cNvPr id="58" name="shape_headerr_compradores">
+                <a:extLst>
+                  <a:ext uri="{FF2B5EF4-FFF2-40B4-BE49-F238E27FC236}">
+                    <a16:creationId xmlns:a16="http://schemas.microsoft.com/office/drawing/2014/main" id="{E127F98D-7516-0886-E909-3D8812892CD7}"/>
+                  </a:ext>
+                </a:extLst>
+              </p:cNvPr>
+              <p:cNvSpPr/>
+              <p:nvPr/>
+            </p:nvSpPr>
+            <p:spPr>
+              <a:xfrm>
+                <a:off x="995412" y="3123638"/>
+                <a:ext cx="2251495" cy="319176"/>
+              </a:xfrm>
+              <a:prstGeom prst="roundRect">
+                <a:avLst>
+                  <a:gd name="adj" fmla="val 0"/>
+                </a:avLst>
+              </a:prstGeom>
+              <a:solidFill>
+                <a:srgbClr val="6FB04E"/>
+              </a:solidFill>
+              <a:ln w="12700">
+                <a:solidFill>
+                  <a:schemeClr val="bg1">
+                    <a:lumMod val="65000"/>
+                  </a:schemeClr>
+                </a:solidFill>
+              </a:ln>
+            </p:spPr>
+            <p:style>
+              <a:lnRef idx="2">
+                <a:schemeClr val="accent1">
+                  <a:shade val="15000"/>
+                </a:schemeClr>
+              </a:lnRef>
+              <a:fillRef idx="1">
+                <a:schemeClr val="accent1"/>
+              </a:fillRef>
+              <a:effectRef idx="0">
+                <a:schemeClr val="accent1"/>
+              </a:effectRef>
+              <a:fontRef idx="minor">
+                <a:schemeClr val="lt1"/>
+              </a:fontRef>
+            </p:style>
+            <p:txBody>
+              <a:bodyPr wrap="square" rtlCol="0" anchor="ctr"/>
+              <a:lstStyle>
+                <a:defPPr>
+                  <a:defRPr lang="pt-BR"/>
+                </a:defPPr>
+                <a:lvl1pPr marL="0" indent="0" algn="l" defTabSz="914400" rtl="0" eaLnBrk="1" latinLnBrk="0" hangingPunct="1">
+                  <a:defRPr sz="1800" kern="1200">
+                    <a:solidFill>
+                      <a:schemeClr val="lt1"/>
+                    </a:solidFill>
+                    <a:latin typeface="+mn-lt"/>
+                    <a:ea typeface="+mn-ea"/>
+                    <a:cs typeface="+mn-cs"/>
+                  </a:defRPr>
+                </a:lvl1pPr>
+                <a:lvl2pPr marL="457200" indent="0" algn="l" defTabSz="914400" rtl="0" eaLnBrk="1" latinLnBrk="0" hangingPunct="1">
+                  <a:defRPr sz="1800" kern="1200">
+                    <a:solidFill>
+                      <a:schemeClr val="lt1"/>
+                    </a:solidFill>
+                    <a:latin typeface="+mn-lt"/>
+                    <a:ea typeface="+mn-ea"/>
+                    <a:cs typeface="+mn-cs"/>
+                  </a:defRPr>
+                </a:lvl2pPr>
+                <a:lvl3pPr marL="914400" indent="0" algn="l" defTabSz="914400" rtl="0" eaLnBrk="1" latinLnBrk="0" hangingPunct="1">
+                  <a:defRPr sz="1800" kern="1200">
+                    <a:solidFill>
+                      <a:schemeClr val="lt1"/>
+                    </a:solidFill>
+                    <a:latin typeface="+mn-lt"/>
+                    <a:ea typeface="+mn-ea"/>
+                    <a:cs typeface="+mn-cs"/>
+                  </a:defRPr>
+                </a:lvl3pPr>
+                <a:lvl4pPr marL="1371600" indent="0" algn="l" defTabSz="914400" rtl="0" eaLnBrk="1" latinLnBrk="0" hangingPunct="1">
+                  <a:defRPr sz="1800" kern="1200">
+                    <a:solidFill>
+                      <a:schemeClr val="lt1"/>
+                    </a:solidFill>
+                    <a:latin typeface="+mn-lt"/>
+                    <a:ea typeface="+mn-ea"/>
+                    <a:cs typeface="+mn-cs"/>
+                  </a:defRPr>
+                </a:lvl4pPr>
+                <a:lvl5pPr marL="1828800" indent="0" algn="l" defTabSz="914400" rtl="0" eaLnBrk="1" latinLnBrk="0" hangingPunct="1">
+                  <a:defRPr sz="1800" kern="1200">
+                    <a:solidFill>
+                      <a:schemeClr val="lt1"/>
+                    </a:solidFill>
+                    <a:latin typeface="+mn-lt"/>
+                    <a:ea typeface="+mn-ea"/>
+                    <a:cs typeface="+mn-cs"/>
+                  </a:defRPr>
+                </a:lvl5pPr>
+                <a:lvl6pPr marL="2286000" indent="0" algn="l" defTabSz="914400" rtl="0" eaLnBrk="1" latinLnBrk="0" hangingPunct="1">
+                  <a:defRPr sz="1800" kern="1200">
+                    <a:solidFill>
+                      <a:schemeClr val="lt1"/>
+                    </a:solidFill>
+                    <a:latin typeface="+mn-lt"/>
+                    <a:ea typeface="+mn-ea"/>
+                    <a:cs typeface="+mn-cs"/>
+                  </a:defRPr>
+                </a:lvl6pPr>
+                <a:lvl7pPr marL="2743200" indent="0" algn="l" defTabSz="914400" rtl="0" eaLnBrk="1" latinLnBrk="0" hangingPunct="1">
+                  <a:defRPr sz="1800" kern="1200">
+                    <a:solidFill>
+                      <a:schemeClr val="lt1"/>
+                    </a:solidFill>
+                    <a:latin typeface="+mn-lt"/>
+                    <a:ea typeface="+mn-ea"/>
+                    <a:cs typeface="+mn-cs"/>
+                  </a:defRPr>
+                </a:lvl7pPr>
+                <a:lvl8pPr marL="3200400" indent="0" algn="l" defTabSz="914400" rtl="0" eaLnBrk="1" latinLnBrk="0" hangingPunct="1">
+                  <a:defRPr sz="1800" kern="1200">
+                    <a:solidFill>
+                      <a:schemeClr val="lt1"/>
+                    </a:solidFill>
+                    <a:latin typeface="+mn-lt"/>
+                    <a:ea typeface="+mn-ea"/>
+                    <a:cs typeface="+mn-cs"/>
+                  </a:defRPr>
+                </a:lvl8pPr>
+                <a:lvl9pPr marL="3657600" indent="0" algn="l" defTabSz="914400" rtl="0" eaLnBrk="1" latinLnBrk="0" hangingPunct="1">
+                  <a:defRPr sz="1800" kern="1200">
+                    <a:solidFill>
+                      <a:schemeClr val="lt1"/>
+                    </a:solidFill>
+                    <a:latin typeface="+mn-lt"/>
+                    <a:ea typeface="+mn-ea"/>
+                    <a:cs typeface="+mn-cs"/>
+                  </a:defRPr>
+                </a:lvl9pPr>
+              </a:lstStyle>
+              <a:p>
+                <a:pPr algn="ctr"/>
+                <a:r>
+                  <a:rPr lang="pt-BR" sz="800" b="1"/>
+                  <a:t>COMPRADORES</a:t>
+                </a:r>
+              </a:p>
+            </p:txBody>
+          </p:sp>
+          <p:sp>
+            <p:nvSpPr>
+              <p:cNvPr id="59" name="shape_abs_compradores">
+                <a:extLst>
+                  <a:ext uri="{FF2B5EF4-FFF2-40B4-BE49-F238E27FC236}">
+                    <a16:creationId xmlns:a16="http://schemas.microsoft.com/office/drawing/2014/main" id="{6D645623-69EC-2A0A-7230-87DBFC6857C2}"/>
+                  </a:ext>
+                </a:extLst>
+              </p:cNvPr>
+              <p:cNvSpPr/>
+              <p:nvPr/>
+            </p:nvSpPr>
+            <p:spPr>
+              <a:xfrm>
+                <a:off x="995412" y="3442814"/>
+                <a:ext cx="1354347" cy="379564"/>
+              </a:xfrm>
+              <a:prstGeom prst="roundRect">
+                <a:avLst>
+                  <a:gd name="adj" fmla="val 0"/>
+                </a:avLst>
+              </a:prstGeom>
+              <a:solidFill>
+                <a:schemeClr val="bg1"/>
+              </a:solidFill>
+              <a:ln w="12700">
+                <a:solidFill>
+                  <a:schemeClr val="bg1">
+                    <a:lumMod val="65000"/>
+                  </a:schemeClr>
+                </a:solidFill>
+              </a:ln>
+            </p:spPr>
+            <p:style>
+              <a:lnRef idx="2">
+                <a:schemeClr val="accent1">
+                  <a:shade val="15000"/>
+                </a:schemeClr>
+              </a:lnRef>
+              <a:fillRef idx="1">
+                <a:schemeClr val="accent1"/>
+              </a:fillRef>
+              <a:effectRef idx="0">
+                <a:schemeClr val="accent1"/>
+              </a:effectRef>
+              <a:fontRef idx="minor">
+                <a:schemeClr val="lt1"/>
+              </a:fontRef>
+            </p:style>
+            <p:txBody>
+              <a:bodyPr wrap="square" rtlCol="0" anchor="ctr"/>
+              <a:lstStyle>
+                <a:defPPr>
+                  <a:defRPr lang="pt-BR"/>
+                </a:defPPr>
+                <a:lvl1pPr marL="0" indent="0" algn="l" defTabSz="914400" rtl="0" eaLnBrk="1" latinLnBrk="0" hangingPunct="1">
+                  <a:defRPr sz="1800" kern="1200">
+                    <a:solidFill>
+                      <a:schemeClr val="lt1"/>
+                    </a:solidFill>
+                    <a:latin typeface="+mn-lt"/>
+                    <a:ea typeface="+mn-ea"/>
+                    <a:cs typeface="+mn-cs"/>
+                  </a:defRPr>
+                </a:lvl1pPr>
+                <a:lvl2pPr marL="457200" indent="0" algn="l" defTabSz="914400" rtl="0" eaLnBrk="1" latinLnBrk="0" hangingPunct="1">
+                  <a:defRPr sz="1800" kern="1200">
+                    <a:solidFill>
+                      <a:schemeClr val="lt1"/>
+                    </a:solidFill>
+                    <a:latin typeface="+mn-lt"/>
+                    <a:ea typeface="+mn-ea"/>
+                    <a:cs typeface="+mn-cs"/>
+                  </a:defRPr>
+                </a:lvl2pPr>
+                <a:lvl3pPr marL="914400" indent="0" algn="l" defTabSz="914400" rtl="0" eaLnBrk="1" latinLnBrk="0" hangingPunct="1">
+                  <a:defRPr sz="1800" kern="1200">
+                    <a:solidFill>
+                      <a:schemeClr val="lt1"/>
+                    </a:solidFill>
+                    <a:latin typeface="+mn-lt"/>
+                    <a:ea typeface="+mn-ea"/>
+                    <a:cs typeface="+mn-cs"/>
+                  </a:defRPr>
+                </a:lvl3pPr>
+                <a:lvl4pPr marL="1371600" indent="0" algn="l" defTabSz="914400" rtl="0" eaLnBrk="1" latinLnBrk="0" hangingPunct="1">
+                  <a:defRPr sz="1800" kern="1200">
+                    <a:solidFill>
+                      <a:schemeClr val="lt1"/>
+                    </a:solidFill>
+                    <a:latin typeface="+mn-lt"/>
+                    <a:ea typeface="+mn-ea"/>
+                    <a:cs typeface="+mn-cs"/>
+                  </a:defRPr>
+                </a:lvl4pPr>
+                <a:lvl5pPr marL="1828800" indent="0" algn="l" defTabSz="914400" rtl="0" eaLnBrk="1" latinLnBrk="0" hangingPunct="1">
+                  <a:defRPr sz="1800" kern="1200">
+                    <a:solidFill>
+                      <a:schemeClr val="lt1"/>
+                    </a:solidFill>
+                    <a:latin typeface="+mn-lt"/>
+                    <a:ea typeface="+mn-ea"/>
+                    <a:cs typeface="+mn-cs"/>
+                  </a:defRPr>
+                </a:lvl5pPr>
+                <a:lvl6pPr marL="2286000" indent="0" algn="l" defTabSz="914400" rtl="0" eaLnBrk="1" latinLnBrk="0" hangingPunct="1">
+                  <a:defRPr sz="1800" kern="1200">
+                    <a:solidFill>
+                      <a:schemeClr val="lt1"/>
+                    </a:solidFill>
+                    <a:latin typeface="+mn-lt"/>
+                    <a:ea typeface="+mn-ea"/>
+                    <a:cs typeface="+mn-cs"/>
+                  </a:defRPr>
+                </a:lvl6pPr>
+                <a:lvl7pPr marL="2743200" indent="0" algn="l" defTabSz="914400" rtl="0" eaLnBrk="1" latinLnBrk="0" hangingPunct="1">
+                  <a:defRPr sz="1800" kern="1200">
+                    <a:solidFill>
+                      <a:schemeClr val="lt1"/>
+                    </a:solidFill>
+                    <a:latin typeface="+mn-lt"/>
+                    <a:ea typeface="+mn-ea"/>
+                    <a:cs typeface="+mn-cs"/>
+                  </a:defRPr>
+                </a:lvl7pPr>
+                <a:lvl8pPr marL="3200400" indent="0" algn="l" defTabSz="914400" rtl="0" eaLnBrk="1" latinLnBrk="0" hangingPunct="1">
+                  <a:defRPr sz="1800" kern="1200">
+                    <a:solidFill>
+                      <a:schemeClr val="lt1"/>
+                    </a:solidFill>
+                    <a:latin typeface="+mn-lt"/>
+                    <a:ea typeface="+mn-ea"/>
+                    <a:cs typeface="+mn-cs"/>
+                  </a:defRPr>
+                </a:lvl8pPr>
+                <a:lvl9pPr marL="3657600" indent="0" algn="l" defTabSz="914400" rtl="0" eaLnBrk="1" latinLnBrk="0" hangingPunct="1">
+                  <a:defRPr sz="1800" kern="1200">
+                    <a:solidFill>
+                      <a:schemeClr val="lt1"/>
+                    </a:solidFill>
+                    <a:latin typeface="+mn-lt"/>
+                    <a:ea typeface="+mn-ea"/>
+                    <a:cs typeface="+mn-cs"/>
+                  </a:defRPr>
+                </a:lvl9pPr>
+              </a:lstStyle>
+              <a:p>
+                <a:pPr algn="ctr"/>
+                <a:r>
+                  <a:rPr lang="en-US" sz="800" b="1" i="0" u="none" strike="noStrike" dirty="0">
+                    <a:solidFill>
+                      <a:srgbClr val="000000"/>
+                    </a:solidFill>
+                    <a:latin typeface="Aptos Narrow"/>
+                  </a:rPr>
+                  <a:t>-</a:t>
+                </a:r>
+                <a:endParaRPr lang="pt-BR" sz="800" dirty="0"/>
+              </a:p>
+            </p:txBody>
+          </p:sp>
+          <p:sp>
+            <p:nvSpPr>
+              <p:cNvPr id="60" name="shape_var_compradores">
+                <a:extLst>
+                  <a:ext uri="{FF2B5EF4-FFF2-40B4-BE49-F238E27FC236}">
+                    <a16:creationId xmlns:a16="http://schemas.microsoft.com/office/drawing/2014/main" id="{4B62DAA4-B820-6432-FDB5-55F49D0906BE}"/>
+                  </a:ext>
+                </a:extLst>
+              </p:cNvPr>
+              <p:cNvSpPr/>
+              <p:nvPr/>
+            </p:nvSpPr>
+            <p:spPr>
+              <a:xfrm>
+                <a:off x="2349759" y="3442814"/>
+                <a:ext cx="897148" cy="379564"/>
+              </a:xfrm>
+              <a:prstGeom prst="roundRect">
+                <a:avLst>
+                  <a:gd name="adj" fmla="val 0"/>
+                </a:avLst>
+              </a:prstGeom>
+              <a:solidFill>
+                <a:schemeClr val="bg1"/>
+              </a:solidFill>
+              <a:ln w="12700">
+                <a:solidFill>
+                  <a:schemeClr val="bg1">
+                    <a:lumMod val="65000"/>
+                  </a:schemeClr>
+                </a:solidFill>
+              </a:ln>
+            </p:spPr>
+            <p:style>
+              <a:lnRef idx="2">
+                <a:schemeClr val="accent1">
+                  <a:shade val="15000"/>
+                </a:schemeClr>
+              </a:lnRef>
+              <a:fillRef idx="1">
+                <a:schemeClr val="accent1"/>
+              </a:fillRef>
+              <a:effectRef idx="0">
+                <a:schemeClr val="accent1"/>
+              </a:effectRef>
+              <a:fontRef idx="minor">
+                <a:schemeClr val="lt1"/>
+              </a:fontRef>
+            </p:style>
+            <p:txBody>
+              <a:bodyPr wrap="square" rtlCol="0" anchor="ctr"/>
+              <a:lstStyle>
+                <a:defPPr>
+                  <a:defRPr lang="pt-BR"/>
+                </a:defPPr>
+                <a:lvl1pPr marL="0" indent="0" algn="l" defTabSz="914400" rtl="0" eaLnBrk="1" latinLnBrk="0" hangingPunct="1">
+                  <a:defRPr sz="1800" kern="1200">
+                    <a:solidFill>
+                      <a:schemeClr val="lt1"/>
+                    </a:solidFill>
+                    <a:latin typeface="+mn-lt"/>
+                    <a:ea typeface="+mn-ea"/>
+                    <a:cs typeface="+mn-cs"/>
+                  </a:defRPr>
+                </a:lvl1pPr>
+                <a:lvl2pPr marL="457200" indent="0" algn="l" defTabSz="914400" rtl="0" eaLnBrk="1" latinLnBrk="0" hangingPunct="1">
+                  <a:defRPr sz="1800" kern="1200">
+                    <a:solidFill>
+                      <a:schemeClr val="lt1"/>
+                    </a:solidFill>
+                    <a:latin typeface="+mn-lt"/>
+                    <a:ea typeface="+mn-ea"/>
+                    <a:cs typeface="+mn-cs"/>
+                  </a:defRPr>
+                </a:lvl2pPr>
+                <a:lvl3pPr marL="914400" indent="0" algn="l" defTabSz="914400" rtl="0" eaLnBrk="1" latinLnBrk="0" hangingPunct="1">
+                  <a:defRPr sz="1800" kern="1200">
+                    <a:solidFill>
+                      <a:schemeClr val="lt1"/>
+                    </a:solidFill>
+                    <a:latin typeface="+mn-lt"/>
+                    <a:ea typeface="+mn-ea"/>
+                    <a:cs typeface="+mn-cs"/>
+                  </a:defRPr>
+                </a:lvl3pPr>
+                <a:lvl4pPr marL="1371600" indent="0" algn="l" defTabSz="914400" rtl="0" eaLnBrk="1" latinLnBrk="0" hangingPunct="1">
+                  <a:defRPr sz="1800" kern="1200">
+                    <a:solidFill>
+                      <a:schemeClr val="lt1"/>
+                    </a:solidFill>
+                    <a:latin typeface="+mn-lt"/>
+                    <a:ea typeface="+mn-ea"/>
+                    <a:cs typeface="+mn-cs"/>
+                  </a:defRPr>
+                </a:lvl4pPr>
+                <a:lvl5pPr marL="1828800" indent="0" algn="l" defTabSz="914400" rtl="0" eaLnBrk="1" latinLnBrk="0" hangingPunct="1">
+                  <a:defRPr sz="1800" kern="1200">
+                    <a:solidFill>
+                      <a:schemeClr val="lt1"/>
+                    </a:solidFill>
+                    <a:latin typeface="+mn-lt"/>
+                    <a:ea typeface="+mn-ea"/>
+                    <a:cs typeface="+mn-cs"/>
+                  </a:defRPr>
+                </a:lvl5pPr>
+                <a:lvl6pPr marL="2286000" indent="0" algn="l" defTabSz="914400" rtl="0" eaLnBrk="1" latinLnBrk="0" hangingPunct="1">
+                  <a:defRPr sz="1800" kern="1200">
+                    <a:solidFill>
+                      <a:schemeClr val="lt1"/>
+                    </a:solidFill>
+                    <a:latin typeface="+mn-lt"/>
+                    <a:ea typeface="+mn-ea"/>
+                    <a:cs typeface="+mn-cs"/>
+                  </a:defRPr>
+                </a:lvl6pPr>
+                <a:lvl7pPr marL="2743200" indent="0" algn="l" defTabSz="914400" rtl="0" eaLnBrk="1" latinLnBrk="0" hangingPunct="1">
+                  <a:defRPr sz="1800" kern="1200">
+                    <a:solidFill>
+                      <a:schemeClr val="lt1"/>
+                    </a:solidFill>
+                    <a:latin typeface="+mn-lt"/>
+                    <a:ea typeface="+mn-ea"/>
+                    <a:cs typeface="+mn-cs"/>
+                  </a:defRPr>
+                </a:lvl7pPr>
+                <a:lvl8pPr marL="3200400" indent="0" algn="l" defTabSz="914400" rtl="0" eaLnBrk="1" latinLnBrk="0" hangingPunct="1">
+                  <a:defRPr sz="1800" kern="1200">
+                    <a:solidFill>
+                      <a:schemeClr val="lt1"/>
+                    </a:solidFill>
+                    <a:latin typeface="+mn-lt"/>
+                    <a:ea typeface="+mn-ea"/>
+                    <a:cs typeface="+mn-cs"/>
+                  </a:defRPr>
+                </a:lvl8pPr>
+                <a:lvl9pPr marL="3657600" indent="0" algn="l" defTabSz="914400" rtl="0" eaLnBrk="1" latinLnBrk="0" hangingPunct="1">
+                  <a:defRPr sz="1800" kern="1200">
+                    <a:solidFill>
+                      <a:schemeClr val="lt1"/>
+                    </a:solidFill>
+                    <a:latin typeface="+mn-lt"/>
+                    <a:ea typeface="+mn-ea"/>
+                    <a:cs typeface="+mn-cs"/>
+                  </a:defRPr>
+                </a:lvl9pPr>
+              </a:lstStyle>
+              <a:p>
+                <a:pPr algn="ctr"/>
+                <a:r>
+                  <a:rPr lang="en-US" sz="800" b="1" i="0" u="none" strike="noStrike" dirty="0">
+                    <a:solidFill>
+                      <a:srgbClr val="44B3E1"/>
+                    </a:solidFill>
+                    <a:latin typeface="Aptos Narrow"/>
+                  </a:rPr>
+                  <a:t>-</a:t>
+                </a:r>
+                <a:endParaRPr lang="pt-BR" sz="800" dirty="0">
+                  <a:solidFill>
+                    <a:srgbClr val="44B3E1"/>
+                  </a:solidFill>
+                </a:endParaRPr>
+              </a:p>
+            </p:txBody>
+          </p:sp>
+        </p:grpSp>
+        <p:grpSp>
+          <p:nvGrpSpPr>
+            <p:cNvPr id="22" name="Group 21">
+              <a:extLst>
+                <a:ext uri="{FF2B5EF4-FFF2-40B4-BE49-F238E27FC236}">
+                  <a16:creationId xmlns:a16="http://schemas.microsoft.com/office/drawing/2014/main" id="{C1D111A1-0849-67D3-9EF7-38E4C2472ACB}"/>
+                </a:ext>
+              </a:extLst>
+            </p:cNvPr>
+            <p:cNvGrpSpPr/>
+            <p:nvPr/>
+          </p:nvGrpSpPr>
+          <p:grpSpPr>
+            <a:xfrm>
+              <a:off x="5108997" y="3885588"/>
+              <a:ext cx="1793708" cy="552609"/>
+              <a:chOff x="4883041" y="3123638"/>
+              <a:chExt cx="2251495" cy="698740"/>
+            </a:xfrm>
+          </p:grpSpPr>
+          <p:sp>
+            <p:nvSpPr>
+              <p:cNvPr id="55" name="shape_header_volume_por_comprador">
+                <a:extLst>
+                  <a:ext uri="{FF2B5EF4-FFF2-40B4-BE49-F238E27FC236}">
+                    <a16:creationId xmlns:a16="http://schemas.microsoft.com/office/drawing/2014/main" id="{C7AA327E-7C72-D013-8835-F197EB7F905A}"/>
+                  </a:ext>
+                </a:extLst>
+              </p:cNvPr>
+              <p:cNvSpPr/>
+              <p:nvPr/>
+            </p:nvSpPr>
+            <p:spPr>
+              <a:xfrm>
+                <a:off x="4883041" y="3123638"/>
+                <a:ext cx="2251495" cy="319176"/>
+              </a:xfrm>
+              <a:prstGeom prst="roundRect">
+                <a:avLst>
+                  <a:gd name="adj" fmla="val 0"/>
+                </a:avLst>
+              </a:prstGeom>
+              <a:solidFill>
+                <a:srgbClr val="85AEFF"/>
+              </a:solidFill>
+              <a:ln w="12700">
+                <a:solidFill>
+                  <a:schemeClr val="bg1">
+                    <a:lumMod val="65000"/>
+                  </a:schemeClr>
+                </a:solidFill>
+              </a:ln>
+            </p:spPr>
+            <p:style>
+              <a:lnRef idx="2">
+                <a:schemeClr val="accent1">
+                  <a:shade val="15000"/>
+                </a:schemeClr>
+              </a:lnRef>
+              <a:fillRef idx="1">
+                <a:schemeClr val="accent1"/>
+              </a:fillRef>
+              <a:effectRef idx="0">
+                <a:schemeClr val="accent1"/>
+              </a:effectRef>
+              <a:fontRef idx="minor">
+                <a:schemeClr val="lt1"/>
+              </a:fontRef>
+            </p:style>
+            <p:txBody>
+              <a:bodyPr wrap="square" rtlCol="0" anchor="ctr"/>
+              <a:lstStyle>
+                <a:defPPr>
+                  <a:defRPr lang="pt-BR"/>
+                </a:defPPr>
+                <a:lvl1pPr marL="0" indent="0" algn="l" defTabSz="914400" rtl="0" eaLnBrk="1" latinLnBrk="0" hangingPunct="1">
+                  <a:defRPr sz="1800" kern="1200">
+                    <a:solidFill>
+                      <a:schemeClr val="lt1"/>
+                    </a:solidFill>
+                    <a:latin typeface="+mn-lt"/>
+                    <a:ea typeface="+mn-ea"/>
+                    <a:cs typeface="+mn-cs"/>
+                  </a:defRPr>
+                </a:lvl1pPr>
+                <a:lvl2pPr marL="457200" indent="0" algn="l" defTabSz="914400" rtl="0" eaLnBrk="1" latinLnBrk="0" hangingPunct="1">
+                  <a:defRPr sz="1800" kern="1200">
+                    <a:solidFill>
+                      <a:schemeClr val="lt1"/>
+                    </a:solidFill>
+                    <a:latin typeface="+mn-lt"/>
+                    <a:ea typeface="+mn-ea"/>
+                    <a:cs typeface="+mn-cs"/>
+                  </a:defRPr>
+                </a:lvl2pPr>
+                <a:lvl3pPr marL="914400" indent="0" algn="l" defTabSz="914400" rtl="0" eaLnBrk="1" latinLnBrk="0" hangingPunct="1">
+                  <a:defRPr sz="1800" kern="1200">
+                    <a:solidFill>
+                      <a:schemeClr val="lt1"/>
+                    </a:solidFill>
+                    <a:latin typeface="+mn-lt"/>
+                    <a:ea typeface="+mn-ea"/>
+                    <a:cs typeface="+mn-cs"/>
+                  </a:defRPr>
+                </a:lvl3pPr>
+                <a:lvl4pPr marL="1371600" indent="0" algn="l" defTabSz="914400" rtl="0" eaLnBrk="1" latinLnBrk="0" hangingPunct="1">
+                  <a:defRPr sz="1800" kern="1200">
+                    <a:solidFill>
+                      <a:schemeClr val="lt1"/>
+                    </a:solidFill>
+                    <a:latin typeface="+mn-lt"/>
+                    <a:ea typeface="+mn-ea"/>
+                    <a:cs typeface="+mn-cs"/>
+                  </a:defRPr>
+                </a:lvl4pPr>
+                <a:lvl5pPr marL="1828800" indent="0" algn="l" defTabSz="914400" rtl="0" eaLnBrk="1" latinLnBrk="0" hangingPunct="1">
+                  <a:defRPr sz="1800" kern="1200">
+                    <a:solidFill>
+                      <a:schemeClr val="lt1"/>
+                    </a:solidFill>
+                    <a:latin typeface="+mn-lt"/>
+                    <a:ea typeface="+mn-ea"/>
+                    <a:cs typeface="+mn-cs"/>
+                  </a:defRPr>
+                </a:lvl5pPr>
+                <a:lvl6pPr marL="2286000" indent="0" algn="l" defTabSz="914400" rtl="0" eaLnBrk="1" latinLnBrk="0" hangingPunct="1">
+                  <a:defRPr sz="1800" kern="1200">
+                    <a:solidFill>
+                      <a:schemeClr val="lt1"/>
+                    </a:solidFill>
+                    <a:latin typeface="+mn-lt"/>
+                    <a:ea typeface="+mn-ea"/>
+                    <a:cs typeface="+mn-cs"/>
+                  </a:defRPr>
+                </a:lvl6pPr>
+                <a:lvl7pPr marL="2743200" indent="0" algn="l" defTabSz="914400" rtl="0" eaLnBrk="1" latinLnBrk="0" hangingPunct="1">
+                  <a:defRPr sz="1800" kern="1200">
+                    <a:solidFill>
+                      <a:schemeClr val="lt1"/>
+                    </a:solidFill>
+                    <a:latin typeface="+mn-lt"/>
+                    <a:ea typeface="+mn-ea"/>
+                    <a:cs typeface="+mn-cs"/>
+                  </a:defRPr>
+                </a:lvl7pPr>
+                <a:lvl8pPr marL="3200400" indent="0" algn="l" defTabSz="914400" rtl="0" eaLnBrk="1" latinLnBrk="0" hangingPunct="1">
+                  <a:defRPr sz="1800" kern="1200">
+                    <a:solidFill>
+                      <a:schemeClr val="lt1"/>
+                    </a:solidFill>
+                    <a:latin typeface="+mn-lt"/>
+                    <a:ea typeface="+mn-ea"/>
+                    <a:cs typeface="+mn-cs"/>
+                  </a:defRPr>
+                </a:lvl8pPr>
+                <a:lvl9pPr marL="3657600" indent="0" algn="l" defTabSz="914400" rtl="0" eaLnBrk="1" latinLnBrk="0" hangingPunct="1">
+                  <a:defRPr sz="1800" kern="1200">
+                    <a:solidFill>
+                      <a:schemeClr val="lt1"/>
+                    </a:solidFill>
+                    <a:latin typeface="+mn-lt"/>
+                    <a:ea typeface="+mn-ea"/>
+                    <a:cs typeface="+mn-cs"/>
+                  </a:defRPr>
+                </a:lvl9pPr>
+              </a:lstStyle>
+              <a:p>
+                <a:pPr algn="ctr"/>
+                <a:r>
+                  <a:rPr lang="pt-BR" sz="800" b="1"/>
+                  <a:t>VOLUME POR COMPRADOR</a:t>
+                </a:r>
+              </a:p>
+            </p:txBody>
+          </p:sp>
+          <p:sp>
+            <p:nvSpPr>
+              <p:cNvPr id="56" name="shape_abs_volume_por_comprador">
+                <a:extLst>
+                  <a:ext uri="{FF2B5EF4-FFF2-40B4-BE49-F238E27FC236}">
+                    <a16:creationId xmlns:a16="http://schemas.microsoft.com/office/drawing/2014/main" id="{61EEEC82-69E6-8A5C-F3CF-683972B86741}"/>
+                  </a:ext>
+                </a:extLst>
+              </p:cNvPr>
+              <p:cNvSpPr/>
+              <p:nvPr/>
+            </p:nvSpPr>
+            <p:spPr>
+              <a:xfrm>
+                <a:off x="4883041" y="3442814"/>
+                <a:ext cx="1354347" cy="379564"/>
+              </a:xfrm>
+              <a:prstGeom prst="roundRect">
+                <a:avLst>
+                  <a:gd name="adj" fmla="val 0"/>
+                </a:avLst>
+              </a:prstGeom>
+              <a:solidFill>
+                <a:schemeClr val="bg1"/>
+              </a:solidFill>
+              <a:ln w="12700">
+                <a:solidFill>
+                  <a:schemeClr val="bg1">
+                    <a:lumMod val="65000"/>
+                  </a:schemeClr>
+                </a:solidFill>
+              </a:ln>
+            </p:spPr>
+            <p:style>
+              <a:lnRef idx="2">
+                <a:schemeClr val="accent1">
+                  <a:shade val="15000"/>
+                </a:schemeClr>
+              </a:lnRef>
+              <a:fillRef idx="1">
+                <a:schemeClr val="accent1"/>
+              </a:fillRef>
+              <a:effectRef idx="0">
+                <a:schemeClr val="accent1"/>
+              </a:effectRef>
+              <a:fontRef idx="minor">
+                <a:schemeClr val="lt1"/>
+              </a:fontRef>
+            </p:style>
+            <p:txBody>
+              <a:bodyPr wrap="square" rtlCol="0" anchor="ctr"/>
+              <a:lstStyle>
+                <a:defPPr>
+                  <a:defRPr lang="pt-BR"/>
+                </a:defPPr>
+                <a:lvl1pPr marL="0" indent="0" algn="l" defTabSz="914400" rtl="0" eaLnBrk="1" latinLnBrk="0" hangingPunct="1">
+                  <a:defRPr sz="1800" kern="1200">
+                    <a:solidFill>
+                      <a:schemeClr val="lt1"/>
+                    </a:solidFill>
+                    <a:latin typeface="+mn-lt"/>
+                    <a:ea typeface="+mn-ea"/>
+                    <a:cs typeface="+mn-cs"/>
+                  </a:defRPr>
+                </a:lvl1pPr>
+                <a:lvl2pPr marL="457200" indent="0" algn="l" defTabSz="914400" rtl="0" eaLnBrk="1" latinLnBrk="0" hangingPunct="1">
+                  <a:defRPr sz="1800" kern="1200">
+                    <a:solidFill>
+                      <a:schemeClr val="lt1"/>
+                    </a:solidFill>
+                    <a:latin typeface="+mn-lt"/>
+                    <a:ea typeface="+mn-ea"/>
+                    <a:cs typeface="+mn-cs"/>
+                  </a:defRPr>
+                </a:lvl2pPr>
+                <a:lvl3pPr marL="914400" indent="0" algn="l" defTabSz="914400" rtl="0" eaLnBrk="1" latinLnBrk="0" hangingPunct="1">
+                  <a:defRPr sz="1800" kern="1200">
+                    <a:solidFill>
+                      <a:schemeClr val="lt1"/>
+                    </a:solidFill>
+                    <a:latin typeface="+mn-lt"/>
+                    <a:ea typeface="+mn-ea"/>
+                    <a:cs typeface="+mn-cs"/>
+                  </a:defRPr>
+                </a:lvl3pPr>
+                <a:lvl4pPr marL="1371600" indent="0" algn="l" defTabSz="914400" rtl="0" eaLnBrk="1" latinLnBrk="0" hangingPunct="1">
+                  <a:defRPr sz="1800" kern="1200">
+                    <a:solidFill>
+                      <a:schemeClr val="lt1"/>
+                    </a:solidFill>
+                    <a:latin typeface="+mn-lt"/>
+                    <a:ea typeface="+mn-ea"/>
+                    <a:cs typeface="+mn-cs"/>
+                  </a:defRPr>
+                </a:lvl4pPr>
+                <a:lvl5pPr marL="1828800" indent="0" algn="l" defTabSz="914400" rtl="0" eaLnBrk="1" latinLnBrk="0" hangingPunct="1">
+                  <a:defRPr sz="1800" kern="1200">
+                    <a:solidFill>
+                      <a:schemeClr val="lt1"/>
+                    </a:solidFill>
+                    <a:latin typeface="+mn-lt"/>
+                    <a:ea typeface="+mn-ea"/>
+                    <a:cs typeface="+mn-cs"/>
+                  </a:defRPr>
+                </a:lvl5pPr>
+                <a:lvl6pPr marL="2286000" indent="0" algn="l" defTabSz="914400" rtl="0" eaLnBrk="1" latinLnBrk="0" hangingPunct="1">
+                  <a:defRPr sz="1800" kern="1200">
+                    <a:solidFill>
+                      <a:schemeClr val="lt1"/>
+                    </a:solidFill>
+                    <a:latin typeface="+mn-lt"/>
+                    <a:ea typeface="+mn-ea"/>
+                    <a:cs typeface="+mn-cs"/>
+                  </a:defRPr>
+                </a:lvl6pPr>
+                <a:lvl7pPr marL="2743200" indent="0" algn="l" defTabSz="914400" rtl="0" eaLnBrk="1" latinLnBrk="0" hangingPunct="1">
+                  <a:defRPr sz="1800" kern="1200">
+                    <a:solidFill>
+                      <a:schemeClr val="lt1"/>
+                    </a:solidFill>
+                    <a:latin typeface="+mn-lt"/>
+                    <a:ea typeface="+mn-ea"/>
+                    <a:cs typeface="+mn-cs"/>
+                  </a:defRPr>
+                </a:lvl7pPr>
+                <a:lvl8pPr marL="3200400" indent="0" algn="l" defTabSz="914400" rtl="0" eaLnBrk="1" latinLnBrk="0" hangingPunct="1">
+                  <a:defRPr sz="1800" kern="1200">
+                    <a:solidFill>
+                      <a:schemeClr val="lt1"/>
+                    </a:solidFill>
+                    <a:latin typeface="+mn-lt"/>
+                    <a:ea typeface="+mn-ea"/>
+                    <a:cs typeface="+mn-cs"/>
+                  </a:defRPr>
+                </a:lvl8pPr>
+                <a:lvl9pPr marL="3657600" indent="0" algn="l" defTabSz="914400" rtl="0" eaLnBrk="1" latinLnBrk="0" hangingPunct="1">
+                  <a:defRPr sz="1800" kern="1200">
+                    <a:solidFill>
+                      <a:schemeClr val="lt1"/>
+                    </a:solidFill>
+                    <a:latin typeface="+mn-lt"/>
+                    <a:ea typeface="+mn-ea"/>
+                    <a:cs typeface="+mn-cs"/>
+                  </a:defRPr>
+                </a:lvl9pPr>
+              </a:lstStyle>
+              <a:p>
+                <a:pPr algn="ctr"/>
+                <a:r>
+                  <a:rPr lang="en-US" sz="800" b="1" i="0" u="none" strike="noStrike" dirty="0">
+                    <a:solidFill>
+                      <a:srgbClr val="000000"/>
+                    </a:solidFill>
+                    <a:latin typeface="Aptos Narrow"/>
+                  </a:rPr>
+                  <a:t>-</a:t>
+                </a:r>
+                <a:endParaRPr lang="pt-BR" sz="800" dirty="0"/>
+              </a:p>
+            </p:txBody>
+          </p:sp>
+          <p:sp>
+            <p:nvSpPr>
+              <p:cNvPr id="57" name="shape_var_volume_por_comprador">
+                <a:extLst>
+                  <a:ext uri="{FF2B5EF4-FFF2-40B4-BE49-F238E27FC236}">
+                    <a16:creationId xmlns:a16="http://schemas.microsoft.com/office/drawing/2014/main" id="{61EB6B54-9694-744B-0659-86572FCED2B3}"/>
+                  </a:ext>
+                </a:extLst>
+              </p:cNvPr>
+              <p:cNvSpPr/>
+              <p:nvPr/>
+            </p:nvSpPr>
+            <p:spPr>
+              <a:xfrm>
+                <a:off x="6237388" y="3442814"/>
+                <a:ext cx="897148" cy="379564"/>
+              </a:xfrm>
+              <a:prstGeom prst="roundRect">
+                <a:avLst>
+                  <a:gd name="adj" fmla="val 0"/>
+                </a:avLst>
+              </a:prstGeom>
+              <a:solidFill>
+                <a:schemeClr val="bg1"/>
+              </a:solidFill>
+              <a:ln w="12700">
+                <a:solidFill>
+                  <a:schemeClr val="bg1">
+                    <a:lumMod val="65000"/>
+                  </a:schemeClr>
+                </a:solidFill>
+              </a:ln>
+            </p:spPr>
+            <p:style>
+              <a:lnRef idx="2">
+                <a:schemeClr val="accent1">
+                  <a:shade val="15000"/>
+                </a:schemeClr>
+              </a:lnRef>
+              <a:fillRef idx="1">
+                <a:schemeClr val="accent1"/>
+              </a:fillRef>
+              <a:effectRef idx="0">
+                <a:schemeClr val="accent1"/>
+              </a:effectRef>
+              <a:fontRef idx="minor">
+                <a:schemeClr val="lt1"/>
+              </a:fontRef>
+            </p:style>
+            <p:txBody>
+              <a:bodyPr wrap="square" rtlCol="0" anchor="ctr"/>
+              <a:lstStyle>
+                <a:defPPr>
+                  <a:defRPr lang="pt-BR"/>
+                </a:defPPr>
+                <a:lvl1pPr marL="0" indent="0" algn="l" defTabSz="914400" rtl="0" eaLnBrk="1" latinLnBrk="0" hangingPunct="1">
+                  <a:defRPr sz="1800" kern="1200">
+                    <a:solidFill>
+                      <a:schemeClr val="lt1"/>
+                    </a:solidFill>
+                    <a:latin typeface="+mn-lt"/>
+                    <a:ea typeface="+mn-ea"/>
+                    <a:cs typeface="+mn-cs"/>
+                  </a:defRPr>
+                </a:lvl1pPr>
+                <a:lvl2pPr marL="457200" indent="0" algn="l" defTabSz="914400" rtl="0" eaLnBrk="1" latinLnBrk="0" hangingPunct="1">
+                  <a:defRPr sz="1800" kern="1200">
+                    <a:solidFill>
+                      <a:schemeClr val="lt1"/>
+                    </a:solidFill>
+                    <a:latin typeface="+mn-lt"/>
+                    <a:ea typeface="+mn-ea"/>
+                    <a:cs typeface="+mn-cs"/>
+                  </a:defRPr>
+                </a:lvl2pPr>
+                <a:lvl3pPr marL="914400" indent="0" algn="l" defTabSz="914400" rtl="0" eaLnBrk="1" latinLnBrk="0" hangingPunct="1">
+                  <a:defRPr sz="1800" kern="1200">
+                    <a:solidFill>
+                      <a:schemeClr val="lt1"/>
+                    </a:solidFill>
+                    <a:latin typeface="+mn-lt"/>
+                    <a:ea typeface="+mn-ea"/>
+                    <a:cs typeface="+mn-cs"/>
+                  </a:defRPr>
+                </a:lvl3pPr>
+                <a:lvl4pPr marL="1371600" indent="0" algn="l" defTabSz="914400" rtl="0" eaLnBrk="1" latinLnBrk="0" hangingPunct="1">
+                  <a:defRPr sz="1800" kern="1200">
+                    <a:solidFill>
+                      <a:schemeClr val="lt1"/>
+                    </a:solidFill>
+                    <a:latin typeface="+mn-lt"/>
+                    <a:ea typeface="+mn-ea"/>
+                    <a:cs typeface="+mn-cs"/>
+                  </a:defRPr>
+                </a:lvl4pPr>
+                <a:lvl5pPr marL="1828800" indent="0" algn="l" defTabSz="914400" rtl="0" eaLnBrk="1" latinLnBrk="0" hangingPunct="1">
+                  <a:defRPr sz="1800" kern="1200">
+                    <a:solidFill>
+                      <a:schemeClr val="lt1"/>
+                    </a:solidFill>
+                    <a:latin typeface="+mn-lt"/>
+                    <a:ea typeface="+mn-ea"/>
+                    <a:cs typeface="+mn-cs"/>
+                  </a:defRPr>
+                </a:lvl5pPr>
+                <a:lvl6pPr marL="2286000" indent="0" algn="l" defTabSz="914400" rtl="0" eaLnBrk="1" latinLnBrk="0" hangingPunct="1">
+                  <a:defRPr sz="1800" kern="1200">
+                    <a:solidFill>
+                      <a:schemeClr val="lt1"/>
+                    </a:solidFill>
+                    <a:latin typeface="+mn-lt"/>
+                    <a:ea typeface="+mn-ea"/>
+                    <a:cs typeface="+mn-cs"/>
+                  </a:defRPr>
+                </a:lvl6pPr>
+                <a:lvl7pPr marL="2743200" indent="0" algn="l" defTabSz="914400" rtl="0" eaLnBrk="1" latinLnBrk="0" hangingPunct="1">
+                  <a:defRPr sz="1800" kern="1200">
+                    <a:solidFill>
+                      <a:schemeClr val="lt1"/>
+                    </a:solidFill>
+                    <a:latin typeface="+mn-lt"/>
+                    <a:ea typeface="+mn-ea"/>
+                    <a:cs typeface="+mn-cs"/>
+                  </a:defRPr>
+                </a:lvl7pPr>
+                <a:lvl8pPr marL="3200400" indent="0" algn="l" defTabSz="914400" rtl="0" eaLnBrk="1" latinLnBrk="0" hangingPunct="1">
+                  <a:defRPr sz="1800" kern="1200">
+                    <a:solidFill>
+                      <a:schemeClr val="lt1"/>
+                    </a:solidFill>
+                    <a:latin typeface="+mn-lt"/>
+                    <a:ea typeface="+mn-ea"/>
+                    <a:cs typeface="+mn-cs"/>
+                  </a:defRPr>
+                </a:lvl8pPr>
+                <a:lvl9pPr marL="3657600" indent="0" algn="l" defTabSz="914400" rtl="0" eaLnBrk="1" latinLnBrk="0" hangingPunct="1">
+                  <a:defRPr sz="1800" kern="1200">
+                    <a:solidFill>
+                      <a:schemeClr val="lt1"/>
+                    </a:solidFill>
+                    <a:latin typeface="+mn-lt"/>
+                    <a:ea typeface="+mn-ea"/>
+                    <a:cs typeface="+mn-cs"/>
+                  </a:defRPr>
+                </a:lvl9pPr>
+              </a:lstStyle>
+              <a:p>
+                <a:pPr algn="ctr"/>
+                <a:r>
+                  <a:rPr lang="en-US" sz="800" b="1" i="0" u="none" strike="noStrike" dirty="0">
+                    <a:solidFill>
+                      <a:srgbClr val="FF5757"/>
+                    </a:solidFill>
+                    <a:latin typeface="Aptos Narrow"/>
+                  </a:rPr>
+                  <a:t>-</a:t>
+                </a:r>
+                <a:endParaRPr lang="pt-BR" sz="800" dirty="0">
+                  <a:solidFill>
+                    <a:srgbClr val="FF5757"/>
+                  </a:solidFill>
+                </a:endParaRPr>
+              </a:p>
+            </p:txBody>
+          </p:sp>
+        </p:grpSp>
+        <p:grpSp>
+          <p:nvGrpSpPr>
+            <p:cNvPr id="23" name="Group 22">
+              <a:extLst>
+                <a:ext uri="{FF2B5EF4-FFF2-40B4-BE49-F238E27FC236}">
+                  <a16:creationId xmlns:a16="http://schemas.microsoft.com/office/drawing/2014/main" id="{73A6D123-7E2F-473B-3845-7E6CA52EE7FF}"/>
+                </a:ext>
+              </a:extLst>
+            </p:cNvPr>
+            <p:cNvGrpSpPr/>
+            <p:nvPr/>
+          </p:nvGrpSpPr>
+          <p:grpSpPr>
+            <a:xfrm>
+              <a:off x="2126815" y="4856638"/>
+              <a:ext cx="1793708" cy="552609"/>
+              <a:chOff x="1950070" y="4351470"/>
+              <a:chExt cx="2251495" cy="698740"/>
+            </a:xfrm>
+          </p:grpSpPr>
+          <p:sp>
+            <p:nvSpPr>
+              <p:cNvPr id="52" name="shape_header_total_domicilios">
+                <a:extLst>
+                  <a:ext uri="{FF2B5EF4-FFF2-40B4-BE49-F238E27FC236}">
+                    <a16:creationId xmlns:a16="http://schemas.microsoft.com/office/drawing/2014/main" id="{607AE2E3-3401-1A7C-00E1-7AAFCAD395DA}"/>
+                  </a:ext>
+                </a:extLst>
+              </p:cNvPr>
+              <p:cNvSpPr/>
+              <p:nvPr/>
+            </p:nvSpPr>
+            <p:spPr>
+              <a:xfrm>
+                <a:off x="1950070" y="4351470"/>
+                <a:ext cx="2251495" cy="319176"/>
+              </a:xfrm>
+              <a:prstGeom prst="roundRect">
+                <a:avLst>
+                  <a:gd name="adj" fmla="val 0"/>
+                </a:avLst>
+              </a:prstGeom>
+              <a:solidFill>
+                <a:srgbClr val="DAB48E"/>
+              </a:solidFill>
+              <a:ln w="12700">
+                <a:solidFill>
+                  <a:schemeClr val="bg1">
+                    <a:lumMod val="65000"/>
+                  </a:schemeClr>
+                </a:solidFill>
+              </a:ln>
+            </p:spPr>
+            <p:style>
+              <a:lnRef idx="2">
+                <a:schemeClr val="accent1">
+                  <a:shade val="15000"/>
+                </a:schemeClr>
+              </a:lnRef>
+              <a:fillRef idx="1">
+                <a:schemeClr val="accent1"/>
+              </a:fillRef>
+              <a:effectRef idx="0">
+                <a:schemeClr val="accent1"/>
+              </a:effectRef>
+              <a:fontRef idx="minor">
+                <a:schemeClr val="lt1"/>
+              </a:fontRef>
+            </p:style>
+            <p:txBody>
+              <a:bodyPr wrap="square" rtlCol="0" anchor="ctr"/>
+              <a:lstStyle>
+                <a:defPPr>
+                  <a:defRPr lang="pt-BR"/>
+                </a:defPPr>
+                <a:lvl1pPr marL="0" indent="0" algn="l" defTabSz="914400" rtl="0" eaLnBrk="1" latinLnBrk="0" hangingPunct="1">
+                  <a:defRPr sz="1800" kern="1200">
+                    <a:solidFill>
+                      <a:schemeClr val="lt1"/>
+                    </a:solidFill>
+                    <a:latin typeface="+mn-lt"/>
+                    <a:ea typeface="+mn-ea"/>
+                    <a:cs typeface="+mn-cs"/>
+                  </a:defRPr>
+                </a:lvl1pPr>
+                <a:lvl2pPr marL="457200" indent="0" algn="l" defTabSz="914400" rtl="0" eaLnBrk="1" latinLnBrk="0" hangingPunct="1">
+                  <a:defRPr sz="1800" kern="1200">
+                    <a:solidFill>
+                      <a:schemeClr val="lt1"/>
+                    </a:solidFill>
+                    <a:latin typeface="+mn-lt"/>
+                    <a:ea typeface="+mn-ea"/>
+                    <a:cs typeface="+mn-cs"/>
+                  </a:defRPr>
+                </a:lvl2pPr>
+                <a:lvl3pPr marL="914400" indent="0" algn="l" defTabSz="914400" rtl="0" eaLnBrk="1" latinLnBrk="0" hangingPunct="1">
+                  <a:defRPr sz="1800" kern="1200">
+                    <a:solidFill>
+                      <a:schemeClr val="lt1"/>
+                    </a:solidFill>
+                    <a:latin typeface="+mn-lt"/>
+                    <a:ea typeface="+mn-ea"/>
+                    <a:cs typeface="+mn-cs"/>
+                  </a:defRPr>
+                </a:lvl3pPr>
+                <a:lvl4pPr marL="1371600" indent="0" algn="l" defTabSz="914400" rtl="0" eaLnBrk="1" latinLnBrk="0" hangingPunct="1">
+                  <a:defRPr sz="1800" kern="1200">
+                    <a:solidFill>
+                      <a:schemeClr val="lt1"/>
+                    </a:solidFill>
+                    <a:latin typeface="+mn-lt"/>
+                    <a:ea typeface="+mn-ea"/>
+                    <a:cs typeface="+mn-cs"/>
+                  </a:defRPr>
+                </a:lvl4pPr>
+                <a:lvl5pPr marL="1828800" indent="0" algn="l" defTabSz="914400" rtl="0" eaLnBrk="1" latinLnBrk="0" hangingPunct="1">
+                  <a:defRPr sz="1800" kern="1200">
+                    <a:solidFill>
+                      <a:schemeClr val="lt1"/>
+                    </a:solidFill>
+                    <a:latin typeface="+mn-lt"/>
+                    <a:ea typeface="+mn-ea"/>
+                    <a:cs typeface="+mn-cs"/>
+                  </a:defRPr>
+                </a:lvl5pPr>
+                <a:lvl6pPr marL="2286000" indent="0" algn="l" defTabSz="914400" rtl="0" eaLnBrk="1" latinLnBrk="0" hangingPunct="1">
+                  <a:defRPr sz="1800" kern="1200">
+                    <a:solidFill>
+                      <a:schemeClr val="lt1"/>
+                    </a:solidFill>
+                    <a:latin typeface="+mn-lt"/>
+                    <a:ea typeface="+mn-ea"/>
+                    <a:cs typeface="+mn-cs"/>
+                  </a:defRPr>
+                </a:lvl6pPr>
+                <a:lvl7pPr marL="2743200" indent="0" algn="l" defTabSz="914400" rtl="0" eaLnBrk="1" latinLnBrk="0" hangingPunct="1">
+                  <a:defRPr sz="1800" kern="1200">
+                    <a:solidFill>
+                      <a:schemeClr val="lt1"/>
+                    </a:solidFill>
+                    <a:latin typeface="+mn-lt"/>
+                    <a:ea typeface="+mn-ea"/>
+                    <a:cs typeface="+mn-cs"/>
+                  </a:defRPr>
+                </a:lvl7pPr>
+                <a:lvl8pPr marL="3200400" indent="0" algn="l" defTabSz="914400" rtl="0" eaLnBrk="1" latinLnBrk="0" hangingPunct="1">
+                  <a:defRPr sz="1800" kern="1200">
+                    <a:solidFill>
+                      <a:schemeClr val="lt1"/>
+                    </a:solidFill>
+                    <a:latin typeface="+mn-lt"/>
+                    <a:ea typeface="+mn-ea"/>
+                    <a:cs typeface="+mn-cs"/>
+                  </a:defRPr>
+                </a:lvl8pPr>
+                <a:lvl9pPr marL="3657600" indent="0" algn="l" defTabSz="914400" rtl="0" eaLnBrk="1" latinLnBrk="0" hangingPunct="1">
+                  <a:defRPr sz="1800" kern="1200">
+                    <a:solidFill>
+                      <a:schemeClr val="lt1"/>
+                    </a:solidFill>
+                    <a:latin typeface="+mn-lt"/>
+                    <a:ea typeface="+mn-ea"/>
+                    <a:cs typeface="+mn-cs"/>
+                  </a:defRPr>
+                </a:lvl9pPr>
+              </a:lstStyle>
+              <a:p>
+                <a:pPr algn="ctr"/>
+                <a:r>
+                  <a:rPr lang="pt-BR" sz="800" b="1"/>
+                  <a:t>TOTAL DE DOMICÍLIOS</a:t>
+                </a:r>
+              </a:p>
+            </p:txBody>
+          </p:sp>
+          <p:sp>
+            <p:nvSpPr>
+              <p:cNvPr id="53" name="shape_abs_total_domicilios">
+                <a:extLst>
+                  <a:ext uri="{FF2B5EF4-FFF2-40B4-BE49-F238E27FC236}">
+                    <a16:creationId xmlns:a16="http://schemas.microsoft.com/office/drawing/2014/main" id="{A318A0D0-25F9-3130-BC38-ACC264DF4E8F}"/>
+                  </a:ext>
+                </a:extLst>
+              </p:cNvPr>
+              <p:cNvSpPr/>
+              <p:nvPr/>
+            </p:nvSpPr>
+            <p:spPr>
+              <a:xfrm>
+                <a:off x="1950070" y="4670646"/>
+                <a:ext cx="1354347" cy="379564"/>
+              </a:xfrm>
+              <a:prstGeom prst="roundRect">
+                <a:avLst>
+                  <a:gd name="adj" fmla="val 0"/>
+                </a:avLst>
+              </a:prstGeom>
+              <a:solidFill>
+                <a:schemeClr val="bg1"/>
+              </a:solidFill>
+              <a:ln w="12700">
+                <a:solidFill>
+                  <a:schemeClr val="bg1">
+                    <a:lumMod val="65000"/>
+                  </a:schemeClr>
+                </a:solidFill>
+              </a:ln>
+            </p:spPr>
+            <p:style>
+              <a:lnRef idx="2">
+                <a:schemeClr val="accent1">
+                  <a:shade val="15000"/>
+                </a:schemeClr>
+              </a:lnRef>
+              <a:fillRef idx="1">
+                <a:schemeClr val="accent1"/>
+              </a:fillRef>
+              <a:effectRef idx="0">
+                <a:schemeClr val="accent1"/>
+              </a:effectRef>
+              <a:fontRef idx="minor">
+                <a:schemeClr val="lt1"/>
+              </a:fontRef>
+            </p:style>
+            <p:txBody>
+              <a:bodyPr wrap="square" rtlCol="0" anchor="ctr"/>
+              <a:lstStyle>
+                <a:defPPr>
+                  <a:defRPr lang="pt-BR"/>
+                </a:defPPr>
+                <a:lvl1pPr marL="0" indent="0" algn="l" defTabSz="914400" rtl="0" eaLnBrk="1" latinLnBrk="0" hangingPunct="1">
+                  <a:defRPr sz="1800" kern="1200">
+                    <a:solidFill>
+                      <a:schemeClr val="lt1"/>
+                    </a:solidFill>
+                    <a:latin typeface="+mn-lt"/>
+                    <a:ea typeface="+mn-ea"/>
+                    <a:cs typeface="+mn-cs"/>
+                  </a:defRPr>
+                </a:lvl1pPr>
+                <a:lvl2pPr marL="457200" indent="0" algn="l" defTabSz="914400" rtl="0" eaLnBrk="1" latinLnBrk="0" hangingPunct="1">
+                  <a:defRPr sz="1800" kern="1200">
+                    <a:solidFill>
+                      <a:schemeClr val="lt1"/>
+                    </a:solidFill>
+                    <a:latin typeface="+mn-lt"/>
+                    <a:ea typeface="+mn-ea"/>
+                    <a:cs typeface="+mn-cs"/>
+                  </a:defRPr>
+                </a:lvl2pPr>
+                <a:lvl3pPr marL="914400" indent="0" algn="l" defTabSz="914400" rtl="0" eaLnBrk="1" latinLnBrk="0" hangingPunct="1">
+                  <a:defRPr sz="1800" kern="1200">
+                    <a:solidFill>
+                      <a:schemeClr val="lt1"/>
+                    </a:solidFill>
+                    <a:latin typeface="+mn-lt"/>
+                    <a:ea typeface="+mn-ea"/>
+                    <a:cs typeface="+mn-cs"/>
+                  </a:defRPr>
+                </a:lvl3pPr>
+                <a:lvl4pPr marL="1371600" indent="0" algn="l" defTabSz="914400" rtl="0" eaLnBrk="1" latinLnBrk="0" hangingPunct="1">
+                  <a:defRPr sz="1800" kern="1200">
+                    <a:solidFill>
+                      <a:schemeClr val="lt1"/>
+                    </a:solidFill>
+                    <a:latin typeface="+mn-lt"/>
+                    <a:ea typeface="+mn-ea"/>
+                    <a:cs typeface="+mn-cs"/>
+                  </a:defRPr>
+                </a:lvl4pPr>
+                <a:lvl5pPr marL="1828800" indent="0" algn="l" defTabSz="914400" rtl="0" eaLnBrk="1" latinLnBrk="0" hangingPunct="1">
+                  <a:defRPr sz="1800" kern="1200">
+                    <a:solidFill>
+                      <a:schemeClr val="lt1"/>
+                    </a:solidFill>
+                    <a:latin typeface="+mn-lt"/>
+                    <a:ea typeface="+mn-ea"/>
+                    <a:cs typeface="+mn-cs"/>
+                  </a:defRPr>
+                </a:lvl5pPr>
+                <a:lvl6pPr marL="2286000" indent="0" algn="l" defTabSz="914400" rtl="0" eaLnBrk="1" latinLnBrk="0" hangingPunct="1">
+                  <a:defRPr sz="1800" kern="1200">
+                    <a:solidFill>
+                      <a:schemeClr val="lt1"/>
+                    </a:solidFill>
+                    <a:latin typeface="+mn-lt"/>
+                    <a:ea typeface="+mn-ea"/>
+                    <a:cs typeface="+mn-cs"/>
+                  </a:defRPr>
+                </a:lvl6pPr>
+                <a:lvl7pPr marL="2743200" indent="0" algn="l" defTabSz="914400" rtl="0" eaLnBrk="1" latinLnBrk="0" hangingPunct="1">
+                  <a:defRPr sz="1800" kern="1200">
+                    <a:solidFill>
+                      <a:schemeClr val="lt1"/>
+                    </a:solidFill>
+                    <a:latin typeface="+mn-lt"/>
+                    <a:ea typeface="+mn-ea"/>
+                    <a:cs typeface="+mn-cs"/>
+                  </a:defRPr>
+                </a:lvl7pPr>
+                <a:lvl8pPr marL="3200400" indent="0" algn="l" defTabSz="914400" rtl="0" eaLnBrk="1" latinLnBrk="0" hangingPunct="1">
+                  <a:defRPr sz="1800" kern="1200">
+                    <a:solidFill>
+                      <a:schemeClr val="lt1"/>
+                    </a:solidFill>
+                    <a:latin typeface="+mn-lt"/>
+                    <a:ea typeface="+mn-ea"/>
+                    <a:cs typeface="+mn-cs"/>
+                  </a:defRPr>
+                </a:lvl8pPr>
+                <a:lvl9pPr marL="3657600" indent="0" algn="l" defTabSz="914400" rtl="0" eaLnBrk="1" latinLnBrk="0" hangingPunct="1">
+                  <a:defRPr sz="1800" kern="1200">
+                    <a:solidFill>
+                      <a:schemeClr val="lt1"/>
+                    </a:solidFill>
+                    <a:latin typeface="+mn-lt"/>
+                    <a:ea typeface="+mn-ea"/>
+                    <a:cs typeface="+mn-cs"/>
+                  </a:defRPr>
+                </a:lvl9pPr>
+              </a:lstStyle>
+              <a:p>
+                <a:pPr algn="ctr"/>
+                <a:r>
+                  <a:rPr lang="en-US" sz="800" b="1" i="0" u="none" strike="noStrike" dirty="0">
+                    <a:solidFill>
+                      <a:srgbClr val="000000"/>
+                    </a:solidFill>
+                    <a:latin typeface="Aptos Narrow"/>
+                  </a:rPr>
+                  <a:t>-</a:t>
+                </a:r>
+                <a:endParaRPr lang="pt-BR" sz="800" dirty="0"/>
+              </a:p>
+            </p:txBody>
+          </p:sp>
+          <p:sp>
+            <p:nvSpPr>
+              <p:cNvPr id="54" name="shape_var_total_domicilios">
+                <a:extLst>
+                  <a:ext uri="{FF2B5EF4-FFF2-40B4-BE49-F238E27FC236}">
+                    <a16:creationId xmlns:a16="http://schemas.microsoft.com/office/drawing/2014/main" id="{B0124C38-3E7B-829E-D716-228CF66E457A}"/>
+                  </a:ext>
+                </a:extLst>
+              </p:cNvPr>
+              <p:cNvSpPr/>
+              <p:nvPr/>
+            </p:nvSpPr>
+            <p:spPr>
+              <a:xfrm>
+                <a:off x="3304417" y="4670646"/>
+                <a:ext cx="897148" cy="379564"/>
+              </a:xfrm>
+              <a:prstGeom prst="roundRect">
+                <a:avLst>
+                  <a:gd name="adj" fmla="val 0"/>
+                </a:avLst>
+              </a:prstGeom>
+              <a:solidFill>
+                <a:schemeClr val="bg1"/>
+              </a:solidFill>
+              <a:ln w="12700">
+                <a:solidFill>
+                  <a:schemeClr val="bg1">
+                    <a:lumMod val="65000"/>
+                  </a:schemeClr>
+                </a:solidFill>
+              </a:ln>
+            </p:spPr>
+            <p:style>
+              <a:lnRef idx="2">
+                <a:schemeClr val="accent1">
+                  <a:shade val="15000"/>
+                </a:schemeClr>
+              </a:lnRef>
+              <a:fillRef idx="1">
+                <a:schemeClr val="accent1"/>
+              </a:fillRef>
+              <a:effectRef idx="0">
+                <a:schemeClr val="accent1"/>
+              </a:effectRef>
+              <a:fontRef idx="minor">
+                <a:schemeClr val="lt1"/>
+              </a:fontRef>
+            </p:style>
+            <p:txBody>
+              <a:bodyPr wrap="square" rtlCol="0" anchor="ctr"/>
+              <a:lstStyle>
+                <a:defPPr>
+                  <a:defRPr lang="pt-BR"/>
+                </a:defPPr>
+                <a:lvl1pPr marL="0" indent="0" algn="l" defTabSz="914400" rtl="0" eaLnBrk="1" latinLnBrk="0" hangingPunct="1">
+                  <a:defRPr sz="1800" kern="1200">
+                    <a:solidFill>
+                      <a:schemeClr val="lt1"/>
+                    </a:solidFill>
+                    <a:latin typeface="+mn-lt"/>
+                    <a:ea typeface="+mn-ea"/>
+                    <a:cs typeface="+mn-cs"/>
+                  </a:defRPr>
+                </a:lvl1pPr>
+                <a:lvl2pPr marL="457200" indent="0" algn="l" defTabSz="914400" rtl="0" eaLnBrk="1" latinLnBrk="0" hangingPunct="1">
+                  <a:defRPr sz="1800" kern="1200">
+                    <a:solidFill>
+                      <a:schemeClr val="lt1"/>
+                    </a:solidFill>
+                    <a:latin typeface="+mn-lt"/>
+                    <a:ea typeface="+mn-ea"/>
+                    <a:cs typeface="+mn-cs"/>
+                  </a:defRPr>
+                </a:lvl2pPr>
+                <a:lvl3pPr marL="914400" indent="0" algn="l" defTabSz="914400" rtl="0" eaLnBrk="1" latinLnBrk="0" hangingPunct="1">
+                  <a:defRPr sz="1800" kern="1200">
+                    <a:solidFill>
+                      <a:schemeClr val="lt1"/>
+                    </a:solidFill>
+                    <a:latin typeface="+mn-lt"/>
+                    <a:ea typeface="+mn-ea"/>
+                    <a:cs typeface="+mn-cs"/>
+                  </a:defRPr>
+                </a:lvl3pPr>
+                <a:lvl4pPr marL="1371600" indent="0" algn="l" defTabSz="914400" rtl="0" eaLnBrk="1" latinLnBrk="0" hangingPunct="1">
+                  <a:defRPr sz="1800" kern="1200">
+                    <a:solidFill>
+                      <a:schemeClr val="lt1"/>
+                    </a:solidFill>
+                    <a:latin typeface="+mn-lt"/>
+                    <a:ea typeface="+mn-ea"/>
+                    <a:cs typeface="+mn-cs"/>
+                  </a:defRPr>
+                </a:lvl4pPr>
+                <a:lvl5pPr marL="1828800" indent="0" algn="l" defTabSz="914400" rtl="0" eaLnBrk="1" latinLnBrk="0" hangingPunct="1">
+                  <a:defRPr sz="1800" kern="1200">
+                    <a:solidFill>
+                      <a:schemeClr val="lt1"/>
+                    </a:solidFill>
+                    <a:latin typeface="+mn-lt"/>
+                    <a:ea typeface="+mn-ea"/>
+                    <a:cs typeface="+mn-cs"/>
+                  </a:defRPr>
+                </a:lvl5pPr>
+                <a:lvl6pPr marL="2286000" indent="0" algn="l" defTabSz="914400" rtl="0" eaLnBrk="1" latinLnBrk="0" hangingPunct="1">
+                  <a:defRPr sz="1800" kern="1200">
+                    <a:solidFill>
+                      <a:schemeClr val="lt1"/>
+                    </a:solidFill>
+                    <a:latin typeface="+mn-lt"/>
+                    <a:ea typeface="+mn-ea"/>
+                    <a:cs typeface="+mn-cs"/>
+                  </a:defRPr>
+                </a:lvl6pPr>
+                <a:lvl7pPr marL="2743200" indent="0" algn="l" defTabSz="914400" rtl="0" eaLnBrk="1" latinLnBrk="0" hangingPunct="1">
+                  <a:defRPr sz="1800" kern="1200">
+                    <a:solidFill>
+                      <a:schemeClr val="lt1"/>
+                    </a:solidFill>
+                    <a:latin typeface="+mn-lt"/>
+                    <a:ea typeface="+mn-ea"/>
+                    <a:cs typeface="+mn-cs"/>
+                  </a:defRPr>
+                </a:lvl7pPr>
+                <a:lvl8pPr marL="3200400" indent="0" algn="l" defTabSz="914400" rtl="0" eaLnBrk="1" latinLnBrk="0" hangingPunct="1">
+                  <a:defRPr sz="1800" kern="1200">
+                    <a:solidFill>
+                      <a:schemeClr val="lt1"/>
+                    </a:solidFill>
+                    <a:latin typeface="+mn-lt"/>
+                    <a:ea typeface="+mn-ea"/>
+                    <a:cs typeface="+mn-cs"/>
+                  </a:defRPr>
+                </a:lvl8pPr>
+                <a:lvl9pPr marL="3657600" indent="0" algn="l" defTabSz="914400" rtl="0" eaLnBrk="1" latinLnBrk="0" hangingPunct="1">
+                  <a:defRPr sz="1800" kern="1200">
+                    <a:solidFill>
+                      <a:schemeClr val="lt1"/>
+                    </a:solidFill>
+                    <a:latin typeface="+mn-lt"/>
+                    <a:ea typeface="+mn-ea"/>
+                    <a:cs typeface="+mn-cs"/>
+                  </a:defRPr>
+                </a:lvl9pPr>
+              </a:lstStyle>
+              <a:p>
+                <a:pPr algn="ctr"/>
+                <a:r>
+                  <a:rPr lang="en-US" sz="800" b="1" i="0" u="none" strike="noStrike" dirty="0">
+                    <a:solidFill>
+                      <a:srgbClr val="000000"/>
+                    </a:solidFill>
+                    <a:latin typeface="Aptos Narrow"/>
+                  </a:rPr>
+                  <a:t>-</a:t>
+                </a:r>
+                <a:endParaRPr lang="pt-BR" sz="800" dirty="0">
+                  <a:solidFill>
+                    <a:srgbClr val="000000"/>
+                  </a:solidFill>
+                </a:endParaRPr>
+              </a:p>
+            </p:txBody>
+          </p:sp>
+        </p:grpSp>
+        <p:grpSp>
+          <p:nvGrpSpPr>
+            <p:cNvPr id="24" name="Group 23">
+              <a:extLst>
+                <a:ext uri="{FF2B5EF4-FFF2-40B4-BE49-F238E27FC236}">
+                  <a16:creationId xmlns:a16="http://schemas.microsoft.com/office/drawing/2014/main" id="{A42FCB2E-5C7B-5BEE-1397-0AE53A35D8DF}"/>
+                </a:ext>
+              </a:extLst>
+            </p:cNvPr>
+            <p:cNvGrpSpPr/>
+            <p:nvPr/>
+          </p:nvGrpSpPr>
+          <p:grpSpPr>
+            <a:xfrm>
+              <a:off x="176696" y="4856638"/>
+              <a:ext cx="1793708" cy="552609"/>
+              <a:chOff x="32131" y="4351470"/>
+              <a:chExt cx="2251495" cy="698740"/>
+            </a:xfrm>
+          </p:grpSpPr>
+          <p:sp>
+            <p:nvSpPr>
+              <p:cNvPr id="49" name="shape_headerr_per_penetracao">
+                <a:extLst>
+                  <a:ext uri="{FF2B5EF4-FFF2-40B4-BE49-F238E27FC236}">
+                    <a16:creationId xmlns:a16="http://schemas.microsoft.com/office/drawing/2014/main" id="{0EE557CA-923F-E9A5-C71F-54C175552AA9}"/>
+                  </a:ext>
+                </a:extLst>
+              </p:cNvPr>
+              <p:cNvSpPr/>
+              <p:nvPr/>
+            </p:nvSpPr>
+            <p:spPr>
+              <a:xfrm>
+                <a:off x="32131" y="4351470"/>
+                <a:ext cx="2251495" cy="319176"/>
+              </a:xfrm>
+              <a:prstGeom prst="roundRect">
+                <a:avLst>
+                  <a:gd name="adj" fmla="val 0"/>
+                </a:avLst>
+              </a:prstGeom>
+              <a:solidFill>
+                <a:srgbClr val="259F36"/>
+              </a:solidFill>
+              <a:ln w="12700">
+                <a:solidFill>
+                  <a:schemeClr val="bg1">
+                    <a:lumMod val="65000"/>
+                  </a:schemeClr>
+                </a:solidFill>
+              </a:ln>
+            </p:spPr>
+            <p:style>
+              <a:lnRef idx="2">
+                <a:schemeClr val="accent1">
+                  <a:shade val="15000"/>
+                </a:schemeClr>
+              </a:lnRef>
+              <a:fillRef idx="1">
+                <a:schemeClr val="accent1"/>
+              </a:fillRef>
+              <a:effectRef idx="0">
+                <a:schemeClr val="accent1"/>
+              </a:effectRef>
+              <a:fontRef idx="minor">
+                <a:schemeClr val="lt1"/>
+              </a:fontRef>
+            </p:style>
+            <p:txBody>
+              <a:bodyPr wrap="square" rtlCol="0" anchor="ctr"/>
+              <a:lstStyle>
+                <a:defPPr>
+                  <a:defRPr lang="pt-BR"/>
+                </a:defPPr>
+                <a:lvl1pPr marL="0" indent="0" algn="l" defTabSz="914400" rtl="0" eaLnBrk="1" latinLnBrk="0" hangingPunct="1">
+                  <a:defRPr sz="1800" kern="1200">
+                    <a:solidFill>
+                      <a:schemeClr val="lt1"/>
+                    </a:solidFill>
+                    <a:latin typeface="+mn-lt"/>
+                    <a:ea typeface="+mn-ea"/>
+                    <a:cs typeface="+mn-cs"/>
+                  </a:defRPr>
+                </a:lvl1pPr>
+                <a:lvl2pPr marL="457200" indent="0" algn="l" defTabSz="914400" rtl="0" eaLnBrk="1" latinLnBrk="0" hangingPunct="1">
+                  <a:defRPr sz="1800" kern="1200">
+                    <a:solidFill>
+                      <a:schemeClr val="lt1"/>
+                    </a:solidFill>
+                    <a:latin typeface="+mn-lt"/>
+                    <a:ea typeface="+mn-ea"/>
+                    <a:cs typeface="+mn-cs"/>
+                  </a:defRPr>
+                </a:lvl2pPr>
+                <a:lvl3pPr marL="914400" indent="0" algn="l" defTabSz="914400" rtl="0" eaLnBrk="1" latinLnBrk="0" hangingPunct="1">
+                  <a:defRPr sz="1800" kern="1200">
+                    <a:solidFill>
+                      <a:schemeClr val="lt1"/>
+                    </a:solidFill>
+                    <a:latin typeface="+mn-lt"/>
+                    <a:ea typeface="+mn-ea"/>
+                    <a:cs typeface="+mn-cs"/>
+                  </a:defRPr>
+                </a:lvl3pPr>
+                <a:lvl4pPr marL="1371600" indent="0" algn="l" defTabSz="914400" rtl="0" eaLnBrk="1" latinLnBrk="0" hangingPunct="1">
+                  <a:defRPr sz="1800" kern="1200">
+                    <a:solidFill>
+                      <a:schemeClr val="lt1"/>
+                    </a:solidFill>
+                    <a:latin typeface="+mn-lt"/>
+                    <a:ea typeface="+mn-ea"/>
+                    <a:cs typeface="+mn-cs"/>
+                  </a:defRPr>
+                </a:lvl4pPr>
+                <a:lvl5pPr marL="1828800" indent="0" algn="l" defTabSz="914400" rtl="0" eaLnBrk="1" latinLnBrk="0" hangingPunct="1">
+                  <a:defRPr sz="1800" kern="1200">
+                    <a:solidFill>
+                      <a:schemeClr val="lt1"/>
+                    </a:solidFill>
+                    <a:latin typeface="+mn-lt"/>
+                    <a:ea typeface="+mn-ea"/>
+                    <a:cs typeface="+mn-cs"/>
+                  </a:defRPr>
+                </a:lvl5pPr>
+                <a:lvl6pPr marL="2286000" indent="0" algn="l" defTabSz="914400" rtl="0" eaLnBrk="1" latinLnBrk="0" hangingPunct="1">
+                  <a:defRPr sz="1800" kern="1200">
+                    <a:solidFill>
+                      <a:schemeClr val="lt1"/>
+                    </a:solidFill>
+                    <a:latin typeface="+mn-lt"/>
+                    <a:ea typeface="+mn-ea"/>
+                    <a:cs typeface="+mn-cs"/>
+                  </a:defRPr>
+                </a:lvl6pPr>
+                <a:lvl7pPr marL="2743200" indent="0" algn="l" defTabSz="914400" rtl="0" eaLnBrk="1" latinLnBrk="0" hangingPunct="1">
+                  <a:defRPr sz="1800" kern="1200">
+                    <a:solidFill>
+                      <a:schemeClr val="lt1"/>
+                    </a:solidFill>
+                    <a:latin typeface="+mn-lt"/>
+                    <a:ea typeface="+mn-ea"/>
+                    <a:cs typeface="+mn-cs"/>
+                  </a:defRPr>
+                </a:lvl7pPr>
+                <a:lvl8pPr marL="3200400" indent="0" algn="l" defTabSz="914400" rtl="0" eaLnBrk="1" latinLnBrk="0" hangingPunct="1">
+                  <a:defRPr sz="1800" kern="1200">
+                    <a:solidFill>
+                      <a:schemeClr val="lt1"/>
+                    </a:solidFill>
+                    <a:latin typeface="+mn-lt"/>
+                    <a:ea typeface="+mn-ea"/>
+                    <a:cs typeface="+mn-cs"/>
+                  </a:defRPr>
+                </a:lvl8pPr>
+                <a:lvl9pPr marL="3657600" indent="0" algn="l" defTabSz="914400" rtl="0" eaLnBrk="1" latinLnBrk="0" hangingPunct="1">
+                  <a:defRPr sz="1800" kern="1200">
+                    <a:solidFill>
+                      <a:schemeClr val="lt1"/>
+                    </a:solidFill>
+                    <a:latin typeface="+mn-lt"/>
+                    <a:ea typeface="+mn-ea"/>
+                    <a:cs typeface="+mn-cs"/>
+                  </a:defRPr>
+                </a:lvl9pPr>
+              </a:lstStyle>
+              <a:p>
+                <a:pPr algn="ctr"/>
+                <a:r>
+                  <a:rPr lang="pt-BR" sz="800" b="1"/>
+                  <a:t>% PENETRAÇÃO</a:t>
+                </a:r>
+              </a:p>
+            </p:txBody>
+          </p:sp>
+          <p:sp>
+            <p:nvSpPr>
+              <p:cNvPr id="50" name="shape_absr_per_penetracao">
+                <a:extLst>
+                  <a:ext uri="{FF2B5EF4-FFF2-40B4-BE49-F238E27FC236}">
+                    <a16:creationId xmlns:a16="http://schemas.microsoft.com/office/drawing/2014/main" id="{D40CDFD6-6E4B-F5C4-7012-9DA01B1FB96F}"/>
+                  </a:ext>
+                </a:extLst>
+              </p:cNvPr>
+              <p:cNvSpPr/>
+              <p:nvPr/>
+            </p:nvSpPr>
+            <p:spPr>
+              <a:xfrm>
+                <a:off x="32131" y="4670646"/>
+                <a:ext cx="1354347" cy="379564"/>
+              </a:xfrm>
+              <a:prstGeom prst="roundRect">
+                <a:avLst>
+                  <a:gd name="adj" fmla="val 0"/>
+                </a:avLst>
+              </a:prstGeom>
+              <a:solidFill>
+                <a:schemeClr val="bg1"/>
+              </a:solidFill>
+              <a:ln w="12700">
+                <a:solidFill>
+                  <a:schemeClr val="bg1">
+                    <a:lumMod val="65000"/>
+                  </a:schemeClr>
+                </a:solidFill>
+              </a:ln>
+            </p:spPr>
+            <p:style>
+              <a:lnRef idx="2">
+                <a:schemeClr val="accent1">
+                  <a:shade val="15000"/>
+                </a:schemeClr>
+              </a:lnRef>
+              <a:fillRef idx="1">
+                <a:schemeClr val="accent1"/>
+              </a:fillRef>
+              <a:effectRef idx="0">
+                <a:schemeClr val="accent1"/>
+              </a:effectRef>
+              <a:fontRef idx="minor">
+                <a:schemeClr val="lt1"/>
+              </a:fontRef>
+            </p:style>
+            <p:txBody>
+              <a:bodyPr wrap="square" rtlCol="0" anchor="ctr"/>
+              <a:lstStyle>
+                <a:defPPr>
+                  <a:defRPr lang="pt-BR"/>
+                </a:defPPr>
+                <a:lvl1pPr marL="0" indent="0" algn="l" defTabSz="914400" rtl="0" eaLnBrk="1" latinLnBrk="0" hangingPunct="1">
+                  <a:defRPr sz="1800" kern="1200">
+                    <a:solidFill>
+                      <a:schemeClr val="lt1"/>
+                    </a:solidFill>
+                    <a:latin typeface="+mn-lt"/>
+                    <a:ea typeface="+mn-ea"/>
+                    <a:cs typeface="+mn-cs"/>
+                  </a:defRPr>
+                </a:lvl1pPr>
+                <a:lvl2pPr marL="457200" indent="0" algn="l" defTabSz="914400" rtl="0" eaLnBrk="1" latinLnBrk="0" hangingPunct="1">
+                  <a:defRPr sz="1800" kern="1200">
+                    <a:solidFill>
+                      <a:schemeClr val="lt1"/>
+                    </a:solidFill>
+                    <a:latin typeface="+mn-lt"/>
+                    <a:ea typeface="+mn-ea"/>
+                    <a:cs typeface="+mn-cs"/>
+                  </a:defRPr>
+                </a:lvl2pPr>
+                <a:lvl3pPr marL="914400" indent="0" algn="l" defTabSz="914400" rtl="0" eaLnBrk="1" latinLnBrk="0" hangingPunct="1">
+                  <a:defRPr sz="1800" kern="1200">
+                    <a:solidFill>
+                      <a:schemeClr val="lt1"/>
+                    </a:solidFill>
+                    <a:latin typeface="+mn-lt"/>
+                    <a:ea typeface="+mn-ea"/>
+                    <a:cs typeface="+mn-cs"/>
+                  </a:defRPr>
+                </a:lvl3pPr>
+                <a:lvl4pPr marL="1371600" indent="0" algn="l" defTabSz="914400" rtl="0" eaLnBrk="1" latinLnBrk="0" hangingPunct="1">
+                  <a:defRPr sz="1800" kern="1200">
+                    <a:solidFill>
+                      <a:schemeClr val="lt1"/>
+                    </a:solidFill>
+                    <a:latin typeface="+mn-lt"/>
+                    <a:ea typeface="+mn-ea"/>
+                    <a:cs typeface="+mn-cs"/>
+                  </a:defRPr>
+                </a:lvl4pPr>
+                <a:lvl5pPr marL="1828800" indent="0" algn="l" defTabSz="914400" rtl="0" eaLnBrk="1" latinLnBrk="0" hangingPunct="1">
+                  <a:defRPr sz="1800" kern="1200">
+                    <a:solidFill>
+                      <a:schemeClr val="lt1"/>
+                    </a:solidFill>
+                    <a:latin typeface="+mn-lt"/>
+                    <a:ea typeface="+mn-ea"/>
+                    <a:cs typeface="+mn-cs"/>
+                  </a:defRPr>
+                </a:lvl5pPr>
+                <a:lvl6pPr marL="2286000" indent="0" algn="l" defTabSz="914400" rtl="0" eaLnBrk="1" latinLnBrk="0" hangingPunct="1">
+                  <a:defRPr sz="1800" kern="1200">
+                    <a:solidFill>
+                      <a:schemeClr val="lt1"/>
+                    </a:solidFill>
+                    <a:latin typeface="+mn-lt"/>
+                    <a:ea typeface="+mn-ea"/>
+                    <a:cs typeface="+mn-cs"/>
+                  </a:defRPr>
+                </a:lvl6pPr>
+                <a:lvl7pPr marL="2743200" indent="0" algn="l" defTabSz="914400" rtl="0" eaLnBrk="1" latinLnBrk="0" hangingPunct="1">
+                  <a:defRPr sz="1800" kern="1200">
+                    <a:solidFill>
+                      <a:schemeClr val="lt1"/>
+                    </a:solidFill>
+                    <a:latin typeface="+mn-lt"/>
+                    <a:ea typeface="+mn-ea"/>
+                    <a:cs typeface="+mn-cs"/>
+                  </a:defRPr>
+                </a:lvl7pPr>
+                <a:lvl8pPr marL="3200400" indent="0" algn="l" defTabSz="914400" rtl="0" eaLnBrk="1" latinLnBrk="0" hangingPunct="1">
+                  <a:defRPr sz="1800" kern="1200">
+                    <a:solidFill>
+                      <a:schemeClr val="lt1"/>
+                    </a:solidFill>
+                    <a:latin typeface="+mn-lt"/>
+                    <a:ea typeface="+mn-ea"/>
+                    <a:cs typeface="+mn-cs"/>
+                  </a:defRPr>
+                </a:lvl8pPr>
+                <a:lvl9pPr marL="3657600" indent="0" algn="l" defTabSz="914400" rtl="0" eaLnBrk="1" latinLnBrk="0" hangingPunct="1">
+                  <a:defRPr sz="1800" kern="1200">
+                    <a:solidFill>
+                      <a:schemeClr val="lt1"/>
+                    </a:solidFill>
+                    <a:latin typeface="+mn-lt"/>
+                    <a:ea typeface="+mn-ea"/>
+                    <a:cs typeface="+mn-cs"/>
+                  </a:defRPr>
+                </a:lvl9pPr>
+              </a:lstStyle>
+              <a:p>
+                <a:pPr algn="ctr"/>
+                <a:r>
+                  <a:rPr lang="en-US" sz="800" b="1" i="0" u="none" strike="noStrike" dirty="0">
+                    <a:solidFill>
+                      <a:srgbClr val="000000"/>
+                    </a:solidFill>
+                    <a:latin typeface="Aptos Narrow"/>
+                  </a:rPr>
+                  <a:t>-</a:t>
+                </a:r>
+                <a:endParaRPr lang="pt-BR" sz="800" dirty="0"/>
+              </a:p>
+            </p:txBody>
+          </p:sp>
+          <p:sp>
+            <p:nvSpPr>
+              <p:cNvPr id="51" name="shape_var_per_penetracao">
+                <a:extLst>
+                  <a:ext uri="{FF2B5EF4-FFF2-40B4-BE49-F238E27FC236}">
+                    <a16:creationId xmlns:a16="http://schemas.microsoft.com/office/drawing/2014/main" id="{C423D68B-84F3-AD02-1C59-2320F5A06689}"/>
+                  </a:ext>
+                </a:extLst>
+              </p:cNvPr>
+              <p:cNvSpPr/>
+              <p:nvPr/>
+            </p:nvSpPr>
+            <p:spPr>
+              <a:xfrm>
+                <a:off x="1386478" y="4670646"/>
+                <a:ext cx="897148" cy="379564"/>
+              </a:xfrm>
+              <a:prstGeom prst="roundRect">
+                <a:avLst>
+                  <a:gd name="adj" fmla="val 0"/>
+                </a:avLst>
+              </a:prstGeom>
+              <a:solidFill>
+                <a:schemeClr val="bg1"/>
+              </a:solidFill>
+              <a:ln w="12700">
+                <a:solidFill>
+                  <a:schemeClr val="bg1">
+                    <a:lumMod val="65000"/>
+                  </a:schemeClr>
+                </a:solidFill>
+              </a:ln>
+            </p:spPr>
+            <p:style>
+              <a:lnRef idx="2">
+                <a:schemeClr val="accent1">
+                  <a:shade val="15000"/>
+                </a:schemeClr>
+              </a:lnRef>
+              <a:fillRef idx="1">
+                <a:schemeClr val="accent1"/>
+              </a:fillRef>
+              <a:effectRef idx="0">
+                <a:schemeClr val="accent1"/>
+              </a:effectRef>
+              <a:fontRef idx="minor">
+                <a:schemeClr val="lt1"/>
+              </a:fontRef>
+            </p:style>
+            <p:txBody>
+              <a:bodyPr wrap="square" rtlCol="0" anchor="ctr"/>
+              <a:lstStyle>
+                <a:defPPr>
+                  <a:defRPr lang="pt-BR"/>
+                </a:defPPr>
+                <a:lvl1pPr marL="0" indent="0" algn="l" defTabSz="914400" rtl="0" eaLnBrk="1" latinLnBrk="0" hangingPunct="1">
+                  <a:defRPr sz="1800" kern="1200">
+                    <a:solidFill>
+                      <a:schemeClr val="lt1"/>
+                    </a:solidFill>
+                    <a:latin typeface="+mn-lt"/>
+                    <a:ea typeface="+mn-ea"/>
+                    <a:cs typeface="+mn-cs"/>
+                  </a:defRPr>
+                </a:lvl1pPr>
+                <a:lvl2pPr marL="457200" indent="0" algn="l" defTabSz="914400" rtl="0" eaLnBrk="1" latinLnBrk="0" hangingPunct="1">
+                  <a:defRPr sz="1800" kern="1200">
+                    <a:solidFill>
+                      <a:schemeClr val="lt1"/>
+                    </a:solidFill>
+                    <a:latin typeface="+mn-lt"/>
+                    <a:ea typeface="+mn-ea"/>
+                    <a:cs typeface="+mn-cs"/>
+                  </a:defRPr>
+                </a:lvl2pPr>
+                <a:lvl3pPr marL="914400" indent="0" algn="l" defTabSz="914400" rtl="0" eaLnBrk="1" latinLnBrk="0" hangingPunct="1">
+                  <a:defRPr sz="1800" kern="1200">
+                    <a:solidFill>
+                      <a:schemeClr val="lt1"/>
+                    </a:solidFill>
+                    <a:latin typeface="+mn-lt"/>
+                    <a:ea typeface="+mn-ea"/>
+                    <a:cs typeface="+mn-cs"/>
+                  </a:defRPr>
+                </a:lvl3pPr>
+                <a:lvl4pPr marL="1371600" indent="0" algn="l" defTabSz="914400" rtl="0" eaLnBrk="1" latinLnBrk="0" hangingPunct="1">
+                  <a:defRPr sz="1800" kern="1200">
+                    <a:solidFill>
+                      <a:schemeClr val="lt1"/>
+                    </a:solidFill>
+                    <a:latin typeface="+mn-lt"/>
+                    <a:ea typeface="+mn-ea"/>
+                    <a:cs typeface="+mn-cs"/>
+                  </a:defRPr>
+                </a:lvl4pPr>
+                <a:lvl5pPr marL="1828800" indent="0" algn="l" defTabSz="914400" rtl="0" eaLnBrk="1" latinLnBrk="0" hangingPunct="1">
+                  <a:defRPr sz="1800" kern="1200">
+                    <a:solidFill>
+                      <a:schemeClr val="lt1"/>
+                    </a:solidFill>
+                    <a:latin typeface="+mn-lt"/>
+                    <a:ea typeface="+mn-ea"/>
+                    <a:cs typeface="+mn-cs"/>
+                  </a:defRPr>
+                </a:lvl5pPr>
+                <a:lvl6pPr marL="2286000" indent="0" algn="l" defTabSz="914400" rtl="0" eaLnBrk="1" latinLnBrk="0" hangingPunct="1">
+                  <a:defRPr sz="1800" kern="1200">
+                    <a:solidFill>
+                      <a:schemeClr val="lt1"/>
+                    </a:solidFill>
+                    <a:latin typeface="+mn-lt"/>
+                    <a:ea typeface="+mn-ea"/>
+                    <a:cs typeface="+mn-cs"/>
+                  </a:defRPr>
+                </a:lvl6pPr>
+                <a:lvl7pPr marL="2743200" indent="0" algn="l" defTabSz="914400" rtl="0" eaLnBrk="1" latinLnBrk="0" hangingPunct="1">
+                  <a:defRPr sz="1800" kern="1200">
+                    <a:solidFill>
+                      <a:schemeClr val="lt1"/>
+                    </a:solidFill>
+                    <a:latin typeface="+mn-lt"/>
+                    <a:ea typeface="+mn-ea"/>
+                    <a:cs typeface="+mn-cs"/>
+                  </a:defRPr>
+                </a:lvl7pPr>
+                <a:lvl8pPr marL="3200400" indent="0" algn="l" defTabSz="914400" rtl="0" eaLnBrk="1" latinLnBrk="0" hangingPunct="1">
+                  <a:defRPr sz="1800" kern="1200">
+                    <a:solidFill>
+                      <a:schemeClr val="lt1"/>
+                    </a:solidFill>
+                    <a:latin typeface="+mn-lt"/>
+                    <a:ea typeface="+mn-ea"/>
+                    <a:cs typeface="+mn-cs"/>
+                  </a:defRPr>
+                </a:lvl8pPr>
+                <a:lvl9pPr marL="3657600" indent="0" algn="l" defTabSz="914400" rtl="0" eaLnBrk="1" latinLnBrk="0" hangingPunct="1">
+                  <a:defRPr sz="1800" kern="1200">
+                    <a:solidFill>
+                      <a:schemeClr val="lt1"/>
+                    </a:solidFill>
+                    <a:latin typeface="+mn-lt"/>
+                    <a:ea typeface="+mn-ea"/>
+                    <a:cs typeface="+mn-cs"/>
+                  </a:defRPr>
+                </a:lvl9pPr>
+              </a:lstStyle>
+              <a:p>
+                <a:pPr algn="ctr"/>
+                <a:r>
+                  <a:rPr lang="en-US" sz="800" b="1" i="0" u="none" strike="noStrike" dirty="0">
+                    <a:solidFill>
+                      <a:srgbClr val="44B3E1"/>
+                    </a:solidFill>
+                    <a:latin typeface="Aptos Narrow"/>
+                  </a:rPr>
+                  <a:t>-</a:t>
+                </a:r>
+                <a:endParaRPr lang="pt-BR" sz="800" dirty="0">
+                  <a:solidFill>
+                    <a:srgbClr val="44B3E1"/>
+                  </a:solidFill>
+                </a:endParaRPr>
+              </a:p>
+            </p:txBody>
+          </p:sp>
+        </p:grpSp>
+        <p:grpSp>
+          <p:nvGrpSpPr>
+            <p:cNvPr id="25" name="Group 24">
+              <a:extLst>
+                <a:ext uri="{FF2B5EF4-FFF2-40B4-BE49-F238E27FC236}">
+                  <a16:creationId xmlns:a16="http://schemas.microsoft.com/office/drawing/2014/main" id="{75A5401E-2F6B-5736-79C1-4A432EBCC9C2}"/>
+                </a:ext>
+              </a:extLst>
+            </p:cNvPr>
+            <p:cNvGrpSpPr/>
+            <p:nvPr/>
+          </p:nvGrpSpPr>
+          <p:grpSpPr>
+            <a:xfrm>
+              <a:off x="6062137" y="4854365"/>
+              <a:ext cx="1793708" cy="552609"/>
+              <a:chOff x="5820452" y="4348597"/>
+              <a:chExt cx="2251495" cy="698740"/>
+            </a:xfrm>
+          </p:grpSpPr>
+          <p:sp>
+            <p:nvSpPr>
+              <p:cNvPr id="46" name="shape_header_volume_por_viagem">
+                <a:extLst>
+                  <a:ext uri="{FF2B5EF4-FFF2-40B4-BE49-F238E27FC236}">
+                    <a16:creationId xmlns:a16="http://schemas.microsoft.com/office/drawing/2014/main" id="{6AD25F49-9F3C-AC1E-A44A-5AAA1DD93A54}"/>
+                  </a:ext>
+                </a:extLst>
+              </p:cNvPr>
+              <p:cNvSpPr/>
+              <p:nvPr/>
+            </p:nvSpPr>
+            <p:spPr>
+              <a:xfrm>
+                <a:off x="5820452" y="4348597"/>
+                <a:ext cx="2251495" cy="319176"/>
+              </a:xfrm>
+              <a:prstGeom prst="roundRect">
+                <a:avLst>
+                  <a:gd name="adj" fmla="val 0"/>
+                </a:avLst>
+              </a:prstGeom>
+              <a:solidFill>
+                <a:srgbClr val="215C98"/>
+              </a:solidFill>
+              <a:ln w="12700">
+                <a:solidFill>
+                  <a:schemeClr val="bg1">
+                    <a:lumMod val="65000"/>
+                  </a:schemeClr>
+                </a:solidFill>
+              </a:ln>
+            </p:spPr>
+            <p:style>
+              <a:lnRef idx="2">
+                <a:schemeClr val="accent1">
+                  <a:shade val="15000"/>
+                </a:schemeClr>
+              </a:lnRef>
+              <a:fillRef idx="1">
+                <a:schemeClr val="accent1"/>
+              </a:fillRef>
+              <a:effectRef idx="0">
+                <a:schemeClr val="accent1"/>
+              </a:effectRef>
+              <a:fontRef idx="minor">
+                <a:schemeClr val="lt1"/>
+              </a:fontRef>
+            </p:style>
+            <p:txBody>
+              <a:bodyPr wrap="square" rtlCol="0" anchor="ctr"/>
+              <a:lstStyle>
+                <a:defPPr>
+                  <a:defRPr lang="pt-BR"/>
+                </a:defPPr>
+                <a:lvl1pPr marL="0" indent="0" algn="l" defTabSz="914400" rtl="0" eaLnBrk="1" latinLnBrk="0" hangingPunct="1">
+                  <a:defRPr sz="1800" kern="1200">
+                    <a:solidFill>
+                      <a:schemeClr val="lt1"/>
+                    </a:solidFill>
+                    <a:latin typeface="+mn-lt"/>
+                    <a:ea typeface="+mn-ea"/>
+                    <a:cs typeface="+mn-cs"/>
+                  </a:defRPr>
+                </a:lvl1pPr>
+                <a:lvl2pPr marL="457200" indent="0" algn="l" defTabSz="914400" rtl="0" eaLnBrk="1" latinLnBrk="0" hangingPunct="1">
+                  <a:defRPr sz="1800" kern="1200">
+                    <a:solidFill>
+                      <a:schemeClr val="lt1"/>
+                    </a:solidFill>
+                    <a:latin typeface="+mn-lt"/>
+                    <a:ea typeface="+mn-ea"/>
+                    <a:cs typeface="+mn-cs"/>
+                  </a:defRPr>
+                </a:lvl2pPr>
+                <a:lvl3pPr marL="914400" indent="0" algn="l" defTabSz="914400" rtl="0" eaLnBrk="1" latinLnBrk="0" hangingPunct="1">
+                  <a:defRPr sz="1800" kern="1200">
+                    <a:solidFill>
+                      <a:schemeClr val="lt1"/>
+                    </a:solidFill>
+                    <a:latin typeface="+mn-lt"/>
+                    <a:ea typeface="+mn-ea"/>
+                    <a:cs typeface="+mn-cs"/>
+                  </a:defRPr>
+                </a:lvl3pPr>
+                <a:lvl4pPr marL="1371600" indent="0" algn="l" defTabSz="914400" rtl="0" eaLnBrk="1" latinLnBrk="0" hangingPunct="1">
+                  <a:defRPr sz="1800" kern="1200">
+                    <a:solidFill>
+                      <a:schemeClr val="lt1"/>
+                    </a:solidFill>
+                    <a:latin typeface="+mn-lt"/>
+                    <a:ea typeface="+mn-ea"/>
+                    <a:cs typeface="+mn-cs"/>
+                  </a:defRPr>
+                </a:lvl4pPr>
+                <a:lvl5pPr marL="1828800" indent="0" algn="l" defTabSz="914400" rtl="0" eaLnBrk="1" latinLnBrk="0" hangingPunct="1">
+                  <a:defRPr sz="1800" kern="1200">
+                    <a:solidFill>
+                      <a:schemeClr val="lt1"/>
+                    </a:solidFill>
+                    <a:latin typeface="+mn-lt"/>
+                    <a:ea typeface="+mn-ea"/>
+                    <a:cs typeface="+mn-cs"/>
+                  </a:defRPr>
+                </a:lvl5pPr>
+                <a:lvl6pPr marL="2286000" indent="0" algn="l" defTabSz="914400" rtl="0" eaLnBrk="1" latinLnBrk="0" hangingPunct="1">
+                  <a:defRPr sz="1800" kern="1200">
+                    <a:solidFill>
+                      <a:schemeClr val="lt1"/>
+                    </a:solidFill>
+                    <a:latin typeface="+mn-lt"/>
+                    <a:ea typeface="+mn-ea"/>
+                    <a:cs typeface="+mn-cs"/>
+                  </a:defRPr>
+                </a:lvl6pPr>
+                <a:lvl7pPr marL="2743200" indent="0" algn="l" defTabSz="914400" rtl="0" eaLnBrk="1" latinLnBrk="0" hangingPunct="1">
+                  <a:defRPr sz="1800" kern="1200">
+                    <a:solidFill>
+                      <a:schemeClr val="lt1"/>
+                    </a:solidFill>
+                    <a:latin typeface="+mn-lt"/>
+                    <a:ea typeface="+mn-ea"/>
+                    <a:cs typeface="+mn-cs"/>
+                  </a:defRPr>
+                </a:lvl7pPr>
+                <a:lvl8pPr marL="3200400" indent="0" algn="l" defTabSz="914400" rtl="0" eaLnBrk="1" latinLnBrk="0" hangingPunct="1">
+                  <a:defRPr sz="1800" kern="1200">
+                    <a:solidFill>
+                      <a:schemeClr val="lt1"/>
+                    </a:solidFill>
+                    <a:latin typeface="+mn-lt"/>
+                    <a:ea typeface="+mn-ea"/>
+                    <a:cs typeface="+mn-cs"/>
+                  </a:defRPr>
+                </a:lvl8pPr>
+                <a:lvl9pPr marL="3657600" indent="0" algn="l" defTabSz="914400" rtl="0" eaLnBrk="1" latinLnBrk="0" hangingPunct="1">
+                  <a:defRPr sz="1800" kern="1200">
+                    <a:solidFill>
+                      <a:schemeClr val="lt1"/>
+                    </a:solidFill>
+                    <a:latin typeface="+mn-lt"/>
+                    <a:ea typeface="+mn-ea"/>
+                    <a:cs typeface="+mn-cs"/>
+                  </a:defRPr>
+                </a:lvl9pPr>
+              </a:lstStyle>
+              <a:p>
+                <a:pPr algn="ctr"/>
+                <a:r>
+                  <a:rPr lang="pt-BR" sz="800" b="1" dirty="0"/>
+                  <a:t>VOLUME POR VIAGEM</a:t>
+                </a:r>
+              </a:p>
+            </p:txBody>
+          </p:sp>
+          <p:sp>
+            <p:nvSpPr>
+              <p:cNvPr id="47" name="shape_abs_volume_por_viagem">
+                <a:extLst>
+                  <a:ext uri="{FF2B5EF4-FFF2-40B4-BE49-F238E27FC236}">
+                    <a16:creationId xmlns:a16="http://schemas.microsoft.com/office/drawing/2014/main" id="{AE722031-A1EA-A81C-9666-A66A698BC135}"/>
+                  </a:ext>
+                </a:extLst>
+              </p:cNvPr>
+              <p:cNvSpPr/>
+              <p:nvPr/>
+            </p:nvSpPr>
+            <p:spPr>
+              <a:xfrm>
+                <a:off x="5820452" y="4667773"/>
+                <a:ext cx="1354347" cy="379564"/>
+              </a:xfrm>
+              <a:prstGeom prst="roundRect">
+                <a:avLst>
+                  <a:gd name="adj" fmla="val 0"/>
+                </a:avLst>
+              </a:prstGeom>
+              <a:solidFill>
+                <a:schemeClr val="bg1"/>
+              </a:solidFill>
+              <a:ln w="12700">
+                <a:solidFill>
+                  <a:schemeClr val="bg1">
+                    <a:lumMod val="65000"/>
+                  </a:schemeClr>
+                </a:solidFill>
+              </a:ln>
+            </p:spPr>
+            <p:style>
+              <a:lnRef idx="2">
+                <a:schemeClr val="accent1">
+                  <a:shade val="15000"/>
+                </a:schemeClr>
+              </a:lnRef>
+              <a:fillRef idx="1">
+                <a:schemeClr val="accent1"/>
+              </a:fillRef>
+              <a:effectRef idx="0">
+                <a:schemeClr val="accent1"/>
+              </a:effectRef>
+              <a:fontRef idx="minor">
+                <a:schemeClr val="lt1"/>
+              </a:fontRef>
+            </p:style>
+            <p:txBody>
+              <a:bodyPr wrap="square" rtlCol="0" anchor="ctr"/>
+              <a:lstStyle>
+                <a:defPPr>
+                  <a:defRPr lang="pt-BR"/>
+                </a:defPPr>
+                <a:lvl1pPr marL="0" indent="0" algn="l" defTabSz="914400" rtl="0" eaLnBrk="1" latinLnBrk="0" hangingPunct="1">
+                  <a:defRPr sz="1800" kern="1200">
+                    <a:solidFill>
+                      <a:schemeClr val="lt1"/>
+                    </a:solidFill>
+                    <a:latin typeface="+mn-lt"/>
+                    <a:ea typeface="+mn-ea"/>
+                    <a:cs typeface="+mn-cs"/>
+                  </a:defRPr>
+                </a:lvl1pPr>
+                <a:lvl2pPr marL="457200" indent="0" algn="l" defTabSz="914400" rtl="0" eaLnBrk="1" latinLnBrk="0" hangingPunct="1">
+                  <a:defRPr sz="1800" kern="1200">
+                    <a:solidFill>
+                      <a:schemeClr val="lt1"/>
+                    </a:solidFill>
+                    <a:latin typeface="+mn-lt"/>
+                    <a:ea typeface="+mn-ea"/>
+                    <a:cs typeface="+mn-cs"/>
+                  </a:defRPr>
+                </a:lvl2pPr>
+                <a:lvl3pPr marL="914400" indent="0" algn="l" defTabSz="914400" rtl="0" eaLnBrk="1" latinLnBrk="0" hangingPunct="1">
+                  <a:defRPr sz="1800" kern="1200">
+                    <a:solidFill>
+                      <a:schemeClr val="lt1"/>
+                    </a:solidFill>
+                    <a:latin typeface="+mn-lt"/>
+                    <a:ea typeface="+mn-ea"/>
+                    <a:cs typeface="+mn-cs"/>
+                  </a:defRPr>
+                </a:lvl3pPr>
+                <a:lvl4pPr marL="1371600" indent="0" algn="l" defTabSz="914400" rtl="0" eaLnBrk="1" latinLnBrk="0" hangingPunct="1">
+                  <a:defRPr sz="1800" kern="1200">
+                    <a:solidFill>
+                      <a:schemeClr val="lt1"/>
+                    </a:solidFill>
+                    <a:latin typeface="+mn-lt"/>
+                    <a:ea typeface="+mn-ea"/>
+                    <a:cs typeface="+mn-cs"/>
+                  </a:defRPr>
+                </a:lvl4pPr>
+                <a:lvl5pPr marL="1828800" indent="0" algn="l" defTabSz="914400" rtl="0" eaLnBrk="1" latinLnBrk="0" hangingPunct="1">
+                  <a:defRPr sz="1800" kern="1200">
+                    <a:solidFill>
+                      <a:schemeClr val="lt1"/>
+                    </a:solidFill>
+                    <a:latin typeface="+mn-lt"/>
+                    <a:ea typeface="+mn-ea"/>
+                    <a:cs typeface="+mn-cs"/>
+                  </a:defRPr>
+                </a:lvl5pPr>
+                <a:lvl6pPr marL="2286000" indent="0" algn="l" defTabSz="914400" rtl="0" eaLnBrk="1" latinLnBrk="0" hangingPunct="1">
+                  <a:defRPr sz="1800" kern="1200">
+                    <a:solidFill>
+                      <a:schemeClr val="lt1"/>
+                    </a:solidFill>
+                    <a:latin typeface="+mn-lt"/>
+                    <a:ea typeface="+mn-ea"/>
+                    <a:cs typeface="+mn-cs"/>
+                  </a:defRPr>
+                </a:lvl6pPr>
+                <a:lvl7pPr marL="2743200" indent="0" algn="l" defTabSz="914400" rtl="0" eaLnBrk="1" latinLnBrk="0" hangingPunct="1">
+                  <a:defRPr sz="1800" kern="1200">
+                    <a:solidFill>
+                      <a:schemeClr val="lt1"/>
+                    </a:solidFill>
+                    <a:latin typeface="+mn-lt"/>
+                    <a:ea typeface="+mn-ea"/>
+                    <a:cs typeface="+mn-cs"/>
+                  </a:defRPr>
+                </a:lvl7pPr>
+                <a:lvl8pPr marL="3200400" indent="0" algn="l" defTabSz="914400" rtl="0" eaLnBrk="1" latinLnBrk="0" hangingPunct="1">
+                  <a:defRPr sz="1800" kern="1200">
+                    <a:solidFill>
+                      <a:schemeClr val="lt1"/>
+                    </a:solidFill>
+                    <a:latin typeface="+mn-lt"/>
+                    <a:ea typeface="+mn-ea"/>
+                    <a:cs typeface="+mn-cs"/>
+                  </a:defRPr>
+                </a:lvl8pPr>
+                <a:lvl9pPr marL="3657600" indent="0" algn="l" defTabSz="914400" rtl="0" eaLnBrk="1" latinLnBrk="0" hangingPunct="1">
+                  <a:defRPr sz="1800" kern="1200">
+                    <a:solidFill>
+                      <a:schemeClr val="lt1"/>
+                    </a:solidFill>
+                    <a:latin typeface="+mn-lt"/>
+                    <a:ea typeface="+mn-ea"/>
+                    <a:cs typeface="+mn-cs"/>
+                  </a:defRPr>
+                </a:lvl9pPr>
+              </a:lstStyle>
+              <a:p>
+                <a:pPr algn="ctr"/>
+                <a:r>
+                  <a:rPr lang="en-US" sz="800" b="1" i="0" u="none" strike="noStrike" dirty="0">
+                    <a:solidFill>
+                      <a:srgbClr val="000000"/>
+                    </a:solidFill>
+                    <a:latin typeface="Aptos Narrow"/>
+                  </a:rPr>
+                  <a:t>-</a:t>
+                </a:r>
+                <a:endParaRPr lang="pt-BR" sz="800" dirty="0"/>
+              </a:p>
+            </p:txBody>
+          </p:sp>
+          <p:sp>
+            <p:nvSpPr>
+              <p:cNvPr id="48" name="shape_var_volume_por_viagem">
+                <a:extLst>
+                  <a:ext uri="{FF2B5EF4-FFF2-40B4-BE49-F238E27FC236}">
+                    <a16:creationId xmlns:a16="http://schemas.microsoft.com/office/drawing/2014/main" id="{74410259-9E85-4D58-931F-4407CFED98D9}"/>
+                  </a:ext>
+                </a:extLst>
+              </p:cNvPr>
+              <p:cNvSpPr/>
+              <p:nvPr/>
+            </p:nvSpPr>
+            <p:spPr>
+              <a:xfrm>
+                <a:off x="7174799" y="4667773"/>
+                <a:ext cx="897148" cy="379564"/>
+              </a:xfrm>
+              <a:prstGeom prst="roundRect">
+                <a:avLst>
+                  <a:gd name="adj" fmla="val 0"/>
+                </a:avLst>
+              </a:prstGeom>
+              <a:solidFill>
+                <a:schemeClr val="bg1"/>
+              </a:solidFill>
+              <a:ln w="12700">
+                <a:solidFill>
+                  <a:schemeClr val="bg1">
+                    <a:lumMod val="65000"/>
+                  </a:schemeClr>
+                </a:solidFill>
+              </a:ln>
+            </p:spPr>
+            <p:style>
+              <a:lnRef idx="2">
+                <a:schemeClr val="accent1">
+                  <a:shade val="15000"/>
+                </a:schemeClr>
+              </a:lnRef>
+              <a:fillRef idx="1">
+                <a:schemeClr val="accent1"/>
+              </a:fillRef>
+              <a:effectRef idx="0">
+                <a:schemeClr val="accent1"/>
+              </a:effectRef>
+              <a:fontRef idx="minor">
+                <a:schemeClr val="lt1"/>
+              </a:fontRef>
+            </p:style>
+            <p:txBody>
+              <a:bodyPr wrap="square" rtlCol="0" anchor="ctr"/>
+              <a:lstStyle>
+                <a:defPPr>
+                  <a:defRPr lang="pt-BR"/>
+                </a:defPPr>
+                <a:lvl1pPr marL="0" indent="0" algn="l" defTabSz="914400" rtl="0" eaLnBrk="1" latinLnBrk="0" hangingPunct="1">
+                  <a:defRPr sz="1800" kern="1200">
+                    <a:solidFill>
+                      <a:schemeClr val="lt1"/>
+                    </a:solidFill>
+                    <a:latin typeface="+mn-lt"/>
+                    <a:ea typeface="+mn-ea"/>
+                    <a:cs typeface="+mn-cs"/>
+                  </a:defRPr>
+                </a:lvl1pPr>
+                <a:lvl2pPr marL="457200" indent="0" algn="l" defTabSz="914400" rtl="0" eaLnBrk="1" latinLnBrk="0" hangingPunct="1">
+                  <a:defRPr sz="1800" kern="1200">
+                    <a:solidFill>
+                      <a:schemeClr val="lt1"/>
+                    </a:solidFill>
+                    <a:latin typeface="+mn-lt"/>
+                    <a:ea typeface="+mn-ea"/>
+                    <a:cs typeface="+mn-cs"/>
+                  </a:defRPr>
+                </a:lvl2pPr>
+                <a:lvl3pPr marL="914400" indent="0" algn="l" defTabSz="914400" rtl="0" eaLnBrk="1" latinLnBrk="0" hangingPunct="1">
+                  <a:defRPr sz="1800" kern="1200">
+                    <a:solidFill>
+                      <a:schemeClr val="lt1"/>
+                    </a:solidFill>
+                    <a:latin typeface="+mn-lt"/>
+                    <a:ea typeface="+mn-ea"/>
+                    <a:cs typeface="+mn-cs"/>
+                  </a:defRPr>
+                </a:lvl3pPr>
+                <a:lvl4pPr marL="1371600" indent="0" algn="l" defTabSz="914400" rtl="0" eaLnBrk="1" latinLnBrk="0" hangingPunct="1">
+                  <a:defRPr sz="1800" kern="1200">
+                    <a:solidFill>
+                      <a:schemeClr val="lt1"/>
+                    </a:solidFill>
+                    <a:latin typeface="+mn-lt"/>
+                    <a:ea typeface="+mn-ea"/>
+                    <a:cs typeface="+mn-cs"/>
+                  </a:defRPr>
+                </a:lvl4pPr>
+                <a:lvl5pPr marL="1828800" indent="0" algn="l" defTabSz="914400" rtl="0" eaLnBrk="1" latinLnBrk="0" hangingPunct="1">
+                  <a:defRPr sz="1800" kern="1200">
+                    <a:solidFill>
+                      <a:schemeClr val="lt1"/>
+                    </a:solidFill>
+                    <a:latin typeface="+mn-lt"/>
+                    <a:ea typeface="+mn-ea"/>
+                    <a:cs typeface="+mn-cs"/>
+                  </a:defRPr>
+                </a:lvl5pPr>
+                <a:lvl6pPr marL="2286000" indent="0" algn="l" defTabSz="914400" rtl="0" eaLnBrk="1" latinLnBrk="0" hangingPunct="1">
+                  <a:defRPr sz="1800" kern="1200">
+                    <a:solidFill>
+                      <a:schemeClr val="lt1"/>
+                    </a:solidFill>
+                    <a:latin typeface="+mn-lt"/>
+                    <a:ea typeface="+mn-ea"/>
+                    <a:cs typeface="+mn-cs"/>
+                  </a:defRPr>
+                </a:lvl6pPr>
+                <a:lvl7pPr marL="2743200" indent="0" algn="l" defTabSz="914400" rtl="0" eaLnBrk="1" latinLnBrk="0" hangingPunct="1">
+                  <a:defRPr sz="1800" kern="1200">
+                    <a:solidFill>
+                      <a:schemeClr val="lt1"/>
+                    </a:solidFill>
+                    <a:latin typeface="+mn-lt"/>
+                    <a:ea typeface="+mn-ea"/>
+                    <a:cs typeface="+mn-cs"/>
+                  </a:defRPr>
+                </a:lvl7pPr>
+                <a:lvl8pPr marL="3200400" indent="0" algn="l" defTabSz="914400" rtl="0" eaLnBrk="1" latinLnBrk="0" hangingPunct="1">
+                  <a:defRPr sz="1800" kern="1200">
+                    <a:solidFill>
+                      <a:schemeClr val="lt1"/>
+                    </a:solidFill>
+                    <a:latin typeface="+mn-lt"/>
+                    <a:ea typeface="+mn-ea"/>
+                    <a:cs typeface="+mn-cs"/>
+                  </a:defRPr>
+                </a:lvl8pPr>
+                <a:lvl9pPr marL="3657600" indent="0" algn="l" defTabSz="914400" rtl="0" eaLnBrk="1" latinLnBrk="0" hangingPunct="1">
+                  <a:defRPr sz="1800" kern="1200">
+                    <a:solidFill>
+                      <a:schemeClr val="lt1"/>
+                    </a:solidFill>
+                    <a:latin typeface="+mn-lt"/>
+                    <a:ea typeface="+mn-ea"/>
+                    <a:cs typeface="+mn-cs"/>
+                  </a:defRPr>
+                </a:lvl9pPr>
+              </a:lstStyle>
+              <a:p>
+                <a:pPr algn="ctr"/>
+                <a:r>
+                  <a:rPr lang="en-US" sz="800" b="1" i="0" u="none" strike="noStrike" dirty="0">
+                    <a:solidFill>
+                      <a:srgbClr val="44B3E1"/>
+                    </a:solidFill>
+                    <a:latin typeface="Aptos Narrow"/>
+                  </a:rPr>
+                  <a:t>-</a:t>
+                </a:r>
+                <a:endParaRPr lang="pt-BR" sz="800" dirty="0">
+                  <a:solidFill>
+                    <a:srgbClr val="44B3E1"/>
+                  </a:solidFill>
+                </a:endParaRPr>
+              </a:p>
+            </p:txBody>
+          </p:sp>
+        </p:grpSp>
+        <p:grpSp>
+          <p:nvGrpSpPr>
+            <p:cNvPr id="26" name="Group 25">
+              <a:extLst>
+                <a:ext uri="{FF2B5EF4-FFF2-40B4-BE49-F238E27FC236}">
+                  <a16:creationId xmlns:a16="http://schemas.microsoft.com/office/drawing/2014/main" id="{1DAFC556-274A-D7FA-D78D-D48907FC1BE6}"/>
+                </a:ext>
+              </a:extLst>
+            </p:cNvPr>
+            <p:cNvGrpSpPr/>
+            <p:nvPr/>
+          </p:nvGrpSpPr>
+          <p:grpSpPr>
+            <a:xfrm>
+              <a:off x="4155878" y="4854365"/>
+              <a:ext cx="1793708" cy="552609"/>
+              <a:chOff x="3945650" y="4348597"/>
+              <a:chExt cx="2251495" cy="698740"/>
+            </a:xfrm>
+          </p:grpSpPr>
+          <p:sp>
+            <p:nvSpPr>
+              <p:cNvPr id="43" name="shape_header_frequencia">
+                <a:extLst>
+                  <a:ext uri="{FF2B5EF4-FFF2-40B4-BE49-F238E27FC236}">
+                    <a16:creationId xmlns:a16="http://schemas.microsoft.com/office/drawing/2014/main" id="{73792DB7-095B-EDD0-4F2C-EE36CCD34CD5}"/>
+                  </a:ext>
+                </a:extLst>
+              </p:cNvPr>
+              <p:cNvSpPr/>
+              <p:nvPr/>
+            </p:nvSpPr>
+            <p:spPr>
+              <a:xfrm>
+                <a:off x="3945650" y="4348597"/>
+                <a:ext cx="2251495" cy="319176"/>
+              </a:xfrm>
+              <a:prstGeom prst="roundRect">
+                <a:avLst>
+                  <a:gd name="adj" fmla="val 0"/>
+                </a:avLst>
+              </a:prstGeom>
+              <a:solidFill>
+                <a:srgbClr val="00B0F0"/>
+              </a:solidFill>
+              <a:ln w="12700">
+                <a:solidFill>
+                  <a:schemeClr val="bg1">
+                    <a:lumMod val="65000"/>
+                  </a:schemeClr>
+                </a:solidFill>
+              </a:ln>
+            </p:spPr>
+            <p:style>
+              <a:lnRef idx="2">
+                <a:schemeClr val="accent1">
+                  <a:shade val="15000"/>
+                </a:schemeClr>
+              </a:lnRef>
+              <a:fillRef idx="1">
+                <a:schemeClr val="accent1"/>
+              </a:fillRef>
+              <a:effectRef idx="0">
+                <a:schemeClr val="accent1"/>
+              </a:effectRef>
+              <a:fontRef idx="minor">
+                <a:schemeClr val="lt1"/>
+              </a:fontRef>
+            </p:style>
+            <p:txBody>
+              <a:bodyPr wrap="square" rtlCol="0" anchor="ctr"/>
+              <a:lstStyle>
+                <a:defPPr>
+                  <a:defRPr lang="pt-BR"/>
+                </a:defPPr>
+                <a:lvl1pPr marL="0" indent="0" algn="l" defTabSz="914400" rtl="0" eaLnBrk="1" latinLnBrk="0" hangingPunct="1">
+                  <a:defRPr sz="1800" kern="1200">
+                    <a:solidFill>
+                      <a:schemeClr val="lt1"/>
+                    </a:solidFill>
+                    <a:latin typeface="+mn-lt"/>
+                    <a:ea typeface="+mn-ea"/>
+                    <a:cs typeface="+mn-cs"/>
+                  </a:defRPr>
+                </a:lvl1pPr>
+                <a:lvl2pPr marL="457200" indent="0" algn="l" defTabSz="914400" rtl="0" eaLnBrk="1" latinLnBrk="0" hangingPunct="1">
+                  <a:defRPr sz="1800" kern="1200">
+                    <a:solidFill>
+                      <a:schemeClr val="lt1"/>
+                    </a:solidFill>
+                    <a:latin typeface="+mn-lt"/>
+                    <a:ea typeface="+mn-ea"/>
+                    <a:cs typeface="+mn-cs"/>
+                  </a:defRPr>
+                </a:lvl2pPr>
+                <a:lvl3pPr marL="914400" indent="0" algn="l" defTabSz="914400" rtl="0" eaLnBrk="1" latinLnBrk="0" hangingPunct="1">
+                  <a:defRPr sz="1800" kern="1200">
+                    <a:solidFill>
+                      <a:schemeClr val="lt1"/>
+                    </a:solidFill>
+                    <a:latin typeface="+mn-lt"/>
+                    <a:ea typeface="+mn-ea"/>
+                    <a:cs typeface="+mn-cs"/>
+                  </a:defRPr>
+                </a:lvl3pPr>
+                <a:lvl4pPr marL="1371600" indent="0" algn="l" defTabSz="914400" rtl="0" eaLnBrk="1" latinLnBrk="0" hangingPunct="1">
+                  <a:defRPr sz="1800" kern="1200">
+                    <a:solidFill>
+                      <a:schemeClr val="lt1"/>
+                    </a:solidFill>
+                    <a:latin typeface="+mn-lt"/>
+                    <a:ea typeface="+mn-ea"/>
+                    <a:cs typeface="+mn-cs"/>
+                  </a:defRPr>
+                </a:lvl4pPr>
+                <a:lvl5pPr marL="1828800" indent="0" algn="l" defTabSz="914400" rtl="0" eaLnBrk="1" latinLnBrk="0" hangingPunct="1">
+                  <a:defRPr sz="1800" kern="1200">
+                    <a:solidFill>
+                      <a:schemeClr val="lt1"/>
+                    </a:solidFill>
+                    <a:latin typeface="+mn-lt"/>
+                    <a:ea typeface="+mn-ea"/>
+                    <a:cs typeface="+mn-cs"/>
+                  </a:defRPr>
+                </a:lvl5pPr>
+                <a:lvl6pPr marL="2286000" indent="0" algn="l" defTabSz="914400" rtl="0" eaLnBrk="1" latinLnBrk="0" hangingPunct="1">
+                  <a:defRPr sz="1800" kern="1200">
+                    <a:solidFill>
+                      <a:schemeClr val="lt1"/>
+                    </a:solidFill>
+                    <a:latin typeface="+mn-lt"/>
+                    <a:ea typeface="+mn-ea"/>
+                    <a:cs typeface="+mn-cs"/>
+                  </a:defRPr>
+                </a:lvl6pPr>
+                <a:lvl7pPr marL="2743200" indent="0" algn="l" defTabSz="914400" rtl="0" eaLnBrk="1" latinLnBrk="0" hangingPunct="1">
+                  <a:defRPr sz="1800" kern="1200">
+                    <a:solidFill>
+                      <a:schemeClr val="lt1"/>
+                    </a:solidFill>
+                    <a:latin typeface="+mn-lt"/>
+                    <a:ea typeface="+mn-ea"/>
+                    <a:cs typeface="+mn-cs"/>
+                  </a:defRPr>
+                </a:lvl7pPr>
+                <a:lvl8pPr marL="3200400" indent="0" algn="l" defTabSz="914400" rtl="0" eaLnBrk="1" latinLnBrk="0" hangingPunct="1">
+                  <a:defRPr sz="1800" kern="1200">
+                    <a:solidFill>
+                      <a:schemeClr val="lt1"/>
+                    </a:solidFill>
+                    <a:latin typeface="+mn-lt"/>
+                    <a:ea typeface="+mn-ea"/>
+                    <a:cs typeface="+mn-cs"/>
+                  </a:defRPr>
+                </a:lvl8pPr>
+                <a:lvl9pPr marL="3657600" indent="0" algn="l" defTabSz="914400" rtl="0" eaLnBrk="1" latinLnBrk="0" hangingPunct="1">
+                  <a:defRPr sz="1800" kern="1200">
+                    <a:solidFill>
+                      <a:schemeClr val="lt1"/>
+                    </a:solidFill>
+                    <a:latin typeface="+mn-lt"/>
+                    <a:ea typeface="+mn-ea"/>
+                    <a:cs typeface="+mn-cs"/>
+                  </a:defRPr>
+                </a:lvl9pPr>
+              </a:lstStyle>
+              <a:p>
+                <a:pPr algn="ctr"/>
+                <a:r>
+                  <a:rPr lang="pt-BR" sz="800" b="1"/>
+                  <a:t>FREQUÊNCIA</a:t>
+                </a:r>
+              </a:p>
+            </p:txBody>
+          </p:sp>
+          <p:sp>
+            <p:nvSpPr>
+              <p:cNvPr id="44" name="shape_abs_frequencia">
+                <a:extLst>
+                  <a:ext uri="{FF2B5EF4-FFF2-40B4-BE49-F238E27FC236}">
+                    <a16:creationId xmlns:a16="http://schemas.microsoft.com/office/drawing/2014/main" id="{4FBB8456-C789-E0A4-589C-7F3C9E07D519}"/>
+                  </a:ext>
+                </a:extLst>
+              </p:cNvPr>
+              <p:cNvSpPr/>
+              <p:nvPr/>
+            </p:nvSpPr>
+            <p:spPr>
+              <a:xfrm>
+                <a:off x="3945650" y="4667773"/>
+                <a:ext cx="1354347" cy="379564"/>
+              </a:xfrm>
+              <a:prstGeom prst="roundRect">
+                <a:avLst>
+                  <a:gd name="adj" fmla="val 0"/>
+                </a:avLst>
+              </a:prstGeom>
+              <a:solidFill>
+                <a:schemeClr val="bg1"/>
+              </a:solidFill>
+              <a:ln w="12700">
+                <a:solidFill>
+                  <a:schemeClr val="bg1">
+                    <a:lumMod val="65000"/>
+                  </a:schemeClr>
+                </a:solidFill>
+              </a:ln>
+            </p:spPr>
+            <p:style>
+              <a:lnRef idx="2">
+                <a:schemeClr val="accent1">
+                  <a:shade val="15000"/>
+                </a:schemeClr>
+              </a:lnRef>
+              <a:fillRef idx="1">
+                <a:schemeClr val="accent1"/>
+              </a:fillRef>
+              <a:effectRef idx="0">
+                <a:schemeClr val="accent1"/>
+              </a:effectRef>
+              <a:fontRef idx="minor">
+                <a:schemeClr val="lt1"/>
+              </a:fontRef>
+            </p:style>
+            <p:txBody>
+              <a:bodyPr wrap="square" rtlCol="0" anchor="ctr"/>
+              <a:lstStyle>
+                <a:defPPr>
+                  <a:defRPr lang="pt-BR"/>
+                </a:defPPr>
+                <a:lvl1pPr marL="0" indent="0" algn="l" defTabSz="914400" rtl="0" eaLnBrk="1" latinLnBrk="0" hangingPunct="1">
+                  <a:defRPr sz="1800" kern="1200">
+                    <a:solidFill>
+                      <a:schemeClr val="lt1"/>
+                    </a:solidFill>
+                    <a:latin typeface="+mn-lt"/>
+                    <a:ea typeface="+mn-ea"/>
+                    <a:cs typeface="+mn-cs"/>
+                  </a:defRPr>
+                </a:lvl1pPr>
+                <a:lvl2pPr marL="457200" indent="0" algn="l" defTabSz="914400" rtl="0" eaLnBrk="1" latinLnBrk="0" hangingPunct="1">
+                  <a:defRPr sz="1800" kern="1200">
+                    <a:solidFill>
+                      <a:schemeClr val="lt1"/>
+                    </a:solidFill>
+                    <a:latin typeface="+mn-lt"/>
+                    <a:ea typeface="+mn-ea"/>
+                    <a:cs typeface="+mn-cs"/>
+                  </a:defRPr>
+                </a:lvl2pPr>
+                <a:lvl3pPr marL="914400" indent="0" algn="l" defTabSz="914400" rtl="0" eaLnBrk="1" latinLnBrk="0" hangingPunct="1">
+                  <a:defRPr sz="1800" kern="1200">
+                    <a:solidFill>
+                      <a:schemeClr val="lt1"/>
+                    </a:solidFill>
+                    <a:latin typeface="+mn-lt"/>
+                    <a:ea typeface="+mn-ea"/>
+                    <a:cs typeface="+mn-cs"/>
+                  </a:defRPr>
+                </a:lvl3pPr>
+                <a:lvl4pPr marL="1371600" indent="0" algn="l" defTabSz="914400" rtl="0" eaLnBrk="1" latinLnBrk="0" hangingPunct="1">
+                  <a:defRPr sz="1800" kern="1200">
+                    <a:solidFill>
+                      <a:schemeClr val="lt1"/>
+                    </a:solidFill>
+                    <a:latin typeface="+mn-lt"/>
+                    <a:ea typeface="+mn-ea"/>
+                    <a:cs typeface="+mn-cs"/>
+                  </a:defRPr>
+                </a:lvl4pPr>
+                <a:lvl5pPr marL="1828800" indent="0" algn="l" defTabSz="914400" rtl="0" eaLnBrk="1" latinLnBrk="0" hangingPunct="1">
+                  <a:defRPr sz="1800" kern="1200">
+                    <a:solidFill>
+                      <a:schemeClr val="lt1"/>
+                    </a:solidFill>
+                    <a:latin typeface="+mn-lt"/>
+                    <a:ea typeface="+mn-ea"/>
+                    <a:cs typeface="+mn-cs"/>
+                  </a:defRPr>
+                </a:lvl5pPr>
+                <a:lvl6pPr marL="2286000" indent="0" algn="l" defTabSz="914400" rtl="0" eaLnBrk="1" latinLnBrk="0" hangingPunct="1">
+                  <a:defRPr sz="1800" kern="1200">
+                    <a:solidFill>
+                      <a:schemeClr val="lt1"/>
+                    </a:solidFill>
+                    <a:latin typeface="+mn-lt"/>
+                    <a:ea typeface="+mn-ea"/>
+                    <a:cs typeface="+mn-cs"/>
+                  </a:defRPr>
+                </a:lvl6pPr>
+                <a:lvl7pPr marL="2743200" indent="0" algn="l" defTabSz="914400" rtl="0" eaLnBrk="1" latinLnBrk="0" hangingPunct="1">
+                  <a:defRPr sz="1800" kern="1200">
+                    <a:solidFill>
+                      <a:schemeClr val="lt1"/>
+                    </a:solidFill>
+                    <a:latin typeface="+mn-lt"/>
+                    <a:ea typeface="+mn-ea"/>
+                    <a:cs typeface="+mn-cs"/>
+                  </a:defRPr>
+                </a:lvl7pPr>
+                <a:lvl8pPr marL="3200400" indent="0" algn="l" defTabSz="914400" rtl="0" eaLnBrk="1" latinLnBrk="0" hangingPunct="1">
+                  <a:defRPr sz="1800" kern="1200">
+                    <a:solidFill>
+                      <a:schemeClr val="lt1"/>
+                    </a:solidFill>
+                    <a:latin typeface="+mn-lt"/>
+                    <a:ea typeface="+mn-ea"/>
+                    <a:cs typeface="+mn-cs"/>
+                  </a:defRPr>
+                </a:lvl8pPr>
+                <a:lvl9pPr marL="3657600" indent="0" algn="l" defTabSz="914400" rtl="0" eaLnBrk="1" latinLnBrk="0" hangingPunct="1">
+                  <a:defRPr sz="1800" kern="1200">
+                    <a:solidFill>
+                      <a:schemeClr val="lt1"/>
+                    </a:solidFill>
+                    <a:latin typeface="+mn-lt"/>
+                    <a:ea typeface="+mn-ea"/>
+                    <a:cs typeface="+mn-cs"/>
+                  </a:defRPr>
+                </a:lvl9pPr>
+              </a:lstStyle>
+              <a:p>
+                <a:pPr algn="ctr"/>
+                <a:r>
+                  <a:rPr lang="en-US" sz="800" b="1" i="0" u="none" strike="noStrike" dirty="0">
+                    <a:solidFill>
+                      <a:srgbClr val="000000"/>
+                    </a:solidFill>
+                    <a:latin typeface="Aptos Narrow"/>
+                  </a:rPr>
+                  <a:t>-</a:t>
+                </a:r>
+                <a:endParaRPr lang="pt-BR" sz="800" dirty="0"/>
+              </a:p>
+            </p:txBody>
+          </p:sp>
+          <p:sp>
+            <p:nvSpPr>
+              <p:cNvPr id="45" name="shape_var_frequencia">
+                <a:extLst>
+                  <a:ext uri="{FF2B5EF4-FFF2-40B4-BE49-F238E27FC236}">
+                    <a16:creationId xmlns:a16="http://schemas.microsoft.com/office/drawing/2014/main" id="{CCF0FC2B-DF5B-F288-2D25-310490729430}"/>
+                  </a:ext>
+                </a:extLst>
+              </p:cNvPr>
+              <p:cNvSpPr/>
+              <p:nvPr/>
+            </p:nvSpPr>
+            <p:spPr>
+              <a:xfrm>
+                <a:off x="5299997" y="4667773"/>
+                <a:ext cx="897148" cy="379564"/>
+              </a:xfrm>
+              <a:prstGeom prst="roundRect">
+                <a:avLst>
+                  <a:gd name="adj" fmla="val 0"/>
+                </a:avLst>
+              </a:prstGeom>
+              <a:solidFill>
+                <a:schemeClr val="bg1"/>
+              </a:solidFill>
+              <a:ln w="12700">
+                <a:solidFill>
+                  <a:schemeClr val="bg1">
+                    <a:lumMod val="65000"/>
+                  </a:schemeClr>
+                </a:solidFill>
+              </a:ln>
+            </p:spPr>
+            <p:style>
+              <a:lnRef idx="2">
+                <a:schemeClr val="accent1">
+                  <a:shade val="15000"/>
+                </a:schemeClr>
+              </a:lnRef>
+              <a:fillRef idx="1">
+                <a:schemeClr val="accent1"/>
+              </a:fillRef>
+              <a:effectRef idx="0">
+                <a:schemeClr val="accent1"/>
+              </a:effectRef>
+              <a:fontRef idx="minor">
+                <a:schemeClr val="lt1"/>
+              </a:fontRef>
+            </p:style>
+            <p:txBody>
+              <a:bodyPr wrap="square" rtlCol="0" anchor="ctr"/>
+              <a:lstStyle>
+                <a:defPPr>
+                  <a:defRPr lang="pt-BR"/>
+                </a:defPPr>
+                <a:lvl1pPr marL="0" indent="0" algn="l" defTabSz="914400" rtl="0" eaLnBrk="1" latinLnBrk="0" hangingPunct="1">
+                  <a:defRPr sz="1800" kern="1200">
+                    <a:solidFill>
+                      <a:schemeClr val="lt1"/>
+                    </a:solidFill>
+                    <a:latin typeface="+mn-lt"/>
+                    <a:ea typeface="+mn-ea"/>
+                    <a:cs typeface="+mn-cs"/>
+                  </a:defRPr>
+                </a:lvl1pPr>
+                <a:lvl2pPr marL="457200" indent="0" algn="l" defTabSz="914400" rtl="0" eaLnBrk="1" latinLnBrk="0" hangingPunct="1">
+                  <a:defRPr sz="1800" kern="1200">
+                    <a:solidFill>
+                      <a:schemeClr val="lt1"/>
+                    </a:solidFill>
+                    <a:latin typeface="+mn-lt"/>
+                    <a:ea typeface="+mn-ea"/>
+                    <a:cs typeface="+mn-cs"/>
+                  </a:defRPr>
+                </a:lvl2pPr>
+                <a:lvl3pPr marL="914400" indent="0" algn="l" defTabSz="914400" rtl="0" eaLnBrk="1" latinLnBrk="0" hangingPunct="1">
+                  <a:defRPr sz="1800" kern="1200">
+                    <a:solidFill>
+                      <a:schemeClr val="lt1"/>
+                    </a:solidFill>
+                    <a:latin typeface="+mn-lt"/>
+                    <a:ea typeface="+mn-ea"/>
+                    <a:cs typeface="+mn-cs"/>
+                  </a:defRPr>
+                </a:lvl3pPr>
+                <a:lvl4pPr marL="1371600" indent="0" algn="l" defTabSz="914400" rtl="0" eaLnBrk="1" latinLnBrk="0" hangingPunct="1">
+                  <a:defRPr sz="1800" kern="1200">
+                    <a:solidFill>
+                      <a:schemeClr val="lt1"/>
+                    </a:solidFill>
+                    <a:latin typeface="+mn-lt"/>
+                    <a:ea typeface="+mn-ea"/>
+                    <a:cs typeface="+mn-cs"/>
+                  </a:defRPr>
+                </a:lvl4pPr>
+                <a:lvl5pPr marL="1828800" indent="0" algn="l" defTabSz="914400" rtl="0" eaLnBrk="1" latinLnBrk="0" hangingPunct="1">
+                  <a:defRPr sz="1800" kern="1200">
+                    <a:solidFill>
+                      <a:schemeClr val="lt1"/>
+                    </a:solidFill>
+                    <a:latin typeface="+mn-lt"/>
+                    <a:ea typeface="+mn-ea"/>
+                    <a:cs typeface="+mn-cs"/>
+                  </a:defRPr>
+                </a:lvl5pPr>
+                <a:lvl6pPr marL="2286000" indent="0" algn="l" defTabSz="914400" rtl="0" eaLnBrk="1" latinLnBrk="0" hangingPunct="1">
+                  <a:defRPr sz="1800" kern="1200">
+                    <a:solidFill>
+                      <a:schemeClr val="lt1"/>
+                    </a:solidFill>
+                    <a:latin typeface="+mn-lt"/>
+                    <a:ea typeface="+mn-ea"/>
+                    <a:cs typeface="+mn-cs"/>
+                  </a:defRPr>
+                </a:lvl6pPr>
+                <a:lvl7pPr marL="2743200" indent="0" algn="l" defTabSz="914400" rtl="0" eaLnBrk="1" latinLnBrk="0" hangingPunct="1">
+                  <a:defRPr sz="1800" kern="1200">
+                    <a:solidFill>
+                      <a:schemeClr val="lt1"/>
+                    </a:solidFill>
+                    <a:latin typeface="+mn-lt"/>
+                    <a:ea typeface="+mn-ea"/>
+                    <a:cs typeface="+mn-cs"/>
+                  </a:defRPr>
+                </a:lvl7pPr>
+                <a:lvl8pPr marL="3200400" indent="0" algn="l" defTabSz="914400" rtl="0" eaLnBrk="1" latinLnBrk="0" hangingPunct="1">
+                  <a:defRPr sz="1800" kern="1200">
+                    <a:solidFill>
+                      <a:schemeClr val="lt1"/>
+                    </a:solidFill>
+                    <a:latin typeface="+mn-lt"/>
+                    <a:ea typeface="+mn-ea"/>
+                    <a:cs typeface="+mn-cs"/>
+                  </a:defRPr>
+                </a:lvl8pPr>
+                <a:lvl9pPr marL="3657600" indent="0" algn="l" defTabSz="914400" rtl="0" eaLnBrk="1" latinLnBrk="0" hangingPunct="1">
+                  <a:defRPr sz="1800" kern="1200">
+                    <a:solidFill>
+                      <a:schemeClr val="lt1"/>
+                    </a:solidFill>
+                    <a:latin typeface="+mn-lt"/>
+                    <a:ea typeface="+mn-ea"/>
+                    <a:cs typeface="+mn-cs"/>
+                  </a:defRPr>
+                </a:lvl9pPr>
+              </a:lstStyle>
+              <a:p>
+                <a:pPr algn="ctr"/>
+                <a:r>
+                  <a:rPr lang="en-US" sz="800" b="1" i="0" u="none" strike="noStrike" dirty="0">
+                    <a:solidFill>
+                      <a:srgbClr val="FF5757"/>
+                    </a:solidFill>
+                    <a:latin typeface="Aptos Narrow"/>
+                  </a:rPr>
+                  <a:t>-</a:t>
+                </a:r>
+                <a:endParaRPr lang="pt-BR" sz="800" dirty="0">
+                  <a:solidFill>
+                    <a:srgbClr val="FF5757"/>
+                  </a:solidFill>
+                </a:endParaRPr>
+              </a:p>
+            </p:txBody>
+          </p:sp>
+        </p:grpSp>
+        <p:grpSp>
+          <p:nvGrpSpPr>
+            <p:cNvPr id="27" name="Group 26">
+              <a:extLst>
+                <a:ext uri="{FF2B5EF4-FFF2-40B4-BE49-F238E27FC236}">
+                  <a16:creationId xmlns:a16="http://schemas.microsoft.com/office/drawing/2014/main" id="{D4CBAAC8-E1C9-856F-F586-8574C49B6BFC}"/>
+                </a:ext>
+              </a:extLst>
+            </p:cNvPr>
+            <p:cNvGrpSpPr/>
+            <p:nvPr/>
+          </p:nvGrpSpPr>
+          <p:grpSpPr>
+            <a:xfrm>
+              <a:off x="10243035" y="4852093"/>
+              <a:ext cx="1793708" cy="552609"/>
+              <a:chOff x="9932358" y="4345724"/>
+              <a:chExt cx="2251495" cy="698740"/>
+            </a:xfrm>
+          </p:grpSpPr>
+          <p:sp>
+            <p:nvSpPr>
+              <p:cNvPr id="40" name="shape_header_gasto_por_viagem">
+                <a:extLst>
+                  <a:ext uri="{FF2B5EF4-FFF2-40B4-BE49-F238E27FC236}">
+                    <a16:creationId xmlns:a16="http://schemas.microsoft.com/office/drawing/2014/main" id="{B5AB4158-1E59-CA20-B899-13E12362ADB9}"/>
+                  </a:ext>
+                </a:extLst>
+              </p:cNvPr>
+              <p:cNvSpPr/>
+              <p:nvPr/>
+            </p:nvSpPr>
+            <p:spPr>
+              <a:xfrm>
+                <a:off x="9932358" y="4345724"/>
+                <a:ext cx="2251495" cy="319176"/>
+              </a:xfrm>
+              <a:prstGeom prst="roundRect">
+                <a:avLst>
+                  <a:gd name="adj" fmla="val 0"/>
+                </a:avLst>
+              </a:prstGeom>
+              <a:solidFill>
+                <a:srgbClr val="7030A0"/>
+              </a:solidFill>
+              <a:ln w="12700">
+                <a:solidFill>
+                  <a:schemeClr val="bg1">
+                    <a:lumMod val="65000"/>
+                  </a:schemeClr>
+                </a:solidFill>
+              </a:ln>
+            </p:spPr>
+            <p:style>
+              <a:lnRef idx="2">
+                <a:schemeClr val="accent1">
+                  <a:shade val="15000"/>
+                </a:schemeClr>
+              </a:lnRef>
+              <a:fillRef idx="1">
+                <a:schemeClr val="accent1"/>
+              </a:fillRef>
+              <a:effectRef idx="0">
+                <a:schemeClr val="accent1"/>
+              </a:effectRef>
+              <a:fontRef idx="minor">
+                <a:schemeClr val="lt1"/>
+              </a:fontRef>
+            </p:style>
+            <p:txBody>
+              <a:bodyPr wrap="square" rtlCol="0" anchor="ctr"/>
+              <a:lstStyle>
+                <a:defPPr>
+                  <a:defRPr lang="pt-BR"/>
+                </a:defPPr>
+                <a:lvl1pPr marL="0" indent="0" algn="l" defTabSz="914400" rtl="0" eaLnBrk="1" latinLnBrk="0" hangingPunct="1">
+                  <a:defRPr sz="1800" kern="1200">
+                    <a:solidFill>
+                      <a:schemeClr val="lt1"/>
+                    </a:solidFill>
+                    <a:latin typeface="+mn-lt"/>
+                    <a:ea typeface="+mn-ea"/>
+                    <a:cs typeface="+mn-cs"/>
+                  </a:defRPr>
+                </a:lvl1pPr>
+                <a:lvl2pPr marL="457200" indent="0" algn="l" defTabSz="914400" rtl="0" eaLnBrk="1" latinLnBrk="0" hangingPunct="1">
+                  <a:defRPr sz="1800" kern="1200">
+                    <a:solidFill>
+                      <a:schemeClr val="lt1"/>
+                    </a:solidFill>
+                    <a:latin typeface="+mn-lt"/>
+                    <a:ea typeface="+mn-ea"/>
+                    <a:cs typeface="+mn-cs"/>
+                  </a:defRPr>
+                </a:lvl2pPr>
+                <a:lvl3pPr marL="914400" indent="0" algn="l" defTabSz="914400" rtl="0" eaLnBrk="1" latinLnBrk="0" hangingPunct="1">
+                  <a:defRPr sz="1800" kern="1200">
+                    <a:solidFill>
+                      <a:schemeClr val="lt1"/>
+                    </a:solidFill>
+                    <a:latin typeface="+mn-lt"/>
+                    <a:ea typeface="+mn-ea"/>
+                    <a:cs typeface="+mn-cs"/>
+                  </a:defRPr>
+                </a:lvl3pPr>
+                <a:lvl4pPr marL="1371600" indent="0" algn="l" defTabSz="914400" rtl="0" eaLnBrk="1" latinLnBrk="0" hangingPunct="1">
+                  <a:defRPr sz="1800" kern="1200">
+                    <a:solidFill>
+                      <a:schemeClr val="lt1"/>
+                    </a:solidFill>
+                    <a:latin typeface="+mn-lt"/>
+                    <a:ea typeface="+mn-ea"/>
+                    <a:cs typeface="+mn-cs"/>
+                  </a:defRPr>
+                </a:lvl4pPr>
+                <a:lvl5pPr marL="1828800" indent="0" algn="l" defTabSz="914400" rtl="0" eaLnBrk="1" latinLnBrk="0" hangingPunct="1">
+                  <a:defRPr sz="1800" kern="1200">
+                    <a:solidFill>
+                      <a:schemeClr val="lt1"/>
+                    </a:solidFill>
+                    <a:latin typeface="+mn-lt"/>
+                    <a:ea typeface="+mn-ea"/>
+                    <a:cs typeface="+mn-cs"/>
+                  </a:defRPr>
+                </a:lvl5pPr>
+                <a:lvl6pPr marL="2286000" indent="0" algn="l" defTabSz="914400" rtl="0" eaLnBrk="1" latinLnBrk="0" hangingPunct="1">
+                  <a:defRPr sz="1800" kern="1200">
+                    <a:solidFill>
+                      <a:schemeClr val="lt1"/>
+                    </a:solidFill>
+                    <a:latin typeface="+mn-lt"/>
+                    <a:ea typeface="+mn-ea"/>
+                    <a:cs typeface="+mn-cs"/>
+                  </a:defRPr>
+                </a:lvl6pPr>
+                <a:lvl7pPr marL="2743200" indent="0" algn="l" defTabSz="914400" rtl="0" eaLnBrk="1" latinLnBrk="0" hangingPunct="1">
+                  <a:defRPr sz="1800" kern="1200">
+                    <a:solidFill>
+                      <a:schemeClr val="lt1"/>
+                    </a:solidFill>
+                    <a:latin typeface="+mn-lt"/>
+                    <a:ea typeface="+mn-ea"/>
+                    <a:cs typeface="+mn-cs"/>
+                  </a:defRPr>
+                </a:lvl7pPr>
+                <a:lvl8pPr marL="3200400" indent="0" algn="l" defTabSz="914400" rtl="0" eaLnBrk="1" latinLnBrk="0" hangingPunct="1">
+                  <a:defRPr sz="1800" kern="1200">
+                    <a:solidFill>
+                      <a:schemeClr val="lt1"/>
+                    </a:solidFill>
+                    <a:latin typeface="+mn-lt"/>
+                    <a:ea typeface="+mn-ea"/>
+                    <a:cs typeface="+mn-cs"/>
+                  </a:defRPr>
+                </a:lvl8pPr>
+                <a:lvl9pPr marL="3657600" indent="0" algn="l" defTabSz="914400" rtl="0" eaLnBrk="1" latinLnBrk="0" hangingPunct="1">
+                  <a:defRPr sz="1800" kern="1200">
+                    <a:solidFill>
+                      <a:schemeClr val="lt1"/>
+                    </a:solidFill>
+                    <a:latin typeface="+mn-lt"/>
+                    <a:ea typeface="+mn-ea"/>
+                    <a:cs typeface="+mn-cs"/>
+                  </a:defRPr>
+                </a:lvl9pPr>
+              </a:lstStyle>
+              <a:p>
+                <a:pPr algn="ctr"/>
+                <a:r>
+                  <a:rPr lang="pt-BR" sz="800" b="1"/>
+                  <a:t>GASTO POR VIAGEM</a:t>
+                </a:r>
+              </a:p>
+            </p:txBody>
+          </p:sp>
+          <p:sp>
+            <p:nvSpPr>
+              <p:cNvPr id="41" name="shape_abs_gasto_por_viagem">
+                <a:extLst>
+                  <a:ext uri="{FF2B5EF4-FFF2-40B4-BE49-F238E27FC236}">
+                    <a16:creationId xmlns:a16="http://schemas.microsoft.com/office/drawing/2014/main" id="{A56ED166-1D83-E62F-1453-1EC77A855E24}"/>
+                  </a:ext>
+                </a:extLst>
+              </p:cNvPr>
+              <p:cNvSpPr/>
+              <p:nvPr/>
+            </p:nvSpPr>
+            <p:spPr>
+              <a:xfrm>
+                <a:off x="9932358" y="4664900"/>
+                <a:ext cx="1354347" cy="379564"/>
+              </a:xfrm>
+              <a:prstGeom prst="roundRect">
+                <a:avLst>
+                  <a:gd name="adj" fmla="val 0"/>
+                </a:avLst>
+              </a:prstGeom>
+              <a:solidFill>
+                <a:schemeClr val="bg1"/>
+              </a:solidFill>
+              <a:ln w="12700">
+                <a:solidFill>
+                  <a:schemeClr val="bg1">
+                    <a:lumMod val="65000"/>
+                  </a:schemeClr>
+                </a:solidFill>
+              </a:ln>
+            </p:spPr>
+            <p:style>
+              <a:lnRef idx="2">
+                <a:schemeClr val="accent1">
+                  <a:shade val="15000"/>
+                </a:schemeClr>
+              </a:lnRef>
+              <a:fillRef idx="1">
+                <a:schemeClr val="accent1"/>
+              </a:fillRef>
+              <a:effectRef idx="0">
+                <a:schemeClr val="accent1"/>
+              </a:effectRef>
+              <a:fontRef idx="minor">
+                <a:schemeClr val="lt1"/>
+              </a:fontRef>
+            </p:style>
+            <p:txBody>
+              <a:bodyPr wrap="square" rtlCol="0" anchor="ctr"/>
+              <a:lstStyle>
+                <a:defPPr>
+                  <a:defRPr lang="pt-BR"/>
+                </a:defPPr>
+                <a:lvl1pPr marL="0" indent="0" algn="l" defTabSz="914400" rtl="0" eaLnBrk="1" latinLnBrk="0" hangingPunct="1">
+                  <a:defRPr sz="1800" kern="1200">
+                    <a:solidFill>
+                      <a:schemeClr val="lt1"/>
+                    </a:solidFill>
+                    <a:latin typeface="+mn-lt"/>
+                    <a:ea typeface="+mn-ea"/>
+                    <a:cs typeface="+mn-cs"/>
+                  </a:defRPr>
+                </a:lvl1pPr>
+                <a:lvl2pPr marL="457200" indent="0" algn="l" defTabSz="914400" rtl="0" eaLnBrk="1" latinLnBrk="0" hangingPunct="1">
+                  <a:defRPr sz="1800" kern="1200">
+                    <a:solidFill>
+                      <a:schemeClr val="lt1"/>
+                    </a:solidFill>
+                    <a:latin typeface="+mn-lt"/>
+                    <a:ea typeface="+mn-ea"/>
+                    <a:cs typeface="+mn-cs"/>
+                  </a:defRPr>
+                </a:lvl2pPr>
+                <a:lvl3pPr marL="914400" indent="0" algn="l" defTabSz="914400" rtl="0" eaLnBrk="1" latinLnBrk="0" hangingPunct="1">
+                  <a:defRPr sz="1800" kern="1200">
+                    <a:solidFill>
+                      <a:schemeClr val="lt1"/>
+                    </a:solidFill>
+                    <a:latin typeface="+mn-lt"/>
+                    <a:ea typeface="+mn-ea"/>
+                    <a:cs typeface="+mn-cs"/>
+                  </a:defRPr>
+                </a:lvl3pPr>
+                <a:lvl4pPr marL="1371600" indent="0" algn="l" defTabSz="914400" rtl="0" eaLnBrk="1" latinLnBrk="0" hangingPunct="1">
+                  <a:defRPr sz="1800" kern="1200">
+                    <a:solidFill>
+                      <a:schemeClr val="lt1"/>
+                    </a:solidFill>
+                    <a:latin typeface="+mn-lt"/>
+                    <a:ea typeface="+mn-ea"/>
+                    <a:cs typeface="+mn-cs"/>
+                  </a:defRPr>
+                </a:lvl4pPr>
+                <a:lvl5pPr marL="1828800" indent="0" algn="l" defTabSz="914400" rtl="0" eaLnBrk="1" latinLnBrk="0" hangingPunct="1">
+                  <a:defRPr sz="1800" kern="1200">
+                    <a:solidFill>
+                      <a:schemeClr val="lt1"/>
+                    </a:solidFill>
+                    <a:latin typeface="+mn-lt"/>
+                    <a:ea typeface="+mn-ea"/>
+                    <a:cs typeface="+mn-cs"/>
+                  </a:defRPr>
+                </a:lvl5pPr>
+                <a:lvl6pPr marL="2286000" indent="0" algn="l" defTabSz="914400" rtl="0" eaLnBrk="1" latinLnBrk="0" hangingPunct="1">
+                  <a:defRPr sz="1800" kern="1200">
+                    <a:solidFill>
+                      <a:schemeClr val="lt1"/>
+                    </a:solidFill>
+                    <a:latin typeface="+mn-lt"/>
+                    <a:ea typeface="+mn-ea"/>
+                    <a:cs typeface="+mn-cs"/>
+                  </a:defRPr>
+                </a:lvl6pPr>
+                <a:lvl7pPr marL="2743200" indent="0" algn="l" defTabSz="914400" rtl="0" eaLnBrk="1" latinLnBrk="0" hangingPunct="1">
+                  <a:defRPr sz="1800" kern="1200">
+                    <a:solidFill>
+                      <a:schemeClr val="lt1"/>
+                    </a:solidFill>
+                    <a:latin typeface="+mn-lt"/>
+                    <a:ea typeface="+mn-ea"/>
+                    <a:cs typeface="+mn-cs"/>
+                  </a:defRPr>
+                </a:lvl7pPr>
+                <a:lvl8pPr marL="3200400" indent="0" algn="l" defTabSz="914400" rtl="0" eaLnBrk="1" latinLnBrk="0" hangingPunct="1">
+                  <a:defRPr sz="1800" kern="1200">
+                    <a:solidFill>
+                      <a:schemeClr val="lt1"/>
+                    </a:solidFill>
+                    <a:latin typeface="+mn-lt"/>
+                    <a:ea typeface="+mn-ea"/>
+                    <a:cs typeface="+mn-cs"/>
+                  </a:defRPr>
+                </a:lvl8pPr>
+                <a:lvl9pPr marL="3657600" indent="0" algn="l" defTabSz="914400" rtl="0" eaLnBrk="1" latinLnBrk="0" hangingPunct="1">
+                  <a:defRPr sz="1800" kern="1200">
+                    <a:solidFill>
+                      <a:schemeClr val="lt1"/>
+                    </a:solidFill>
+                    <a:latin typeface="+mn-lt"/>
+                    <a:ea typeface="+mn-ea"/>
+                    <a:cs typeface="+mn-cs"/>
+                  </a:defRPr>
+                </a:lvl9pPr>
+              </a:lstStyle>
+              <a:p>
+                <a:pPr algn="ctr"/>
+                <a:r>
+                  <a:rPr lang="en-US" sz="800" b="1" i="0" u="none" strike="noStrike" dirty="0">
+                    <a:solidFill>
+                      <a:srgbClr val="000000"/>
+                    </a:solidFill>
+                    <a:latin typeface="Aptos Narrow"/>
+                  </a:rPr>
+                  <a:t>-</a:t>
+                </a:r>
+                <a:endParaRPr lang="pt-BR" sz="800" dirty="0"/>
+              </a:p>
+            </p:txBody>
+          </p:sp>
+          <p:sp>
+            <p:nvSpPr>
+              <p:cNvPr id="42" name="shape_var_gasto_por_viagem">
+                <a:extLst>
+                  <a:ext uri="{FF2B5EF4-FFF2-40B4-BE49-F238E27FC236}">
+                    <a16:creationId xmlns:a16="http://schemas.microsoft.com/office/drawing/2014/main" id="{73847BAE-C220-715D-B352-A5E79CB5F62A}"/>
+                  </a:ext>
+                </a:extLst>
+              </p:cNvPr>
+              <p:cNvSpPr/>
+              <p:nvPr/>
+            </p:nvSpPr>
+            <p:spPr>
+              <a:xfrm>
+                <a:off x="11286705" y="4664900"/>
+                <a:ext cx="897148" cy="379564"/>
+              </a:xfrm>
+              <a:prstGeom prst="roundRect">
+                <a:avLst>
+                  <a:gd name="adj" fmla="val 0"/>
+                </a:avLst>
+              </a:prstGeom>
+              <a:solidFill>
+                <a:schemeClr val="bg1"/>
+              </a:solidFill>
+              <a:ln w="12700">
+                <a:solidFill>
+                  <a:schemeClr val="bg1">
+                    <a:lumMod val="65000"/>
+                  </a:schemeClr>
+                </a:solidFill>
+              </a:ln>
+            </p:spPr>
+            <p:style>
+              <a:lnRef idx="2">
+                <a:schemeClr val="accent1">
+                  <a:shade val="15000"/>
+                </a:schemeClr>
+              </a:lnRef>
+              <a:fillRef idx="1">
+                <a:schemeClr val="accent1"/>
+              </a:fillRef>
+              <a:effectRef idx="0">
+                <a:schemeClr val="accent1"/>
+              </a:effectRef>
+              <a:fontRef idx="minor">
+                <a:schemeClr val="lt1"/>
+              </a:fontRef>
+            </p:style>
+            <p:txBody>
+              <a:bodyPr wrap="square" rtlCol="0" anchor="ctr"/>
+              <a:lstStyle>
+                <a:defPPr>
+                  <a:defRPr lang="pt-BR"/>
+                </a:defPPr>
+                <a:lvl1pPr marL="0" indent="0" algn="l" defTabSz="914400" rtl="0" eaLnBrk="1" latinLnBrk="0" hangingPunct="1">
+                  <a:defRPr sz="1800" kern="1200">
+                    <a:solidFill>
+                      <a:schemeClr val="lt1"/>
+                    </a:solidFill>
+                    <a:latin typeface="+mn-lt"/>
+                    <a:ea typeface="+mn-ea"/>
+                    <a:cs typeface="+mn-cs"/>
+                  </a:defRPr>
+                </a:lvl1pPr>
+                <a:lvl2pPr marL="457200" indent="0" algn="l" defTabSz="914400" rtl="0" eaLnBrk="1" latinLnBrk="0" hangingPunct="1">
+                  <a:defRPr sz="1800" kern="1200">
+                    <a:solidFill>
+                      <a:schemeClr val="lt1"/>
+                    </a:solidFill>
+                    <a:latin typeface="+mn-lt"/>
+                    <a:ea typeface="+mn-ea"/>
+                    <a:cs typeface="+mn-cs"/>
+                  </a:defRPr>
+                </a:lvl2pPr>
+                <a:lvl3pPr marL="914400" indent="0" algn="l" defTabSz="914400" rtl="0" eaLnBrk="1" latinLnBrk="0" hangingPunct="1">
+                  <a:defRPr sz="1800" kern="1200">
+                    <a:solidFill>
+                      <a:schemeClr val="lt1"/>
+                    </a:solidFill>
+                    <a:latin typeface="+mn-lt"/>
+                    <a:ea typeface="+mn-ea"/>
+                    <a:cs typeface="+mn-cs"/>
+                  </a:defRPr>
+                </a:lvl3pPr>
+                <a:lvl4pPr marL="1371600" indent="0" algn="l" defTabSz="914400" rtl="0" eaLnBrk="1" latinLnBrk="0" hangingPunct="1">
+                  <a:defRPr sz="1800" kern="1200">
+                    <a:solidFill>
+                      <a:schemeClr val="lt1"/>
+                    </a:solidFill>
+                    <a:latin typeface="+mn-lt"/>
+                    <a:ea typeface="+mn-ea"/>
+                    <a:cs typeface="+mn-cs"/>
+                  </a:defRPr>
+                </a:lvl4pPr>
+                <a:lvl5pPr marL="1828800" indent="0" algn="l" defTabSz="914400" rtl="0" eaLnBrk="1" latinLnBrk="0" hangingPunct="1">
+                  <a:defRPr sz="1800" kern="1200">
+                    <a:solidFill>
+                      <a:schemeClr val="lt1"/>
+                    </a:solidFill>
+                    <a:latin typeface="+mn-lt"/>
+                    <a:ea typeface="+mn-ea"/>
+                    <a:cs typeface="+mn-cs"/>
+                  </a:defRPr>
+                </a:lvl5pPr>
+                <a:lvl6pPr marL="2286000" indent="0" algn="l" defTabSz="914400" rtl="0" eaLnBrk="1" latinLnBrk="0" hangingPunct="1">
+                  <a:defRPr sz="1800" kern="1200">
+                    <a:solidFill>
+                      <a:schemeClr val="lt1"/>
+                    </a:solidFill>
+                    <a:latin typeface="+mn-lt"/>
+                    <a:ea typeface="+mn-ea"/>
+                    <a:cs typeface="+mn-cs"/>
+                  </a:defRPr>
+                </a:lvl6pPr>
+                <a:lvl7pPr marL="2743200" indent="0" algn="l" defTabSz="914400" rtl="0" eaLnBrk="1" latinLnBrk="0" hangingPunct="1">
+                  <a:defRPr sz="1800" kern="1200">
+                    <a:solidFill>
+                      <a:schemeClr val="lt1"/>
+                    </a:solidFill>
+                    <a:latin typeface="+mn-lt"/>
+                    <a:ea typeface="+mn-ea"/>
+                    <a:cs typeface="+mn-cs"/>
+                  </a:defRPr>
+                </a:lvl7pPr>
+                <a:lvl8pPr marL="3200400" indent="0" algn="l" defTabSz="914400" rtl="0" eaLnBrk="1" latinLnBrk="0" hangingPunct="1">
+                  <a:defRPr sz="1800" kern="1200">
+                    <a:solidFill>
+                      <a:schemeClr val="lt1"/>
+                    </a:solidFill>
+                    <a:latin typeface="+mn-lt"/>
+                    <a:ea typeface="+mn-ea"/>
+                    <a:cs typeface="+mn-cs"/>
+                  </a:defRPr>
+                </a:lvl8pPr>
+                <a:lvl9pPr marL="3657600" indent="0" algn="l" defTabSz="914400" rtl="0" eaLnBrk="1" latinLnBrk="0" hangingPunct="1">
+                  <a:defRPr sz="1800" kern="1200">
+                    <a:solidFill>
+                      <a:schemeClr val="lt1"/>
+                    </a:solidFill>
+                    <a:latin typeface="+mn-lt"/>
+                    <a:ea typeface="+mn-ea"/>
+                    <a:cs typeface="+mn-cs"/>
+                  </a:defRPr>
+                </a:lvl9pPr>
+              </a:lstStyle>
+              <a:p>
+                <a:pPr algn="ctr"/>
+                <a:r>
+                  <a:rPr lang="en-US" sz="800" b="1" i="0" u="none" strike="noStrike" dirty="0">
+                    <a:solidFill>
+                      <a:srgbClr val="44B3E1"/>
+                    </a:solidFill>
+                    <a:latin typeface="Aptos Narrow"/>
+                  </a:rPr>
+                  <a:t>-</a:t>
+                </a:r>
+                <a:endParaRPr lang="pt-BR" sz="800" dirty="0">
+                  <a:solidFill>
+                    <a:srgbClr val="44B3E1"/>
+                  </a:solidFill>
+                </a:endParaRPr>
+              </a:p>
+            </p:txBody>
+          </p:sp>
+        </p:grpSp>
+        <p:grpSp>
+          <p:nvGrpSpPr>
+            <p:cNvPr id="28" name="Group 27">
+              <a:extLst>
+                <a:ext uri="{FF2B5EF4-FFF2-40B4-BE49-F238E27FC236}">
+                  <a16:creationId xmlns:a16="http://schemas.microsoft.com/office/drawing/2014/main" id="{D931877F-793E-B199-17BA-AF151F035171}"/>
+                </a:ext>
+              </a:extLst>
+            </p:cNvPr>
+            <p:cNvGrpSpPr/>
+            <p:nvPr/>
+          </p:nvGrpSpPr>
+          <p:grpSpPr>
+            <a:xfrm>
+              <a:off x="8336776" y="4852093"/>
+              <a:ext cx="1793708" cy="552609"/>
+              <a:chOff x="8057556" y="4345724"/>
+              <a:chExt cx="2251495" cy="698740"/>
+            </a:xfrm>
+          </p:grpSpPr>
+          <p:sp>
+            <p:nvSpPr>
+              <p:cNvPr id="37" name="shape_header_frequencia2">
+                <a:extLst>
+                  <a:ext uri="{FF2B5EF4-FFF2-40B4-BE49-F238E27FC236}">
+                    <a16:creationId xmlns:a16="http://schemas.microsoft.com/office/drawing/2014/main" id="{21BCAE57-035C-AC5A-D775-FE34769580C3}"/>
+                  </a:ext>
+                </a:extLst>
+              </p:cNvPr>
+              <p:cNvSpPr/>
+              <p:nvPr/>
+            </p:nvSpPr>
+            <p:spPr>
+              <a:xfrm>
+                <a:off x="8057556" y="4345724"/>
+                <a:ext cx="2251495" cy="319176"/>
+              </a:xfrm>
+              <a:prstGeom prst="roundRect">
+                <a:avLst>
+                  <a:gd name="adj" fmla="val 0"/>
+                </a:avLst>
+              </a:prstGeom>
+              <a:solidFill>
+                <a:srgbClr val="00B0F0"/>
+              </a:solidFill>
+              <a:ln w="12700">
+                <a:solidFill>
+                  <a:schemeClr val="bg1">
+                    <a:lumMod val="65000"/>
+                  </a:schemeClr>
+                </a:solidFill>
+              </a:ln>
+            </p:spPr>
+            <p:style>
+              <a:lnRef idx="2">
+                <a:schemeClr val="accent1">
+                  <a:shade val="15000"/>
+                </a:schemeClr>
+              </a:lnRef>
+              <a:fillRef idx="1">
+                <a:schemeClr val="accent1"/>
+              </a:fillRef>
+              <a:effectRef idx="0">
+                <a:schemeClr val="accent1"/>
+              </a:effectRef>
+              <a:fontRef idx="minor">
+                <a:schemeClr val="lt1"/>
+              </a:fontRef>
+            </p:style>
+            <p:txBody>
+              <a:bodyPr wrap="square" rtlCol="0" anchor="ctr"/>
+              <a:lstStyle>
+                <a:defPPr>
+                  <a:defRPr lang="pt-BR"/>
+                </a:defPPr>
+                <a:lvl1pPr marL="0" indent="0" algn="l" defTabSz="914400" rtl="0" eaLnBrk="1" latinLnBrk="0" hangingPunct="1">
+                  <a:defRPr sz="1800" kern="1200">
+                    <a:solidFill>
+                      <a:schemeClr val="lt1"/>
+                    </a:solidFill>
+                    <a:latin typeface="+mn-lt"/>
+                    <a:ea typeface="+mn-ea"/>
+                    <a:cs typeface="+mn-cs"/>
+                  </a:defRPr>
+                </a:lvl1pPr>
+                <a:lvl2pPr marL="457200" indent="0" algn="l" defTabSz="914400" rtl="0" eaLnBrk="1" latinLnBrk="0" hangingPunct="1">
+                  <a:defRPr sz="1800" kern="1200">
+                    <a:solidFill>
+                      <a:schemeClr val="lt1"/>
+                    </a:solidFill>
+                    <a:latin typeface="+mn-lt"/>
+                    <a:ea typeface="+mn-ea"/>
+                    <a:cs typeface="+mn-cs"/>
+                  </a:defRPr>
+                </a:lvl2pPr>
+                <a:lvl3pPr marL="914400" indent="0" algn="l" defTabSz="914400" rtl="0" eaLnBrk="1" latinLnBrk="0" hangingPunct="1">
+                  <a:defRPr sz="1800" kern="1200">
+                    <a:solidFill>
+                      <a:schemeClr val="lt1"/>
+                    </a:solidFill>
+                    <a:latin typeface="+mn-lt"/>
+                    <a:ea typeface="+mn-ea"/>
+                    <a:cs typeface="+mn-cs"/>
+                  </a:defRPr>
+                </a:lvl3pPr>
+                <a:lvl4pPr marL="1371600" indent="0" algn="l" defTabSz="914400" rtl="0" eaLnBrk="1" latinLnBrk="0" hangingPunct="1">
+                  <a:defRPr sz="1800" kern="1200">
+                    <a:solidFill>
+                      <a:schemeClr val="lt1"/>
+                    </a:solidFill>
+                    <a:latin typeface="+mn-lt"/>
+                    <a:ea typeface="+mn-ea"/>
+                    <a:cs typeface="+mn-cs"/>
+                  </a:defRPr>
+                </a:lvl4pPr>
+                <a:lvl5pPr marL="1828800" indent="0" algn="l" defTabSz="914400" rtl="0" eaLnBrk="1" latinLnBrk="0" hangingPunct="1">
+                  <a:defRPr sz="1800" kern="1200">
+                    <a:solidFill>
+                      <a:schemeClr val="lt1"/>
+                    </a:solidFill>
+                    <a:latin typeface="+mn-lt"/>
+                    <a:ea typeface="+mn-ea"/>
+                    <a:cs typeface="+mn-cs"/>
+                  </a:defRPr>
+                </a:lvl5pPr>
+                <a:lvl6pPr marL="2286000" indent="0" algn="l" defTabSz="914400" rtl="0" eaLnBrk="1" latinLnBrk="0" hangingPunct="1">
+                  <a:defRPr sz="1800" kern="1200">
+                    <a:solidFill>
+                      <a:schemeClr val="lt1"/>
+                    </a:solidFill>
+                    <a:latin typeface="+mn-lt"/>
+                    <a:ea typeface="+mn-ea"/>
+                    <a:cs typeface="+mn-cs"/>
+                  </a:defRPr>
+                </a:lvl6pPr>
+                <a:lvl7pPr marL="2743200" indent="0" algn="l" defTabSz="914400" rtl="0" eaLnBrk="1" latinLnBrk="0" hangingPunct="1">
+                  <a:defRPr sz="1800" kern="1200">
+                    <a:solidFill>
+                      <a:schemeClr val="lt1"/>
+                    </a:solidFill>
+                    <a:latin typeface="+mn-lt"/>
+                    <a:ea typeface="+mn-ea"/>
+                    <a:cs typeface="+mn-cs"/>
+                  </a:defRPr>
+                </a:lvl7pPr>
+                <a:lvl8pPr marL="3200400" indent="0" algn="l" defTabSz="914400" rtl="0" eaLnBrk="1" latinLnBrk="0" hangingPunct="1">
+                  <a:defRPr sz="1800" kern="1200">
+                    <a:solidFill>
+                      <a:schemeClr val="lt1"/>
+                    </a:solidFill>
+                    <a:latin typeface="+mn-lt"/>
+                    <a:ea typeface="+mn-ea"/>
+                    <a:cs typeface="+mn-cs"/>
+                  </a:defRPr>
+                </a:lvl8pPr>
+                <a:lvl9pPr marL="3657600" indent="0" algn="l" defTabSz="914400" rtl="0" eaLnBrk="1" latinLnBrk="0" hangingPunct="1">
+                  <a:defRPr sz="1800" kern="1200">
+                    <a:solidFill>
+                      <a:schemeClr val="lt1"/>
+                    </a:solidFill>
+                    <a:latin typeface="+mn-lt"/>
+                    <a:ea typeface="+mn-ea"/>
+                    <a:cs typeface="+mn-cs"/>
+                  </a:defRPr>
+                </a:lvl9pPr>
+              </a:lstStyle>
+              <a:p>
+                <a:pPr algn="ctr"/>
+                <a:r>
+                  <a:rPr lang="pt-BR" sz="800" b="1"/>
+                  <a:t>FREQUÊNCIA</a:t>
+                </a:r>
+              </a:p>
+            </p:txBody>
+          </p:sp>
+          <p:sp>
+            <p:nvSpPr>
+              <p:cNvPr id="38" name="shape_abs_frequencia2">
+                <a:extLst>
+                  <a:ext uri="{FF2B5EF4-FFF2-40B4-BE49-F238E27FC236}">
+                    <a16:creationId xmlns:a16="http://schemas.microsoft.com/office/drawing/2014/main" id="{0EA3AF00-2462-C9BA-5440-8FFEF16B8DFA}"/>
+                  </a:ext>
+                </a:extLst>
+              </p:cNvPr>
+              <p:cNvSpPr/>
+              <p:nvPr/>
+            </p:nvSpPr>
+            <p:spPr>
+              <a:xfrm>
+                <a:off x="8057556" y="4664900"/>
+                <a:ext cx="1354347" cy="379564"/>
+              </a:xfrm>
+              <a:prstGeom prst="roundRect">
+                <a:avLst>
+                  <a:gd name="adj" fmla="val 0"/>
+                </a:avLst>
+              </a:prstGeom>
+              <a:solidFill>
+                <a:schemeClr val="bg1"/>
+              </a:solidFill>
+              <a:ln w="12700">
+                <a:solidFill>
+                  <a:schemeClr val="bg1">
+                    <a:lumMod val="65000"/>
+                  </a:schemeClr>
+                </a:solidFill>
+              </a:ln>
+            </p:spPr>
+            <p:style>
+              <a:lnRef idx="2">
+                <a:schemeClr val="accent1">
+                  <a:shade val="15000"/>
+                </a:schemeClr>
+              </a:lnRef>
+              <a:fillRef idx="1">
+                <a:schemeClr val="accent1"/>
+              </a:fillRef>
+              <a:effectRef idx="0">
+                <a:schemeClr val="accent1"/>
+              </a:effectRef>
+              <a:fontRef idx="minor">
+                <a:schemeClr val="lt1"/>
+              </a:fontRef>
+            </p:style>
+            <p:txBody>
+              <a:bodyPr wrap="square" rtlCol="0" anchor="ctr"/>
+              <a:lstStyle>
+                <a:defPPr>
+                  <a:defRPr lang="pt-BR"/>
+                </a:defPPr>
+                <a:lvl1pPr marL="0" indent="0" algn="l" defTabSz="914400" rtl="0" eaLnBrk="1" latinLnBrk="0" hangingPunct="1">
+                  <a:defRPr sz="1800" kern="1200">
+                    <a:solidFill>
+                      <a:schemeClr val="lt1"/>
+                    </a:solidFill>
+                    <a:latin typeface="+mn-lt"/>
+                    <a:ea typeface="+mn-ea"/>
+                    <a:cs typeface="+mn-cs"/>
+                  </a:defRPr>
+                </a:lvl1pPr>
+                <a:lvl2pPr marL="457200" indent="0" algn="l" defTabSz="914400" rtl="0" eaLnBrk="1" latinLnBrk="0" hangingPunct="1">
+                  <a:defRPr sz="1800" kern="1200">
+                    <a:solidFill>
+                      <a:schemeClr val="lt1"/>
+                    </a:solidFill>
+                    <a:latin typeface="+mn-lt"/>
+                    <a:ea typeface="+mn-ea"/>
+                    <a:cs typeface="+mn-cs"/>
+                  </a:defRPr>
+                </a:lvl2pPr>
+                <a:lvl3pPr marL="914400" indent="0" algn="l" defTabSz="914400" rtl="0" eaLnBrk="1" latinLnBrk="0" hangingPunct="1">
+                  <a:defRPr sz="1800" kern="1200">
+                    <a:solidFill>
+                      <a:schemeClr val="lt1"/>
+                    </a:solidFill>
+                    <a:latin typeface="+mn-lt"/>
+                    <a:ea typeface="+mn-ea"/>
+                    <a:cs typeface="+mn-cs"/>
+                  </a:defRPr>
+                </a:lvl3pPr>
+                <a:lvl4pPr marL="1371600" indent="0" algn="l" defTabSz="914400" rtl="0" eaLnBrk="1" latinLnBrk="0" hangingPunct="1">
+                  <a:defRPr sz="1800" kern="1200">
+                    <a:solidFill>
+                      <a:schemeClr val="lt1"/>
+                    </a:solidFill>
+                    <a:latin typeface="+mn-lt"/>
+                    <a:ea typeface="+mn-ea"/>
+                    <a:cs typeface="+mn-cs"/>
+                  </a:defRPr>
+                </a:lvl4pPr>
+                <a:lvl5pPr marL="1828800" indent="0" algn="l" defTabSz="914400" rtl="0" eaLnBrk="1" latinLnBrk="0" hangingPunct="1">
+                  <a:defRPr sz="1800" kern="1200">
+                    <a:solidFill>
+                      <a:schemeClr val="lt1"/>
+                    </a:solidFill>
+                    <a:latin typeface="+mn-lt"/>
+                    <a:ea typeface="+mn-ea"/>
+                    <a:cs typeface="+mn-cs"/>
+                  </a:defRPr>
+                </a:lvl5pPr>
+                <a:lvl6pPr marL="2286000" indent="0" algn="l" defTabSz="914400" rtl="0" eaLnBrk="1" latinLnBrk="0" hangingPunct="1">
+                  <a:defRPr sz="1800" kern="1200">
+                    <a:solidFill>
+                      <a:schemeClr val="lt1"/>
+                    </a:solidFill>
+                    <a:latin typeface="+mn-lt"/>
+                    <a:ea typeface="+mn-ea"/>
+                    <a:cs typeface="+mn-cs"/>
+                  </a:defRPr>
+                </a:lvl6pPr>
+                <a:lvl7pPr marL="2743200" indent="0" algn="l" defTabSz="914400" rtl="0" eaLnBrk="1" latinLnBrk="0" hangingPunct="1">
+                  <a:defRPr sz="1800" kern="1200">
+                    <a:solidFill>
+                      <a:schemeClr val="lt1"/>
+                    </a:solidFill>
+                    <a:latin typeface="+mn-lt"/>
+                    <a:ea typeface="+mn-ea"/>
+                    <a:cs typeface="+mn-cs"/>
+                  </a:defRPr>
+                </a:lvl7pPr>
+                <a:lvl8pPr marL="3200400" indent="0" algn="l" defTabSz="914400" rtl="0" eaLnBrk="1" latinLnBrk="0" hangingPunct="1">
+                  <a:defRPr sz="1800" kern="1200">
+                    <a:solidFill>
+                      <a:schemeClr val="lt1"/>
+                    </a:solidFill>
+                    <a:latin typeface="+mn-lt"/>
+                    <a:ea typeface="+mn-ea"/>
+                    <a:cs typeface="+mn-cs"/>
+                  </a:defRPr>
+                </a:lvl8pPr>
+                <a:lvl9pPr marL="3657600" indent="0" algn="l" defTabSz="914400" rtl="0" eaLnBrk="1" latinLnBrk="0" hangingPunct="1">
+                  <a:defRPr sz="1800" kern="1200">
+                    <a:solidFill>
+                      <a:schemeClr val="lt1"/>
+                    </a:solidFill>
+                    <a:latin typeface="+mn-lt"/>
+                    <a:ea typeface="+mn-ea"/>
+                    <a:cs typeface="+mn-cs"/>
+                  </a:defRPr>
+                </a:lvl9pPr>
+              </a:lstStyle>
+              <a:p>
+                <a:pPr algn="ctr"/>
+                <a:r>
+                  <a:rPr lang="en-US" sz="800" b="1" i="0" u="none" strike="noStrike" dirty="0">
+                    <a:solidFill>
+                      <a:srgbClr val="000000"/>
+                    </a:solidFill>
+                    <a:latin typeface="Aptos Narrow"/>
+                  </a:rPr>
+                  <a:t>-</a:t>
+                </a:r>
+                <a:endParaRPr lang="pt-BR" sz="800" dirty="0"/>
+              </a:p>
+            </p:txBody>
+          </p:sp>
+          <p:sp>
+            <p:nvSpPr>
+              <p:cNvPr id="39" name="shape_var_frequencia2">
+                <a:extLst>
+                  <a:ext uri="{FF2B5EF4-FFF2-40B4-BE49-F238E27FC236}">
+                    <a16:creationId xmlns:a16="http://schemas.microsoft.com/office/drawing/2014/main" id="{9943CEB7-EDA4-A4A8-C6C0-02C88AA55FCD}"/>
+                  </a:ext>
+                </a:extLst>
+              </p:cNvPr>
+              <p:cNvSpPr/>
+              <p:nvPr/>
+            </p:nvSpPr>
+            <p:spPr>
+              <a:xfrm>
+                <a:off x="9411903" y="4664900"/>
+                <a:ext cx="897148" cy="379564"/>
+              </a:xfrm>
+              <a:prstGeom prst="roundRect">
+                <a:avLst>
+                  <a:gd name="adj" fmla="val 0"/>
+                </a:avLst>
+              </a:prstGeom>
+              <a:solidFill>
+                <a:schemeClr val="bg1"/>
+              </a:solidFill>
+              <a:ln w="12700">
+                <a:solidFill>
+                  <a:schemeClr val="bg1">
+                    <a:lumMod val="65000"/>
+                  </a:schemeClr>
+                </a:solidFill>
+              </a:ln>
+            </p:spPr>
+            <p:style>
+              <a:lnRef idx="2">
+                <a:schemeClr val="accent1">
+                  <a:shade val="15000"/>
+                </a:schemeClr>
+              </a:lnRef>
+              <a:fillRef idx="1">
+                <a:schemeClr val="accent1"/>
+              </a:fillRef>
+              <a:effectRef idx="0">
+                <a:schemeClr val="accent1"/>
+              </a:effectRef>
+              <a:fontRef idx="minor">
+                <a:schemeClr val="lt1"/>
+              </a:fontRef>
+            </p:style>
+            <p:txBody>
+              <a:bodyPr wrap="square" rtlCol="0" anchor="ctr"/>
+              <a:lstStyle>
+                <a:defPPr>
+                  <a:defRPr lang="pt-BR"/>
+                </a:defPPr>
+                <a:lvl1pPr marL="0" indent="0" algn="l" defTabSz="914400" rtl="0" eaLnBrk="1" latinLnBrk="0" hangingPunct="1">
+                  <a:defRPr sz="1800" kern="1200">
+                    <a:solidFill>
+                      <a:schemeClr val="lt1"/>
+                    </a:solidFill>
+                    <a:latin typeface="+mn-lt"/>
+                    <a:ea typeface="+mn-ea"/>
+                    <a:cs typeface="+mn-cs"/>
+                  </a:defRPr>
+                </a:lvl1pPr>
+                <a:lvl2pPr marL="457200" indent="0" algn="l" defTabSz="914400" rtl="0" eaLnBrk="1" latinLnBrk="0" hangingPunct="1">
+                  <a:defRPr sz="1800" kern="1200">
+                    <a:solidFill>
+                      <a:schemeClr val="lt1"/>
+                    </a:solidFill>
+                    <a:latin typeface="+mn-lt"/>
+                    <a:ea typeface="+mn-ea"/>
+                    <a:cs typeface="+mn-cs"/>
+                  </a:defRPr>
+                </a:lvl2pPr>
+                <a:lvl3pPr marL="914400" indent="0" algn="l" defTabSz="914400" rtl="0" eaLnBrk="1" latinLnBrk="0" hangingPunct="1">
+                  <a:defRPr sz="1800" kern="1200">
+                    <a:solidFill>
+                      <a:schemeClr val="lt1"/>
+                    </a:solidFill>
+                    <a:latin typeface="+mn-lt"/>
+                    <a:ea typeface="+mn-ea"/>
+                    <a:cs typeface="+mn-cs"/>
+                  </a:defRPr>
+                </a:lvl3pPr>
+                <a:lvl4pPr marL="1371600" indent="0" algn="l" defTabSz="914400" rtl="0" eaLnBrk="1" latinLnBrk="0" hangingPunct="1">
+                  <a:defRPr sz="1800" kern="1200">
+                    <a:solidFill>
+                      <a:schemeClr val="lt1"/>
+                    </a:solidFill>
+                    <a:latin typeface="+mn-lt"/>
+                    <a:ea typeface="+mn-ea"/>
+                    <a:cs typeface="+mn-cs"/>
+                  </a:defRPr>
+                </a:lvl4pPr>
+                <a:lvl5pPr marL="1828800" indent="0" algn="l" defTabSz="914400" rtl="0" eaLnBrk="1" latinLnBrk="0" hangingPunct="1">
+                  <a:defRPr sz="1800" kern="1200">
+                    <a:solidFill>
+                      <a:schemeClr val="lt1"/>
+                    </a:solidFill>
+                    <a:latin typeface="+mn-lt"/>
+                    <a:ea typeface="+mn-ea"/>
+                    <a:cs typeface="+mn-cs"/>
+                  </a:defRPr>
+                </a:lvl5pPr>
+                <a:lvl6pPr marL="2286000" indent="0" algn="l" defTabSz="914400" rtl="0" eaLnBrk="1" latinLnBrk="0" hangingPunct="1">
+                  <a:defRPr sz="1800" kern="1200">
+                    <a:solidFill>
+                      <a:schemeClr val="lt1"/>
+                    </a:solidFill>
+                    <a:latin typeface="+mn-lt"/>
+                    <a:ea typeface="+mn-ea"/>
+                    <a:cs typeface="+mn-cs"/>
+                  </a:defRPr>
+                </a:lvl6pPr>
+                <a:lvl7pPr marL="2743200" indent="0" algn="l" defTabSz="914400" rtl="0" eaLnBrk="1" latinLnBrk="0" hangingPunct="1">
+                  <a:defRPr sz="1800" kern="1200">
+                    <a:solidFill>
+                      <a:schemeClr val="lt1"/>
+                    </a:solidFill>
+                    <a:latin typeface="+mn-lt"/>
+                    <a:ea typeface="+mn-ea"/>
+                    <a:cs typeface="+mn-cs"/>
+                  </a:defRPr>
+                </a:lvl7pPr>
+                <a:lvl8pPr marL="3200400" indent="0" algn="l" defTabSz="914400" rtl="0" eaLnBrk="1" latinLnBrk="0" hangingPunct="1">
+                  <a:defRPr sz="1800" kern="1200">
+                    <a:solidFill>
+                      <a:schemeClr val="lt1"/>
+                    </a:solidFill>
+                    <a:latin typeface="+mn-lt"/>
+                    <a:ea typeface="+mn-ea"/>
+                    <a:cs typeface="+mn-cs"/>
+                  </a:defRPr>
+                </a:lvl8pPr>
+                <a:lvl9pPr marL="3657600" indent="0" algn="l" defTabSz="914400" rtl="0" eaLnBrk="1" latinLnBrk="0" hangingPunct="1">
+                  <a:defRPr sz="1800" kern="1200">
+                    <a:solidFill>
+                      <a:schemeClr val="lt1"/>
+                    </a:solidFill>
+                    <a:latin typeface="+mn-lt"/>
+                    <a:ea typeface="+mn-ea"/>
+                    <a:cs typeface="+mn-cs"/>
+                  </a:defRPr>
+                </a:lvl9pPr>
+              </a:lstStyle>
+              <a:p>
+                <a:pPr algn="ctr"/>
+                <a:r>
+                  <a:rPr lang="en-US" sz="800" b="1" i="0" u="none" strike="noStrike" dirty="0">
+                    <a:solidFill>
+                      <a:srgbClr val="FF5757"/>
+                    </a:solidFill>
+                    <a:latin typeface="Aptos Narrow"/>
+                  </a:rPr>
+                  <a:t>-</a:t>
+                </a:r>
+                <a:endParaRPr lang="pt-BR" sz="800" dirty="0">
+                  <a:solidFill>
+                    <a:srgbClr val="FF5757"/>
+                  </a:solidFill>
+                </a:endParaRPr>
+              </a:p>
+            </p:txBody>
+          </p:sp>
+        </p:grpSp>
+        <p:grpSp>
+          <p:nvGrpSpPr>
+            <p:cNvPr id="29" name="Group 28">
+              <a:extLst>
+                <a:ext uri="{FF2B5EF4-FFF2-40B4-BE49-F238E27FC236}">
+                  <a16:creationId xmlns:a16="http://schemas.microsoft.com/office/drawing/2014/main" id="{26F46DDC-CE97-6F76-A3D6-D9B9D4929FDE}"/>
+                </a:ext>
+              </a:extLst>
+            </p:cNvPr>
+            <p:cNvGrpSpPr/>
+            <p:nvPr/>
+          </p:nvGrpSpPr>
+          <p:grpSpPr>
+            <a:xfrm>
+              <a:off x="9281138" y="3885588"/>
+              <a:ext cx="1793708" cy="552609"/>
+              <a:chOff x="8986334" y="3123638"/>
+              <a:chExt cx="2251495" cy="698740"/>
+            </a:xfrm>
+          </p:grpSpPr>
+          <p:sp>
+            <p:nvSpPr>
+              <p:cNvPr id="34" name="shape_header_gasto_por_comprador">
+                <a:extLst>
+                  <a:ext uri="{FF2B5EF4-FFF2-40B4-BE49-F238E27FC236}">
+                    <a16:creationId xmlns:a16="http://schemas.microsoft.com/office/drawing/2014/main" id="{DA2B30F0-94F4-8346-14EF-8793995A59C7}"/>
+                  </a:ext>
+                </a:extLst>
+              </p:cNvPr>
+              <p:cNvSpPr/>
+              <p:nvPr/>
+            </p:nvSpPr>
+            <p:spPr>
+              <a:xfrm>
+                <a:off x="8986334" y="3123638"/>
+                <a:ext cx="2251495" cy="319176"/>
+              </a:xfrm>
+              <a:prstGeom prst="roundRect">
+                <a:avLst>
+                  <a:gd name="adj" fmla="val 0"/>
+                </a:avLst>
+              </a:prstGeom>
+              <a:solidFill>
+                <a:srgbClr val="D876CC"/>
+              </a:solidFill>
+              <a:ln w="12700">
+                <a:solidFill>
+                  <a:schemeClr val="bg1">
+                    <a:lumMod val="65000"/>
+                  </a:schemeClr>
+                </a:solidFill>
+              </a:ln>
+            </p:spPr>
+            <p:style>
+              <a:lnRef idx="2">
+                <a:schemeClr val="accent1">
+                  <a:shade val="15000"/>
+                </a:schemeClr>
+              </a:lnRef>
+              <a:fillRef idx="1">
+                <a:schemeClr val="accent1"/>
+              </a:fillRef>
+              <a:effectRef idx="0">
+                <a:schemeClr val="accent1"/>
+              </a:effectRef>
+              <a:fontRef idx="minor">
+                <a:schemeClr val="lt1"/>
+              </a:fontRef>
+            </p:style>
+            <p:txBody>
+              <a:bodyPr wrap="square" rtlCol="0" anchor="ctr"/>
+              <a:lstStyle>
+                <a:defPPr>
+                  <a:defRPr lang="pt-BR"/>
+                </a:defPPr>
+                <a:lvl1pPr marL="0" indent="0" algn="l" defTabSz="914400" rtl="0" eaLnBrk="1" latinLnBrk="0" hangingPunct="1">
+                  <a:defRPr sz="1800" kern="1200">
+                    <a:solidFill>
+                      <a:schemeClr val="lt1"/>
+                    </a:solidFill>
+                    <a:latin typeface="+mn-lt"/>
+                    <a:ea typeface="+mn-ea"/>
+                    <a:cs typeface="+mn-cs"/>
+                  </a:defRPr>
+                </a:lvl1pPr>
+                <a:lvl2pPr marL="457200" indent="0" algn="l" defTabSz="914400" rtl="0" eaLnBrk="1" latinLnBrk="0" hangingPunct="1">
+                  <a:defRPr sz="1800" kern="1200">
+                    <a:solidFill>
+                      <a:schemeClr val="lt1"/>
+                    </a:solidFill>
+                    <a:latin typeface="+mn-lt"/>
+                    <a:ea typeface="+mn-ea"/>
+                    <a:cs typeface="+mn-cs"/>
+                  </a:defRPr>
+                </a:lvl2pPr>
+                <a:lvl3pPr marL="914400" indent="0" algn="l" defTabSz="914400" rtl="0" eaLnBrk="1" latinLnBrk="0" hangingPunct="1">
+                  <a:defRPr sz="1800" kern="1200">
+                    <a:solidFill>
+                      <a:schemeClr val="lt1"/>
+                    </a:solidFill>
+                    <a:latin typeface="+mn-lt"/>
+                    <a:ea typeface="+mn-ea"/>
+                    <a:cs typeface="+mn-cs"/>
+                  </a:defRPr>
+                </a:lvl3pPr>
+                <a:lvl4pPr marL="1371600" indent="0" algn="l" defTabSz="914400" rtl="0" eaLnBrk="1" latinLnBrk="0" hangingPunct="1">
+                  <a:defRPr sz="1800" kern="1200">
+                    <a:solidFill>
+                      <a:schemeClr val="lt1"/>
+                    </a:solidFill>
+                    <a:latin typeface="+mn-lt"/>
+                    <a:ea typeface="+mn-ea"/>
+                    <a:cs typeface="+mn-cs"/>
+                  </a:defRPr>
+                </a:lvl4pPr>
+                <a:lvl5pPr marL="1828800" indent="0" algn="l" defTabSz="914400" rtl="0" eaLnBrk="1" latinLnBrk="0" hangingPunct="1">
+                  <a:defRPr sz="1800" kern="1200">
+                    <a:solidFill>
+                      <a:schemeClr val="lt1"/>
+                    </a:solidFill>
+                    <a:latin typeface="+mn-lt"/>
+                    <a:ea typeface="+mn-ea"/>
+                    <a:cs typeface="+mn-cs"/>
+                  </a:defRPr>
+                </a:lvl5pPr>
+                <a:lvl6pPr marL="2286000" indent="0" algn="l" defTabSz="914400" rtl="0" eaLnBrk="1" latinLnBrk="0" hangingPunct="1">
+                  <a:defRPr sz="1800" kern="1200">
+                    <a:solidFill>
+                      <a:schemeClr val="lt1"/>
+                    </a:solidFill>
+                    <a:latin typeface="+mn-lt"/>
+                    <a:ea typeface="+mn-ea"/>
+                    <a:cs typeface="+mn-cs"/>
+                  </a:defRPr>
+                </a:lvl6pPr>
+                <a:lvl7pPr marL="2743200" indent="0" algn="l" defTabSz="914400" rtl="0" eaLnBrk="1" latinLnBrk="0" hangingPunct="1">
+                  <a:defRPr sz="1800" kern="1200">
+                    <a:solidFill>
+                      <a:schemeClr val="lt1"/>
+                    </a:solidFill>
+                    <a:latin typeface="+mn-lt"/>
+                    <a:ea typeface="+mn-ea"/>
+                    <a:cs typeface="+mn-cs"/>
+                  </a:defRPr>
+                </a:lvl7pPr>
+                <a:lvl8pPr marL="3200400" indent="0" algn="l" defTabSz="914400" rtl="0" eaLnBrk="1" latinLnBrk="0" hangingPunct="1">
+                  <a:defRPr sz="1800" kern="1200">
+                    <a:solidFill>
+                      <a:schemeClr val="lt1"/>
+                    </a:solidFill>
+                    <a:latin typeface="+mn-lt"/>
+                    <a:ea typeface="+mn-ea"/>
+                    <a:cs typeface="+mn-cs"/>
+                  </a:defRPr>
+                </a:lvl8pPr>
+                <a:lvl9pPr marL="3657600" indent="0" algn="l" defTabSz="914400" rtl="0" eaLnBrk="1" latinLnBrk="0" hangingPunct="1">
+                  <a:defRPr sz="1800" kern="1200">
+                    <a:solidFill>
+                      <a:schemeClr val="lt1"/>
+                    </a:solidFill>
+                    <a:latin typeface="+mn-lt"/>
+                    <a:ea typeface="+mn-ea"/>
+                    <a:cs typeface="+mn-cs"/>
+                  </a:defRPr>
+                </a:lvl9pPr>
+              </a:lstStyle>
+              <a:p>
+                <a:pPr algn="ctr"/>
+                <a:r>
+                  <a:rPr lang="pt-BR" sz="800" b="1"/>
+                  <a:t>GASTO POR COMPRADOR</a:t>
+                </a:r>
+              </a:p>
+            </p:txBody>
+          </p:sp>
+          <p:sp>
+            <p:nvSpPr>
+              <p:cNvPr id="35" name="shape_abs_gasto_por_comprador">
+                <a:extLst>
+                  <a:ext uri="{FF2B5EF4-FFF2-40B4-BE49-F238E27FC236}">
+                    <a16:creationId xmlns:a16="http://schemas.microsoft.com/office/drawing/2014/main" id="{32420E42-4F1F-1FC6-4E46-09FC06088D9D}"/>
+                  </a:ext>
+                </a:extLst>
+              </p:cNvPr>
+              <p:cNvSpPr/>
+              <p:nvPr/>
+            </p:nvSpPr>
+            <p:spPr>
+              <a:xfrm>
+                <a:off x="8986334" y="3442814"/>
+                <a:ext cx="1354347" cy="379564"/>
+              </a:xfrm>
+              <a:prstGeom prst="roundRect">
+                <a:avLst>
+                  <a:gd name="adj" fmla="val 0"/>
+                </a:avLst>
+              </a:prstGeom>
+              <a:solidFill>
+                <a:schemeClr val="bg1"/>
+              </a:solidFill>
+              <a:ln w="12700">
+                <a:solidFill>
+                  <a:schemeClr val="bg1">
+                    <a:lumMod val="65000"/>
+                  </a:schemeClr>
+                </a:solidFill>
+              </a:ln>
+            </p:spPr>
+            <p:style>
+              <a:lnRef idx="2">
+                <a:schemeClr val="accent1">
+                  <a:shade val="15000"/>
+                </a:schemeClr>
+              </a:lnRef>
+              <a:fillRef idx="1">
+                <a:schemeClr val="accent1"/>
+              </a:fillRef>
+              <a:effectRef idx="0">
+                <a:schemeClr val="accent1"/>
+              </a:effectRef>
+              <a:fontRef idx="minor">
+                <a:schemeClr val="lt1"/>
+              </a:fontRef>
+            </p:style>
+            <p:txBody>
+              <a:bodyPr wrap="square" rtlCol="0" anchor="ctr"/>
+              <a:lstStyle>
+                <a:defPPr>
+                  <a:defRPr lang="pt-BR"/>
+                </a:defPPr>
+                <a:lvl1pPr marL="0" indent="0" algn="l" defTabSz="914400" rtl="0" eaLnBrk="1" latinLnBrk="0" hangingPunct="1">
+                  <a:defRPr sz="1800" kern="1200">
+                    <a:solidFill>
+                      <a:schemeClr val="lt1"/>
+                    </a:solidFill>
+                    <a:latin typeface="+mn-lt"/>
+                    <a:ea typeface="+mn-ea"/>
+                    <a:cs typeface="+mn-cs"/>
+                  </a:defRPr>
+                </a:lvl1pPr>
+                <a:lvl2pPr marL="457200" indent="0" algn="l" defTabSz="914400" rtl="0" eaLnBrk="1" latinLnBrk="0" hangingPunct="1">
+                  <a:defRPr sz="1800" kern="1200">
+                    <a:solidFill>
+                      <a:schemeClr val="lt1"/>
+                    </a:solidFill>
+                    <a:latin typeface="+mn-lt"/>
+                    <a:ea typeface="+mn-ea"/>
+                    <a:cs typeface="+mn-cs"/>
+                  </a:defRPr>
+                </a:lvl2pPr>
+                <a:lvl3pPr marL="914400" indent="0" algn="l" defTabSz="914400" rtl="0" eaLnBrk="1" latinLnBrk="0" hangingPunct="1">
+                  <a:defRPr sz="1800" kern="1200">
+                    <a:solidFill>
+                      <a:schemeClr val="lt1"/>
+                    </a:solidFill>
+                    <a:latin typeface="+mn-lt"/>
+                    <a:ea typeface="+mn-ea"/>
+                    <a:cs typeface="+mn-cs"/>
+                  </a:defRPr>
+                </a:lvl3pPr>
+                <a:lvl4pPr marL="1371600" indent="0" algn="l" defTabSz="914400" rtl="0" eaLnBrk="1" latinLnBrk="0" hangingPunct="1">
+                  <a:defRPr sz="1800" kern="1200">
+                    <a:solidFill>
+                      <a:schemeClr val="lt1"/>
+                    </a:solidFill>
+                    <a:latin typeface="+mn-lt"/>
+                    <a:ea typeface="+mn-ea"/>
+                    <a:cs typeface="+mn-cs"/>
+                  </a:defRPr>
+                </a:lvl4pPr>
+                <a:lvl5pPr marL="1828800" indent="0" algn="l" defTabSz="914400" rtl="0" eaLnBrk="1" latinLnBrk="0" hangingPunct="1">
+                  <a:defRPr sz="1800" kern="1200">
+                    <a:solidFill>
+                      <a:schemeClr val="lt1"/>
+                    </a:solidFill>
+                    <a:latin typeface="+mn-lt"/>
+                    <a:ea typeface="+mn-ea"/>
+                    <a:cs typeface="+mn-cs"/>
+                  </a:defRPr>
+                </a:lvl5pPr>
+                <a:lvl6pPr marL="2286000" indent="0" algn="l" defTabSz="914400" rtl="0" eaLnBrk="1" latinLnBrk="0" hangingPunct="1">
+                  <a:defRPr sz="1800" kern="1200">
+                    <a:solidFill>
+                      <a:schemeClr val="lt1"/>
+                    </a:solidFill>
+                    <a:latin typeface="+mn-lt"/>
+                    <a:ea typeface="+mn-ea"/>
+                    <a:cs typeface="+mn-cs"/>
+                  </a:defRPr>
+                </a:lvl6pPr>
+                <a:lvl7pPr marL="2743200" indent="0" algn="l" defTabSz="914400" rtl="0" eaLnBrk="1" latinLnBrk="0" hangingPunct="1">
+                  <a:defRPr sz="1800" kern="1200">
+                    <a:solidFill>
+                      <a:schemeClr val="lt1"/>
+                    </a:solidFill>
+                    <a:latin typeface="+mn-lt"/>
+                    <a:ea typeface="+mn-ea"/>
+                    <a:cs typeface="+mn-cs"/>
+                  </a:defRPr>
+                </a:lvl7pPr>
+                <a:lvl8pPr marL="3200400" indent="0" algn="l" defTabSz="914400" rtl="0" eaLnBrk="1" latinLnBrk="0" hangingPunct="1">
+                  <a:defRPr sz="1800" kern="1200">
+                    <a:solidFill>
+                      <a:schemeClr val="lt1"/>
+                    </a:solidFill>
+                    <a:latin typeface="+mn-lt"/>
+                    <a:ea typeface="+mn-ea"/>
+                    <a:cs typeface="+mn-cs"/>
+                  </a:defRPr>
+                </a:lvl8pPr>
+                <a:lvl9pPr marL="3657600" indent="0" algn="l" defTabSz="914400" rtl="0" eaLnBrk="1" latinLnBrk="0" hangingPunct="1">
+                  <a:defRPr sz="1800" kern="1200">
+                    <a:solidFill>
+                      <a:schemeClr val="lt1"/>
+                    </a:solidFill>
+                    <a:latin typeface="+mn-lt"/>
+                    <a:ea typeface="+mn-ea"/>
+                    <a:cs typeface="+mn-cs"/>
+                  </a:defRPr>
+                </a:lvl9pPr>
+              </a:lstStyle>
+              <a:p>
+                <a:pPr algn="ctr"/>
+                <a:r>
+                  <a:rPr lang="en-US" sz="800" b="1" i="0" u="none" strike="noStrike" dirty="0">
+                    <a:solidFill>
+                      <a:srgbClr val="000000"/>
+                    </a:solidFill>
+                    <a:latin typeface="Aptos Narrow"/>
+                  </a:rPr>
+                  <a:t>-</a:t>
+                </a:r>
+                <a:endParaRPr lang="pt-BR" sz="800" dirty="0"/>
+              </a:p>
+            </p:txBody>
+          </p:sp>
+          <p:sp>
+            <p:nvSpPr>
+              <p:cNvPr id="36" name="shape_var_gasto_por_comprador">
+                <a:extLst>
+                  <a:ext uri="{FF2B5EF4-FFF2-40B4-BE49-F238E27FC236}">
+                    <a16:creationId xmlns:a16="http://schemas.microsoft.com/office/drawing/2014/main" id="{21794538-3FC6-8692-1103-1A1754F2C56D}"/>
+                  </a:ext>
+                </a:extLst>
+              </p:cNvPr>
+              <p:cNvSpPr/>
+              <p:nvPr/>
+            </p:nvSpPr>
+            <p:spPr>
+              <a:xfrm>
+                <a:off x="10340681" y="3442814"/>
+                <a:ext cx="897148" cy="379564"/>
+              </a:xfrm>
+              <a:prstGeom prst="roundRect">
+                <a:avLst>
+                  <a:gd name="adj" fmla="val 0"/>
+                </a:avLst>
+              </a:prstGeom>
+              <a:solidFill>
+                <a:schemeClr val="bg1"/>
+              </a:solidFill>
+              <a:ln w="12700">
+                <a:solidFill>
+                  <a:schemeClr val="bg1">
+                    <a:lumMod val="65000"/>
+                  </a:schemeClr>
+                </a:solidFill>
+              </a:ln>
+            </p:spPr>
+            <p:style>
+              <a:lnRef idx="2">
+                <a:schemeClr val="accent1">
+                  <a:shade val="15000"/>
+                </a:schemeClr>
+              </a:lnRef>
+              <a:fillRef idx="1">
+                <a:schemeClr val="accent1"/>
+              </a:fillRef>
+              <a:effectRef idx="0">
+                <a:schemeClr val="accent1"/>
+              </a:effectRef>
+              <a:fontRef idx="minor">
+                <a:schemeClr val="lt1"/>
+              </a:fontRef>
+            </p:style>
+            <p:txBody>
+              <a:bodyPr wrap="square" rtlCol="0" anchor="ctr"/>
+              <a:lstStyle>
+                <a:defPPr>
+                  <a:defRPr lang="pt-BR"/>
+                </a:defPPr>
+                <a:lvl1pPr marL="0" indent="0" algn="l" defTabSz="914400" rtl="0" eaLnBrk="1" latinLnBrk="0" hangingPunct="1">
+                  <a:defRPr sz="1800" kern="1200">
+                    <a:solidFill>
+                      <a:schemeClr val="lt1"/>
+                    </a:solidFill>
+                    <a:latin typeface="+mn-lt"/>
+                    <a:ea typeface="+mn-ea"/>
+                    <a:cs typeface="+mn-cs"/>
+                  </a:defRPr>
+                </a:lvl1pPr>
+                <a:lvl2pPr marL="457200" indent="0" algn="l" defTabSz="914400" rtl="0" eaLnBrk="1" latinLnBrk="0" hangingPunct="1">
+                  <a:defRPr sz="1800" kern="1200">
+                    <a:solidFill>
+                      <a:schemeClr val="lt1"/>
+                    </a:solidFill>
+                    <a:latin typeface="+mn-lt"/>
+                    <a:ea typeface="+mn-ea"/>
+                    <a:cs typeface="+mn-cs"/>
+                  </a:defRPr>
+                </a:lvl2pPr>
+                <a:lvl3pPr marL="914400" indent="0" algn="l" defTabSz="914400" rtl="0" eaLnBrk="1" latinLnBrk="0" hangingPunct="1">
+                  <a:defRPr sz="1800" kern="1200">
+                    <a:solidFill>
+                      <a:schemeClr val="lt1"/>
+                    </a:solidFill>
+                    <a:latin typeface="+mn-lt"/>
+                    <a:ea typeface="+mn-ea"/>
+                    <a:cs typeface="+mn-cs"/>
+                  </a:defRPr>
+                </a:lvl3pPr>
+                <a:lvl4pPr marL="1371600" indent="0" algn="l" defTabSz="914400" rtl="0" eaLnBrk="1" latinLnBrk="0" hangingPunct="1">
+                  <a:defRPr sz="1800" kern="1200">
+                    <a:solidFill>
+                      <a:schemeClr val="lt1"/>
+                    </a:solidFill>
+                    <a:latin typeface="+mn-lt"/>
+                    <a:ea typeface="+mn-ea"/>
+                    <a:cs typeface="+mn-cs"/>
+                  </a:defRPr>
+                </a:lvl4pPr>
+                <a:lvl5pPr marL="1828800" indent="0" algn="l" defTabSz="914400" rtl="0" eaLnBrk="1" latinLnBrk="0" hangingPunct="1">
+                  <a:defRPr sz="1800" kern="1200">
+                    <a:solidFill>
+                      <a:schemeClr val="lt1"/>
+                    </a:solidFill>
+                    <a:latin typeface="+mn-lt"/>
+                    <a:ea typeface="+mn-ea"/>
+                    <a:cs typeface="+mn-cs"/>
+                  </a:defRPr>
+                </a:lvl5pPr>
+                <a:lvl6pPr marL="2286000" indent="0" algn="l" defTabSz="914400" rtl="0" eaLnBrk="1" latinLnBrk="0" hangingPunct="1">
+                  <a:defRPr sz="1800" kern="1200">
+                    <a:solidFill>
+                      <a:schemeClr val="lt1"/>
+                    </a:solidFill>
+                    <a:latin typeface="+mn-lt"/>
+                    <a:ea typeface="+mn-ea"/>
+                    <a:cs typeface="+mn-cs"/>
+                  </a:defRPr>
+                </a:lvl6pPr>
+                <a:lvl7pPr marL="2743200" indent="0" algn="l" defTabSz="914400" rtl="0" eaLnBrk="1" latinLnBrk="0" hangingPunct="1">
+                  <a:defRPr sz="1800" kern="1200">
+                    <a:solidFill>
+                      <a:schemeClr val="lt1"/>
+                    </a:solidFill>
+                    <a:latin typeface="+mn-lt"/>
+                    <a:ea typeface="+mn-ea"/>
+                    <a:cs typeface="+mn-cs"/>
+                  </a:defRPr>
+                </a:lvl7pPr>
+                <a:lvl8pPr marL="3200400" indent="0" algn="l" defTabSz="914400" rtl="0" eaLnBrk="1" latinLnBrk="0" hangingPunct="1">
+                  <a:defRPr sz="1800" kern="1200">
+                    <a:solidFill>
+                      <a:schemeClr val="lt1"/>
+                    </a:solidFill>
+                    <a:latin typeface="+mn-lt"/>
+                    <a:ea typeface="+mn-ea"/>
+                    <a:cs typeface="+mn-cs"/>
+                  </a:defRPr>
+                </a:lvl8pPr>
+                <a:lvl9pPr marL="3657600" indent="0" algn="l" defTabSz="914400" rtl="0" eaLnBrk="1" latinLnBrk="0" hangingPunct="1">
+                  <a:defRPr sz="1800" kern="1200">
+                    <a:solidFill>
+                      <a:schemeClr val="lt1"/>
+                    </a:solidFill>
+                    <a:latin typeface="+mn-lt"/>
+                    <a:ea typeface="+mn-ea"/>
+                    <a:cs typeface="+mn-cs"/>
+                  </a:defRPr>
+                </a:lvl9pPr>
+              </a:lstStyle>
+              <a:p>
+                <a:pPr algn="ctr"/>
+                <a:r>
+                  <a:rPr lang="en-US" sz="800" b="1" i="0" u="none" strike="noStrike" dirty="0">
+                    <a:solidFill>
+                      <a:srgbClr val="FF5757"/>
+                    </a:solidFill>
+                    <a:latin typeface="Aptos Narrow"/>
+                  </a:rPr>
+                  <a:t>-</a:t>
+                </a:r>
+                <a:endParaRPr lang="pt-BR" sz="800" dirty="0">
+                  <a:solidFill>
+                    <a:srgbClr val="FF5757"/>
+                  </a:solidFill>
+                </a:endParaRPr>
+              </a:p>
+            </p:txBody>
+          </p:sp>
+        </p:grpSp>
+        <p:grpSp>
+          <p:nvGrpSpPr>
+            <p:cNvPr id="4" name="Group 3">
+              <a:extLst>
+                <a:ext uri="{FF2B5EF4-FFF2-40B4-BE49-F238E27FC236}">
+                  <a16:creationId xmlns:a16="http://schemas.microsoft.com/office/drawing/2014/main" id="{FC619828-8E9A-8A09-E7BF-93B3E0658479}"/>
+                </a:ext>
+              </a:extLst>
+            </p:cNvPr>
+            <p:cNvGrpSpPr/>
+            <p:nvPr/>
+          </p:nvGrpSpPr>
+          <p:grpSpPr>
+            <a:xfrm>
+              <a:off x="5380901" y="1702445"/>
+              <a:ext cx="1793708" cy="552609"/>
+              <a:chOff x="5380901" y="1702445"/>
+              <a:chExt cx="1793708" cy="552609"/>
+            </a:xfrm>
+          </p:grpSpPr>
+          <p:sp>
+            <p:nvSpPr>
+              <p:cNvPr id="31" name="shape_header_valor">
+                <a:extLst>
+                  <a:ext uri="{FF2B5EF4-FFF2-40B4-BE49-F238E27FC236}">
+                    <a16:creationId xmlns:a16="http://schemas.microsoft.com/office/drawing/2014/main" id="{ED0CD9F3-4AD2-3C20-7F6D-B178BAE7FA2C}"/>
+                  </a:ext>
+                </a:extLst>
+              </p:cNvPr>
+              <p:cNvSpPr/>
+              <p:nvPr/>
+            </p:nvSpPr>
+            <p:spPr>
+              <a:xfrm>
+                <a:off x="5380902" y="1702445"/>
+                <a:ext cx="1793705" cy="252425"/>
+              </a:xfrm>
+              <a:prstGeom prst="roundRect">
+                <a:avLst>
+                  <a:gd name="adj" fmla="val 0"/>
+                </a:avLst>
+              </a:prstGeom>
+              <a:solidFill>
+                <a:srgbClr val="92D050"/>
+              </a:solidFill>
+              <a:ln w="12700">
+                <a:solidFill>
+                  <a:schemeClr val="bg1">
+                    <a:lumMod val="65000"/>
+                  </a:schemeClr>
+                </a:solidFill>
+              </a:ln>
+            </p:spPr>
+            <p:style>
+              <a:lnRef idx="2">
+                <a:schemeClr val="accent1">
+                  <a:shade val="15000"/>
+                </a:schemeClr>
+              </a:lnRef>
+              <a:fillRef idx="1">
+                <a:schemeClr val="accent1"/>
+              </a:fillRef>
+              <a:effectRef idx="0">
+                <a:schemeClr val="accent1"/>
+              </a:effectRef>
+              <a:fontRef idx="minor">
+                <a:schemeClr val="lt1"/>
+              </a:fontRef>
+            </p:style>
+            <p:txBody>
+              <a:bodyPr wrap="square" rtlCol="0" anchor="ctr"/>
+              <a:lstStyle>
+                <a:defPPr>
+                  <a:defRPr lang="pt-BR"/>
+                </a:defPPr>
+                <a:lvl1pPr marL="0" indent="0" algn="l" defTabSz="914400" rtl="0" eaLnBrk="1" latinLnBrk="0" hangingPunct="1">
+                  <a:defRPr sz="1800" kern="1200">
+                    <a:solidFill>
+                      <a:schemeClr val="lt1"/>
+                    </a:solidFill>
+                    <a:latin typeface="+mn-lt"/>
+                    <a:ea typeface="+mn-ea"/>
+                    <a:cs typeface="+mn-cs"/>
+                  </a:defRPr>
+                </a:lvl1pPr>
+                <a:lvl2pPr marL="457200" indent="0" algn="l" defTabSz="914400" rtl="0" eaLnBrk="1" latinLnBrk="0" hangingPunct="1">
+                  <a:defRPr sz="1800" kern="1200">
+                    <a:solidFill>
+                      <a:schemeClr val="lt1"/>
+                    </a:solidFill>
+                    <a:latin typeface="+mn-lt"/>
+                    <a:ea typeface="+mn-ea"/>
+                    <a:cs typeface="+mn-cs"/>
+                  </a:defRPr>
+                </a:lvl2pPr>
+                <a:lvl3pPr marL="914400" indent="0" algn="l" defTabSz="914400" rtl="0" eaLnBrk="1" latinLnBrk="0" hangingPunct="1">
+                  <a:defRPr sz="1800" kern="1200">
+                    <a:solidFill>
+                      <a:schemeClr val="lt1"/>
+                    </a:solidFill>
+                    <a:latin typeface="+mn-lt"/>
+                    <a:ea typeface="+mn-ea"/>
+                    <a:cs typeface="+mn-cs"/>
+                  </a:defRPr>
+                </a:lvl3pPr>
+                <a:lvl4pPr marL="1371600" indent="0" algn="l" defTabSz="914400" rtl="0" eaLnBrk="1" latinLnBrk="0" hangingPunct="1">
+                  <a:defRPr sz="1800" kern="1200">
+                    <a:solidFill>
+                      <a:schemeClr val="lt1"/>
+                    </a:solidFill>
+                    <a:latin typeface="+mn-lt"/>
+                    <a:ea typeface="+mn-ea"/>
+                    <a:cs typeface="+mn-cs"/>
+                  </a:defRPr>
+                </a:lvl4pPr>
+                <a:lvl5pPr marL="1828800" indent="0" algn="l" defTabSz="914400" rtl="0" eaLnBrk="1" latinLnBrk="0" hangingPunct="1">
+                  <a:defRPr sz="1800" kern="1200">
+                    <a:solidFill>
+                      <a:schemeClr val="lt1"/>
+                    </a:solidFill>
+                    <a:latin typeface="+mn-lt"/>
+                    <a:ea typeface="+mn-ea"/>
+                    <a:cs typeface="+mn-cs"/>
+                  </a:defRPr>
+                </a:lvl5pPr>
+                <a:lvl6pPr marL="2286000" indent="0" algn="l" defTabSz="914400" rtl="0" eaLnBrk="1" latinLnBrk="0" hangingPunct="1">
+                  <a:defRPr sz="1800" kern="1200">
+                    <a:solidFill>
+                      <a:schemeClr val="lt1"/>
+                    </a:solidFill>
+                    <a:latin typeface="+mn-lt"/>
+                    <a:ea typeface="+mn-ea"/>
+                    <a:cs typeface="+mn-cs"/>
+                  </a:defRPr>
+                </a:lvl6pPr>
+                <a:lvl7pPr marL="2743200" indent="0" algn="l" defTabSz="914400" rtl="0" eaLnBrk="1" latinLnBrk="0" hangingPunct="1">
+                  <a:defRPr sz="1800" kern="1200">
+                    <a:solidFill>
+                      <a:schemeClr val="lt1"/>
+                    </a:solidFill>
+                    <a:latin typeface="+mn-lt"/>
+                    <a:ea typeface="+mn-ea"/>
+                    <a:cs typeface="+mn-cs"/>
+                  </a:defRPr>
+                </a:lvl7pPr>
+                <a:lvl8pPr marL="3200400" indent="0" algn="l" defTabSz="914400" rtl="0" eaLnBrk="1" latinLnBrk="0" hangingPunct="1">
+                  <a:defRPr sz="1800" kern="1200">
+                    <a:solidFill>
+                      <a:schemeClr val="lt1"/>
+                    </a:solidFill>
+                    <a:latin typeface="+mn-lt"/>
+                    <a:ea typeface="+mn-ea"/>
+                    <a:cs typeface="+mn-cs"/>
+                  </a:defRPr>
+                </a:lvl8pPr>
+                <a:lvl9pPr marL="3657600" indent="0" algn="l" defTabSz="914400" rtl="0" eaLnBrk="1" latinLnBrk="0" hangingPunct="1">
+                  <a:defRPr sz="1800" kern="1200">
+                    <a:solidFill>
+                      <a:schemeClr val="lt1"/>
+                    </a:solidFill>
+                    <a:latin typeface="+mn-lt"/>
+                    <a:ea typeface="+mn-ea"/>
+                    <a:cs typeface="+mn-cs"/>
+                  </a:defRPr>
+                </a:lvl9pPr>
+              </a:lstStyle>
+              <a:p>
+                <a:pPr algn="ctr"/>
+                <a:r>
+                  <a:rPr lang="pt-BR" sz="800" b="1" dirty="0"/>
+                  <a:t>VALOR</a:t>
+                </a:r>
+              </a:p>
+            </p:txBody>
+          </p:sp>
+          <p:sp>
+            <p:nvSpPr>
+              <p:cNvPr id="32" name="shape_abs_valor">
+                <a:extLst>
+                  <a:ext uri="{FF2B5EF4-FFF2-40B4-BE49-F238E27FC236}">
+                    <a16:creationId xmlns:a16="http://schemas.microsoft.com/office/drawing/2014/main" id="{28CE9DF9-431F-8BAC-E6AC-D44C002FAF6B}"/>
+                  </a:ext>
+                </a:extLst>
+              </p:cNvPr>
+              <p:cNvSpPr/>
+              <p:nvPr/>
+            </p:nvSpPr>
+            <p:spPr>
+              <a:xfrm>
+                <a:off x="5380901" y="1954870"/>
+                <a:ext cx="1078971" cy="300184"/>
+              </a:xfrm>
+              <a:prstGeom prst="roundRect">
+                <a:avLst>
+                  <a:gd name="adj" fmla="val 0"/>
+                </a:avLst>
+              </a:prstGeom>
+              <a:solidFill>
+                <a:schemeClr val="bg1"/>
+              </a:solidFill>
+              <a:ln w="12700">
+                <a:solidFill>
+                  <a:schemeClr val="bg1">
+                    <a:lumMod val="65000"/>
+                  </a:schemeClr>
+                </a:solidFill>
+              </a:ln>
+            </p:spPr>
+            <p:style>
+              <a:lnRef idx="2">
+                <a:schemeClr val="accent1">
+                  <a:shade val="15000"/>
+                </a:schemeClr>
+              </a:lnRef>
+              <a:fillRef idx="1">
+                <a:schemeClr val="accent1"/>
+              </a:fillRef>
+              <a:effectRef idx="0">
+                <a:schemeClr val="accent1"/>
+              </a:effectRef>
+              <a:fontRef idx="minor">
+                <a:schemeClr val="lt1"/>
+              </a:fontRef>
+            </p:style>
+            <p:txBody>
+              <a:bodyPr wrap="square" rtlCol="0" anchor="ctr"/>
+              <a:lstStyle>
+                <a:defPPr>
+                  <a:defRPr lang="pt-BR"/>
+                </a:defPPr>
+                <a:lvl1pPr marL="0" indent="0" algn="l" defTabSz="914400" rtl="0" eaLnBrk="1" latinLnBrk="0" hangingPunct="1">
+                  <a:defRPr sz="1800" kern="1200">
+                    <a:solidFill>
+                      <a:schemeClr val="lt1"/>
+                    </a:solidFill>
+                    <a:latin typeface="+mn-lt"/>
+                    <a:ea typeface="+mn-ea"/>
+                    <a:cs typeface="+mn-cs"/>
+                  </a:defRPr>
+                </a:lvl1pPr>
+                <a:lvl2pPr marL="457200" indent="0" algn="l" defTabSz="914400" rtl="0" eaLnBrk="1" latinLnBrk="0" hangingPunct="1">
+                  <a:defRPr sz="1800" kern="1200">
+                    <a:solidFill>
+                      <a:schemeClr val="lt1"/>
+                    </a:solidFill>
+                    <a:latin typeface="+mn-lt"/>
+                    <a:ea typeface="+mn-ea"/>
+                    <a:cs typeface="+mn-cs"/>
+                  </a:defRPr>
+                </a:lvl2pPr>
+                <a:lvl3pPr marL="914400" indent="0" algn="l" defTabSz="914400" rtl="0" eaLnBrk="1" latinLnBrk="0" hangingPunct="1">
+                  <a:defRPr sz="1800" kern="1200">
+                    <a:solidFill>
+                      <a:schemeClr val="lt1"/>
+                    </a:solidFill>
+                    <a:latin typeface="+mn-lt"/>
+                    <a:ea typeface="+mn-ea"/>
+                    <a:cs typeface="+mn-cs"/>
+                  </a:defRPr>
+                </a:lvl3pPr>
+                <a:lvl4pPr marL="1371600" indent="0" algn="l" defTabSz="914400" rtl="0" eaLnBrk="1" latinLnBrk="0" hangingPunct="1">
+                  <a:defRPr sz="1800" kern="1200">
+                    <a:solidFill>
+                      <a:schemeClr val="lt1"/>
+                    </a:solidFill>
+                    <a:latin typeface="+mn-lt"/>
+                    <a:ea typeface="+mn-ea"/>
+                    <a:cs typeface="+mn-cs"/>
+                  </a:defRPr>
+                </a:lvl4pPr>
+                <a:lvl5pPr marL="1828800" indent="0" algn="l" defTabSz="914400" rtl="0" eaLnBrk="1" latinLnBrk="0" hangingPunct="1">
+                  <a:defRPr sz="1800" kern="1200">
+                    <a:solidFill>
+                      <a:schemeClr val="lt1"/>
+                    </a:solidFill>
+                    <a:latin typeface="+mn-lt"/>
+                    <a:ea typeface="+mn-ea"/>
+                    <a:cs typeface="+mn-cs"/>
+                  </a:defRPr>
+                </a:lvl5pPr>
+                <a:lvl6pPr marL="2286000" indent="0" algn="l" defTabSz="914400" rtl="0" eaLnBrk="1" latinLnBrk="0" hangingPunct="1">
+                  <a:defRPr sz="1800" kern="1200">
+                    <a:solidFill>
+                      <a:schemeClr val="lt1"/>
+                    </a:solidFill>
+                    <a:latin typeface="+mn-lt"/>
+                    <a:ea typeface="+mn-ea"/>
+                    <a:cs typeface="+mn-cs"/>
+                  </a:defRPr>
+                </a:lvl6pPr>
+                <a:lvl7pPr marL="2743200" indent="0" algn="l" defTabSz="914400" rtl="0" eaLnBrk="1" latinLnBrk="0" hangingPunct="1">
+                  <a:defRPr sz="1800" kern="1200">
+                    <a:solidFill>
+                      <a:schemeClr val="lt1"/>
+                    </a:solidFill>
+                    <a:latin typeface="+mn-lt"/>
+                    <a:ea typeface="+mn-ea"/>
+                    <a:cs typeface="+mn-cs"/>
+                  </a:defRPr>
+                </a:lvl7pPr>
+                <a:lvl8pPr marL="3200400" indent="0" algn="l" defTabSz="914400" rtl="0" eaLnBrk="1" latinLnBrk="0" hangingPunct="1">
+                  <a:defRPr sz="1800" kern="1200">
+                    <a:solidFill>
+                      <a:schemeClr val="lt1"/>
+                    </a:solidFill>
+                    <a:latin typeface="+mn-lt"/>
+                    <a:ea typeface="+mn-ea"/>
+                    <a:cs typeface="+mn-cs"/>
+                  </a:defRPr>
+                </a:lvl8pPr>
+                <a:lvl9pPr marL="3657600" indent="0" algn="l" defTabSz="914400" rtl="0" eaLnBrk="1" latinLnBrk="0" hangingPunct="1">
+                  <a:defRPr sz="1800" kern="1200">
+                    <a:solidFill>
+                      <a:schemeClr val="lt1"/>
+                    </a:solidFill>
+                    <a:latin typeface="+mn-lt"/>
+                    <a:ea typeface="+mn-ea"/>
+                    <a:cs typeface="+mn-cs"/>
+                  </a:defRPr>
+                </a:lvl9pPr>
+              </a:lstStyle>
+              <a:p>
+                <a:pPr algn="ctr"/>
+                <a:r>
+                  <a:rPr lang="en-US" sz="800" b="1" i="0" u="none" strike="noStrike" dirty="0">
+                    <a:solidFill>
+                      <a:srgbClr val="000000"/>
+                    </a:solidFill>
+                    <a:latin typeface="Aptos Narrow"/>
+                  </a:rPr>
+                  <a:t>-</a:t>
+                </a:r>
+                <a:endParaRPr lang="pt-BR" sz="800" dirty="0"/>
+              </a:p>
+            </p:txBody>
+          </p:sp>
+          <p:sp>
+            <p:nvSpPr>
+              <p:cNvPr id="33" name="shape_var_valor">
+                <a:extLst>
+                  <a:ext uri="{FF2B5EF4-FFF2-40B4-BE49-F238E27FC236}">
+                    <a16:creationId xmlns:a16="http://schemas.microsoft.com/office/drawing/2014/main" id="{79440B85-56FA-9B12-4261-7F9563B39D4D}"/>
+                  </a:ext>
+                </a:extLst>
+              </p:cNvPr>
+              <p:cNvSpPr/>
+              <p:nvPr/>
+            </p:nvSpPr>
+            <p:spPr>
+              <a:xfrm>
+                <a:off x="6459875" y="1954870"/>
+                <a:ext cx="714734" cy="300184"/>
+              </a:xfrm>
+              <a:prstGeom prst="roundRect">
+                <a:avLst>
+                  <a:gd name="adj" fmla="val 0"/>
+                </a:avLst>
+              </a:prstGeom>
+              <a:solidFill>
+                <a:schemeClr val="bg1"/>
+              </a:solidFill>
+              <a:ln w="12700">
+                <a:solidFill>
+                  <a:schemeClr val="bg1">
+                    <a:lumMod val="65000"/>
+                  </a:schemeClr>
+                </a:solidFill>
+              </a:ln>
+            </p:spPr>
+            <p:style>
+              <a:lnRef idx="2">
+                <a:schemeClr val="accent1">
+                  <a:shade val="15000"/>
+                </a:schemeClr>
+              </a:lnRef>
+              <a:fillRef idx="1">
+                <a:schemeClr val="accent1"/>
+              </a:fillRef>
+              <a:effectRef idx="0">
+                <a:schemeClr val="accent1"/>
+              </a:effectRef>
+              <a:fontRef idx="minor">
+                <a:schemeClr val="lt1"/>
+              </a:fontRef>
+            </p:style>
+            <p:txBody>
+              <a:bodyPr wrap="square" rtlCol="0" anchor="ctr"/>
+              <a:lstStyle>
+                <a:defPPr>
+                  <a:defRPr lang="pt-BR"/>
+                </a:defPPr>
+                <a:lvl1pPr marL="0" indent="0" algn="l" defTabSz="914400" rtl="0" eaLnBrk="1" latinLnBrk="0" hangingPunct="1">
+                  <a:defRPr sz="1800" kern="1200">
+                    <a:solidFill>
+                      <a:schemeClr val="lt1"/>
+                    </a:solidFill>
+                    <a:latin typeface="+mn-lt"/>
+                    <a:ea typeface="+mn-ea"/>
+                    <a:cs typeface="+mn-cs"/>
+                  </a:defRPr>
+                </a:lvl1pPr>
+                <a:lvl2pPr marL="457200" indent="0" algn="l" defTabSz="914400" rtl="0" eaLnBrk="1" latinLnBrk="0" hangingPunct="1">
+                  <a:defRPr sz="1800" kern="1200">
+                    <a:solidFill>
+                      <a:schemeClr val="lt1"/>
+                    </a:solidFill>
+                    <a:latin typeface="+mn-lt"/>
+                    <a:ea typeface="+mn-ea"/>
+                    <a:cs typeface="+mn-cs"/>
+                  </a:defRPr>
+                </a:lvl2pPr>
+                <a:lvl3pPr marL="914400" indent="0" algn="l" defTabSz="914400" rtl="0" eaLnBrk="1" latinLnBrk="0" hangingPunct="1">
+                  <a:defRPr sz="1800" kern="1200">
+                    <a:solidFill>
+                      <a:schemeClr val="lt1"/>
+                    </a:solidFill>
+                    <a:latin typeface="+mn-lt"/>
+                    <a:ea typeface="+mn-ea"/>
+                    <a:cs typeface="+mn-cs"/>
+                  </a:defRPr>
+                </a:lvl3pPr>
+                <a:lvl4pPr marL="1371600" indent="0" algn="l" defTabSz="914400" rtl="0" eaLnBrk="1" latinLnBrk="0" hangingPunct="1">
+                  <a:defRPr sz="1800" kern="1200">
+                    <a:solidFill>
+                      <a:schemeClr val="lt1"/>
+                    </a:solidFill>
+                    <a:latin typeface="+mn-lt"/>
+                    <a:ea typeface="+mn-ea"/>
+                    <a:cs typeface="+mn-cs"/>
+                  </a:defRPr>
+                </a:lvl4pPr>
+                <a:lvl5pPr marL="1828800" indent="0" algn="l" defTabSz="914400" rtl="0" eaLnBrk="1" latinLnBrk="0" hangingPunct="1">
+                  <a:defRPr sz="1800" kern="1200">
+                    <a:solidFill>
+                      <a:schemeClr val="lt1"/>
+                    </a:solidFill>
+                    <a:latin typeface="+mn-lt"/>
+                    <a:ea typeface="+mn-ea"/>
+                    <a:cs typeface="+mn-cs"/>
+                  </a:defRPr>
+                </a:lvl5pPr>
+                <a:lvl6pPr marL="2286000" indent="0" algn="l" defTabSz="914400" rtl="0" eaLnBrk="1" latinLnBrk="0" hangingPunct="1">
+                  <a:defRPr sz="1800" kern="1200">
+                    <a:solidFill>
+                      <a:schemeClr val="lt1"/>
+                    </a:solidFill>
+                    <a:latin typeface="+mn-lt"/>
+                    <a:ea typeface="+mn-ea"/>
+                    <a:cs typeface="+mn-cs"/>
+                  </a:defRPr>
+                </a:lvl6pPr>
+                <a:lvl7pPr marL="2743200" indent="0" algn="l" defTabSz="914400" rtl="0" eaLnBrk="1" latinLnBrk="0" hangingPunct="1">
+                  <a:defRPr sz="1800" kern="1200">
+                    <a:solidFill>
+                      <a:schemeClr val="lt1"/>
+                    </a:solidFill>
+                    <a:latin typeface="+mn-lt"/>
+                    <a:ea typeface="+mn-ea"/>
+                    <a:cs typeface="+mn-cs"/>
+                  </a:defRPr>
+                </a:lvl7pPr>
+                <a:lvl8pPr marL="3200400" indent="0" algn="l" defTabSz="914400" rtl="0" eaLnBrk="1" latinLnBrk="0" hangingPunct="1">
+                  <a:defRPr sz="1800" kern="1200">
+                    <a:solidFill>
+                      <a:schemeClr val="lt1"/>
+                    </a:solidFill>
+                    <a:latin typeface="+mn-lt"/>
+                    <a:ea typeface="+mn-ea"/>
+                    <a:cs typeface="+mn-cs"/>
+                  </a:defRPr>
+                </a:lvl8pPr>
+                <a:lvl9pPr marL="3657600" indent="0" algn="l" defTabSz="914400" rtl="0" eaLnBrk="1" latinLnBrk="0" hangingPunct="1">
+                  <a:defRPr sz="1800" kern="1200">
+                    <a:solidFill>
+                      <a:schemeClr val="lt1"/>
+                    </a:solidFill>
+                    <a:latin typeface="+mn-lt"/>
+                    <a:ea typeface="+mn-ea"/>
+                    <a:cs typeface="+mn-cs"/>
+                  </a:defRPr>
+                </a:lvl9pPr>
+              </a:lstStyle>
+              <a:p>
+                <a:pPr algn="ctr"/>
+                <a:r>
+                  <a:rPr lang="en-US" sz="800" b="1" i="0" u="none" strike="noStrike" dirty="0">
+                    <a:solidFill>
+                      <a:srgbClr val="FF5757"/>
+                    </a:solidFill>
+                    <a:latin typeface="Aptos Narrow"/>
+                  </a:rPr>
+                  <a:t>-</a:t>
+                </a:r>
+                <a:endParaRPr lang="pt-BR" sz="800" dirty="0">
+                  <a:solidFill>
+                    <a:srgbClr val="FF5757"/>
+                  </a:solidFill>
+                </a:endParaRPr>
+              </a:p>
+            </p:txBody>
+          </p:sp>
+        </p:grpSp>
+      </p:grpSp>
+      <p:sp>
+        <p:nvSpPr>
+          <p:cNvPr id="7" name="TitleChartMeasureTree">
+            <a:extLst>
+              <a:ext uri="{FF2B5EF4-FFF2-40B4-BE49-F238E27FC236}">
+                <a16:creationId xmlns:a16="http://schemas.microsoft.com/office/drawing/2014/main" id="{85FBF46A-7BBB-1AE8-04D3-09E73B5E6822}"/>
+              </a:ext>
+            </a:extLst>
+          </p:cNvPr>
+          <p:cNvSpPr txBox="1"/>
+          <p:nvPr/>
+        </p:nvSpPr>
+        <p:spPr>
+          <a:xfrm>
+            <a:off x="187072" y="1448752"/>
+            <a:ext cx="3984119" cy="154478"/>
+          </a:xfrm>
+          <a:prstGeom prst="rect">
+            <a:avLst/>
+          </a:prstGeom>
+          <a:noFill/>
+        </p:spPr>
+        <p:style>
+          <a:lnRef idx="0">
+            <a:scrgbClr r="0" g="0" b="0"/>
+          </a:lnRef>
+          <a:fillRef idx="0">
+            <a:scrgbClr r="0" g="0" b="0"/>
+          </a:fillRef>
+          <a:effectRef idx="0">
+            <a:scrgbClr r="0" g="0" b="0"/>
+          </a:effectRef>
+          <a:fontRef idx="minor">
+            <a:schemeClr val="tx1"/>
+          </a:fontRef>
+        </p:style>
+        <p:txBody>
+          <a:bodyPr wrap="square" rtlCol="0" anchor="t">
+            <a:spAutoFit/>
+          </a:bodyPr>
+          <a:lstStyle>
+            <a:lvl1pPr marL="0" indent="0">
+              <a:defRPr sz="1100">
+                <a:solidFill>
+                  <a:schemeClr val="tx1"/>
+                </a:solidFill>
+                <a:latin typeface="+mn-lt"/>
+                <a:ea typeface="+mn-ea"/>
+                <a:cs typeface="+mn-cs"/>
+              </a:defRPr>
+            </a:lvl1pPr>
+            <a:lvl2pPr marL="457200" indent="0">
+              <a:defRPr sz="1100">
+                <a:solidFill>
+                  <a:schemeClr val="tx1"/>
+                </a:solidFill>
+                <a:latin typeface="+mn-lt"/>
+                <a:ea typeface="+mn-ea"/>
+                <a:cs typeface="+mn-cs"/>
+              </a:defRPr>
+            </a:lvl2pPr>
+            <a:lvl3pPr marL="914400" indent="0">
+              <a:defRPr sz="1100">
+                <a:solidFill>
+                  <a:schemeClr val="tx1"/>
+                </a:solidFill>
+                <a:latin typeface="+mn-lt"/>
+                <a:ea typeface="+mn-ea"/>
+                <a:cs typeface="+mn-cs"/>
+              </a:defRPr>
+            </a:lvl3pPr>
+            <a:lvl4pPr marL="1371600" indent="0">
+              <a:defRPr sz="1100">
+                <a:solidFill>
+                  <a:schemeClr val="tx1"/>
+                </a:solidFill>
+                <a:latin typeface="+mn-lt"/>
+                <a:ea typeface="+mn-ea"/>
+                <a:cs typeface="+mn-cs"/>
+              </a:defRPr>
+            </a:lvl4pPr>
+            <a:lvl5pPr marL="1828800" indent="0">
+              <a:defRPr sz="1100">
+                <a:solidFill>
+                  <a:schemeClr val="tx1"/>
+                </a:solidFill>
+                <a:latin typeface="+mn-lt"/>
+                <a:ea typeface="+mn-ea"/>
+                <a:cs typeface="+mn-cs"/>
+              </a:defRPr>
+            </a:lvl5pPr>
+            <a:lvl6pPr marL="2286000" indent="0">
+              <a:defRPr sz="1100">
+                <a:solidFill>
+                  <a:schemeClr val="tx1"/>
+                </a:solidFill>
+                <a:latin typeface="+mn-lt"/>
+                <a:ea typeface="+mn-ea"/>
+                <a:cs typeface="+mn-cs"/>
+              </a:defRPr>
+            </a:lvl6pPr>
+            <a:lvl7pPr marL="2743200" indent="0">
+              <a:defRPr sz="1100">
+                <a:solidFill>
+                  <a:schemeClr val="tx1"/>
+                </a:solidFill>
+                <a:latin typeface="+mn-lt"/>
+                <a:ea typeface="+mn-ea"/>
+                <a:cs typeface="+mn-cs"/>
+              </a:defRPr>
+            </a:lvl7pPr>
+            <a:lvl8pPr marL="3200400" indent="0">
+              <a:defRPr sz="1100">
+                <a:solidFill>
+                  <a:schemeClr val="tx1"/>
+                </a:solidFill>
+                <a:latin typeface="+mn-lt"/>
+                <a:ea typeface="+mn-ea"/>
+                <a:cs typeface="+mn-cs"/>
+              </a:defRPr>
+            </a:lvl8pPr>
+            <a:lvl9pPr marL="3657600" indent="0">
+              <a:defRPr sz="1100">
+                <a:solidFill>
+                  <a:schemeClr val="tx1"/>
+                </a:solidFill>
+                <a:latin typeface="+mn-lt"/>
+                <a:ea typeface="+mn-ea"/>
+                <a:cs typeface="+mn-cs"/>
+              </a:defRPr>
+            </a:lvl9pPr>
+          </a:lstStyle>
+          <a:p>
+            <a:fld id="{FA56EDA4-1FC9-447F-90FA-86CCEE74977D}" type="TxLink">
+              <a:rPr lang="en-US" sz="800" b="0" i="0" u="none" strike="noStrike">
+                <a:solidFill>
+                  <a:schemeClr val="tx1">
+                    <a:lumMod val="65000"/>
+                    <a:lumOff val="35000"/>
+                  </a:schemeClr>
+                </a:solidFill>
+                <a:latin typeface="Aptos Narrow"/>
+              </a:rPr>
+              <a:pPr/>
+              <a:t>MAT Dec-21 vs. MAT Dec-20 | Coca-Cola Cia | Hipermercados | Total Descartaveis | N+NE</a:t>
+            </a:fld>
+            <a:endParaRPr lang="pt-BR" sz="800" b="0">
+              <a:solidFill>
+                <a:schemeClr val="tx1">
+                  <a:lumMod val="65000"/>
+                  <a:lumOff val="35000"/>
+                </a:schemeClr>
+              </a:solidFill>
+            </a:endParaRPr>
+          </a:p>
+        </p:txBody>
+      </p:sp>
+    </p:spTree>
+    <p:extLst>
+      <p:ext uri="{BB962C8B-B14F-4D97-AF65-F5344CB8AC3E}">
+        <p14:creationId xmlns:p14="http://schemas.microsoft.com/office/powerpoint/2010/main" val="1266926595"/>
+      </p:ext>
+    </p:extLst>
+  </p:cSld>
+  <p:clrMapOvr>
+    <a:masterClrMapping/>
+  </p:clrMapOvr>
+  <mc:AlternateContent xmlns:mc="http://schemas.openxmlformats.org/markup-compatibility/2006" xmlns:p14="http://schemas.microsoft.com/office/powerpoint/2010/main">
+    <mc:Choice Requires="p14">
+      <p:transition spd="med" p14:dur="700">
+        <p:fade/>
+      </p:transition>
+    </mc:Choice>
+    <mc:Fallback xmlns="">
+      <p:transition spd="med">
+        <p:fade/>
+      </p:transition>
+    </mc:Fallback>
+  </mc:AlternateContent>
+</p:sld>
+</file>
+
+<file path=ppt/slides/slide2.xml><?xml version="1.0" encoding="utf-8"?>
+<p:sld xmlns:a="http://schemas.openxmlformats.org/drawingml/2006/main" xmlns:r="http://schemas.openxmlformats.org/officeDocument/2006/relationships" xmlns:p="http://schemas.openxmlformats.org/presentationml/2006/main">
+  <p:cSld>
+    <p:spTree>
+      <p:nvGrpSpPr>
+        <p:cNvPr id="1" name=""/>
+        <p:cNvGrpSpPr/>
+        <p:nvPr/>
+      </p:nvGrpSpPr>
+      <p:grpSpPr>
+        <a:xfrm>
+          <a:off x="0" y="0"/>
+          <a:ext cx="0" cy="0"/>
+          <a:chOff x="0" y="0"/>
+          <a:chExt cx="0" cy="0"/>
+        </a:xfrm>
+      </p:grpSpPr>
       <p:graphicFrame>
         <p:nvGraphicFramePr>
           <p:cNvPr id="8" name="Chart_Produto">
@@ -8285,6 +16454,53 @@
           </a:graphicData>
         </a:graphic>
       </p:graphicFrame>
+      <p:sp>
+        <p:nvSpPr>
+          <p:cNvPr id="2" name="value">
+            <a:extLst>
+              <a:ext uri="{FF2B5EF4-FFF2-40B4-BE49-F238E27FC236}">
+                <a16:creationId xmlns:a16="http://schemas.microsoft.com/office/drawing/2014/main" id="{9359B641-19E0-720C-C927-D16B280A69C3}"/>
+              </a:ext>
+            </a:extLst>
+          </p:cNvPr>
+          <p:cNvSpPr/>
+          <p:nvPr/>
+        </p:nvSpPr>
+        <p:spPr>
+          <a:xfrm>
+            <a:off x="4939990" y="802888"/>
+            <a:ext cx="2542478" cy="702527"/>
+          </a:xfrm>
+          <a:prstGeom prst="rect">
+            <a:avLst/>
+          </a:prstGeom>
+        </p:spPr>
+        <p:style>
+          <a:lnRef idx="2">
+            <a:schemeClr val="accent1">
+              <a:shade val="15000"/>
+            </a:schemeClr>
+          </a:lnRef>
+          <a:fillRef idx="1">
+            <a:schemeClr val="accent1"/>
+          </a:fillRef>
+          <a:effectRef idx="0">
+            <a:schemeClr val="accent1"/>
+          </a:effectRef>
+          <a:fontRef idx="minor">
+            <a:schemeClr val="lt1"/>
+          </a:fontRef>
+        </p:style>
+        <p:txBody>
+          <a:bodyPr rtlCol="0" anchor="ctr"/>
+          <a:lstStyle/>
+          <a:p>
+            <a:r>
+              <a:t>R$ 337.875.400,00</a:t>
+            </a:r>
+          </a:p>
+        </p:txBody>
+      </p:sp>
     </p:spTree>
     <p:extLst>
       <p:ext uri="{BB962C8B-B14F-4D97-AF65-F5344CB8AC3E}">
@@ -8298,7 +16514,7 @@
 </p:sld>
 </file>
 
-<file path=ppt/slides/slide2.xml><?xml version="1.0" encoding="utf-8"?>
+<file path=ppt/slides/slide3.xml><?xml version="1.0" encoding="utf-8"?>
 <p:sld xmlns:a="http://schemas.openxmlformats.org/drawingml/2006/main" xmlns:r="http://schemas.openxmlformats.org/officeDocument/2006/relationships" xmlns:p="http://schemas.openxmlformats.org/presentationml/2006/main">
   <p:cSld>
     <p:spTree>
@@ -8384,7 +16600,7 @@
 </p:sld>
 </file>
 
-<file path=ppt/slides/slide3.xml><?xml version="1.0" encoding="utf-8"?>
+<file path=ppt/slides/slide4.xml><?xml version="1.0" encoding="utf-8"?>
 <p:sld xmlns:a="http://schemas.openxmlformats.org/drawingml/2006/main" xmlns:r="http://schemas.openxmlformats.org/officeDocument/2006/relationships" xmlns:p="http://schemas.openxmlformats.org/presentationml/2006/main">
   <p:cSld>
     <p:spTree>
@@ -8470,7 +16686,7 @@
 </p:sld>
 </file>
 
-<file path=ppt/slides/slide4.xml><?xml version="1.0" encoding="utf-8"?>
+<file path=ppt/slides/slide5.xml><?xml version="1.0" encoding="utf-8"?>
 <p:sld xmlns:a="http://schemas.openxmlformats.org/drawingml/2006/main" xmlns:r="http://schemas.openxmlformats.org/officeDocument/2006/relationships" xmlns:p="http://schemas.openxmlformats.org/presentationml/2006/main">
   <p:cSld>
     <p:spTree>
@@ -8556,7 +16772,7 @@
 </p:sld>
 </file>
 
-<file path=ppt/slides/slide5.xml><?xml version="1.0" encoding="utf-8"?>
+<file path=ppt/slides/slide6.xml><?xml version="1.0" encoding="utf-8"?>
 <p:sld xmlns:a="http://schemas.openxmlformats.org/drawingml/2006/main" xmlns:r="http://schemas.openxmlformats.org/officeDocument/2006/relationships" xmlns:p="http://schemas.openxmlformats.org/presentationml/2006/main">
   <p:cSld>
     <p:spTree>
@@ -8645,7 +16861,7 @@
 <file path=ppt/tags/tag1.xml><?xml version="1.0" encoding="utf-8"?>
 <p:tagLst xmlns:a="http://schemas.openxmlformats.org/drawingml/2006/main" xmlns:r="http://schemas.openxmlformats.org/officeDocument/2006/relationships" xmlns:p="http://schemas.openxmlformats.org/presentationml/2006/main">
   <p:tag name="EXCLUDEHIDDENSLIDES" val="False"/>
-  <p:tag name="NUMBEROFPAGES" val="4"/>
+  <p:tag name="NUMBEROFPAGES" val="6"/>
 </p:tagLst>
 </file>
 
